--- a/Building a sample CRUD Web Application.pptx
+++ b/Building a sample CRUD Web Application.pptx
@@ -19,15 +19,30 @@
     <p:sldId id="268" r:id="rId13"/>
     <p:sldId id="269" r:id="rId14"/>
     <p:sldId id="270" r:id="rId15"/>
-    <p:sldId id="272" r:id="rId16"/>
-    <p:sldId id="276" r:id="rId17"/>
-    <p:sldId id="278" r:id="rId18"/>
-    <p:sldId id="279" r:id="rId19"/>
+    <p:sldId id="276" r:id="rId16"/>
+    <p:sldId id="278" r:id="rId17"/>
+    <p:sldId id="279" r:id="rId18"/>
+    <p:sldId id="287" r:id="rId19"/>
     <p:sldId id="280" r:id="rId20"/>
     <p:sldId id="281" r:id="rId21"/>
     <p:sldId id="282" r:id="rId22"/>
     <p:sldId id="283" r:id="rId23"/>
     <p:sldId id="286" r:id="rId24"/>
+    <p:sldId id="288" r:id="rId25"/>
+    <p:sldId id="289" r:id="rId26"/>
+    <p:sldId id="290" r:id="rId27"/>
+    <p:sldId id="292" r:id="rId28"/>
+    <p:sldId id="293" r:id="rId29"/>
+    <p:sldId id="294" r:id="rId30"/>
+    <p:sldId id="295" r:id="rId31"/>
+    <p:sldId id="298" r:id="rId32"/>
+    <p:sldId id="296" r:id="rId33"/>
+    <p:sldId id="297" r:id="rId34"/>
+    <p:sldId id="299" r:id="rId35"/>
+    <p:sldId id="300" r:id="rId36"/>
+    <p:sldId id="301" r:id="rId37"/>
+    <p:sldId id="302" r:id="rId38"/>
+    <p:sldId id="272" r:id="rId39"/>
   </p:sldIdLst>
   <p:sldSz cx="12192000" cy="6858000"/>
   <p:notesSz cx="6858000" cy="9144000"/>
@@ -147,18 +162,18 @@
   <pc:docChgLst>
     <pc:chgData name="σρтιмυѕ ρяιмє" userId="8c882d0867ceeb53" providerId="LiveId" clId="{979196C3-965E-4D79-9C4A-D3ADF9595C8C}"/>
     <pc:docChg chg="undo custSel addSld delSld modSld sldOrd modMainMaster">
-      <pc:chgData name="σρтιмυѕ ρяιмє" userId="8c882d0867ceeb53" providerId="LiveId" clId="{979196C3-965E-4D79-9C4A-D3ADF9595C8C}" dt="2023-08-02T14:23:40.713" v="4067" actId="20577"/>
+      <pc:chgData name="σρтιмυѕ ρяιмє" userId="8c882d0867ceeb53" providerId="LiveId" clId="{979196C3-965E-4D79-9C4A-D3ADF9595C8C}" dt="2023-08-08T14:39:27.177" v="5056"/>
       <pc:docMkLst>
         <pc:docMk/>
       </pc:docMkLst>
       <pc:sldChg chg="modSp mod modTransition modAnim">
-        <pc:chgData name="σρтιмυѕ ρяιмє" userId="8c882d0867ceeb53" providerId="LiveId" clId="{979196C3-965E-4D79-9C4A-D3ADF9595C8C}" dt="2023-08-02T04:01:16.208" v="3175"/>
+        <pc:chgData name="σρтιмυѕ ρяιмє" userId="8c882d0867ceeb53" providerId="LiveId" clId="{979196C3-965E-4D79-9C4A-D3ADF9595C8C}" dt="2023-08-08T14:25:43.815" v="5018"/>
         <pc:sldMkLst>
           <pc:docMk/>
           <pc:sldMk cId="4006953228" sldId="256"/>
         </pc:sldMkLst>
         <pc:spChg chg="mod">
-          <ac:chgData name="σρтιмυѕ ρяιмє" userId="8c882d0867ceeb53" providerId="LiveId" clId="{979196C3-965E-4D79-9C4A-D3ADF9595C8C}" dt="2023-08-02T03:06:50.155" v="3124" actId="1076"/>
+          <ac:chgData name="σρтιмυѕ ρяιмє" userId="8c882d0867ceeb53" providerId="LiveId" clId="{979196C3-965E-4D79-9C4A-D3ADF9595C8C}" dt="2023-08-08T06:38:14.501" v="4193" actId="14100"/>
           <ac:spMkLst>
             <pc:docMk/>
             <pc:sldMk cId="4006953228" sldId="256"/>
@@ -175,7 +190,7 @@
         </pc:spChg>
       </pc:sldChg>
       <pc:sldChg chg="modSp new mod modTransition setBg modAnim">
-        <pc:chgData name="σρтιмυѕ ρяιмє" userId="8c882d0867ceeb53" providerId="LiveId" clId="{979196C3-965E-4D79-9C4A-D3ADF9595C8C}" dt="2023-08-02T14:00:34.362" v="3614"/>
+        <pc:chgData name="σρтιмυѕ ρяιмє" userId="8c882d0867ceeb53" providerId="LiveId" clId="{979196C3-965E-4D79-9C4A-D3ADF9595C8C}" dt="2023-08-08T14:25:43.815" v="5018"/>
         <pc:sldMkLst>
           <pc:docMk/>
           <pc:sldMk cId="1361767948" sldId="257"/>
@@ -198,7 +213,7 @@
         </pc:spChg>
       </pc:sldChg>
       <pc:sldChg chg="addSp delSp modSp new mod modTransition setBg">
-        <pc:chgData name="σρтιмυѕ ρяιмє" userId="8c882d0867ceeb53" providerId="LiveId" clId="{979196C3-965E-4D79-9C4A-D3ADF9595C8C}" dt="2023-08-02T14:00:50.964" v="3616"/>
+        <pc:chgData name="σρтιмυѕ ρяιмє" userId="8c882d0867ceeb53" providerId="LiveId" clId="{979196C3-965E-4D79-9C4A-D3ADF9595C8C}" dt="2023-08-08T14:25:43.815" v="5018"/>
         <pc:sldMkLst>
           <pc:docMk/>
           <pc:sldMk cId="249735547" sldId="258"/>
@@ -252,7 +267,7 @@
         </pc:spChg>
       </pc:sldChg>
       <pc:sldChg chg="addSp delSp modSp new mod modTransition setBg modClrScheme chgLayout">
-        <pc:chgData name="σρтιмυѕ ρяιмє" userId="8c882d0867ceeb53" providerId="LiveId" clId="{979196C3-965E-4D79-9C4A-D3ADF9595C8C}" dt="2023-08-02T14:01:00.851" v="3617"/>
+        <pc:chgData name="σρтιмυѕ ρяιмє" userId="8c882d0867ceeb53" providerId="LiveId" clId="{979196C3-965E-4D79-9C4A-D3ADF9595C8C}" dt="2023-08-08T14:25:43.815" v="5018"/>
         <pc:sldMkLst>
           <pc:docMk/>
           <pc:sldMk cId="10084384" sldId="259"/>
@@ -336,7 +351,7 @@
         </pc:sldMkLst>
       </pc:sldChg>
       <pc:sldChg chg="addSp delSp modSp new mod modTransition setBg modClrScheme chgLayout">
-        <pc:chgData name="σρтιмυѕ ρяιмє" userId="8c882d0867ceeb53" providerId="LiveId" clId="{979196C3-965E-4D79-9C4A-D3ADF9595C8C}" dt="2023-08-02T14:23:40.713" v="4067" actId="20577"/>
+        <pc:chgData name="σρтιмυѕ ρяιмє" userId="8c882d0867ceeb53" providerId="LiveId" clId="{979196C3-965E-4D79-9C4A-D3ADF9595C8C}" dt="2023-08-08T14:25:43.815" v="5018"/>
         <pc:sldMkLst>
           <pc:docMk/>
           <pc:sldMk cId="2901798837" sldId="261"/>
@@ -421,7 +436,7 @@
         </pc:sldMkLst>
       </pc:sldChg>
       <pc:sldChg chg="addSp delSp modSp new mod modTransition setBg modClrScheme chgLayout">
-        <pc:chgData name="σρтιмυѕ ρяιмє" userId="8c882d0867ceeb53" providerId="LiveId" clId="{979196C3-965E-4D79-9C4A-D3ADF9595C8C}" dt="2023-08-02T14:01:11.212" v="3618"/>
+        <pc:chgData name="σρтιмυѕ ρяιмє" userId="8c882d0867ceeb53" providerId="LiveId" clId="{979196C3-965E-4D79-9C4A-D3ADF9595C8C}" dt="2023-08-08T14:25:43.815" v="5018"/>
         <pc:sldMkLst>
           <pc:docMk/>
           <pc:sldMk cId="3660895017" sldId="262"/>
@@ -476,7 +491,7 @@
         </pc:spChg>
       </pc:sldChg>
       <pc:sldChg chg="addSp delSp modSp new mod modTransition setBg modClrScheme chgLayout">
-        <pc:chgData name="σρтιмυѕ ρяιмє" userId="8c882d0867ceeb53" providerId="LiveId" clId="{979196C3-965E-4D79-9C4A-D3ADF9595C8C}" dt="2023-08-02T14:01:16.360" v="3619"/>
+        <pc:chgData name="σρтιмυѕ ρяιмє" userId="8c882d0867ceeb53" providerId="LiveId" clId="{979196C3-965E-4D79-9C4A-D3ADF9595C8C}" dt="2023-08-08T14:25:43.815" v="5018"/>
         <pc:sldMkLst>
           <pc:docMk/>
           <pc:sldMk cId="3869945834" sldId="263"/>
@@ -515,7 +530,7 @@
         </pc:spChg>
       </pc:sldChg>
       <pc:sldChg chg="addSp delSp modSp new add del mod modTransition setBg modClrScheme chgLayout">
-        <pc:chgData name="σρтιмυѕ ρяιмє" userId="8c882d0867ceeb53" providerId="LiveId" clId="{979196C3-965E-4D79-9C4A-D3ADF9595C8C}" dt="2023-08-02T14:01:28.143" v="3621"/>
+        <pc:chgData name="σρтιмυѕ ρяιмє" userId="8c882d0867ceeb53" providerId="LiveId" clId="{979196C3-965E-4D79-9C4A-D3ADF9595C8C}" dt="2023-08-08T14:25:43.815" v="5018"/>
         <pc:sldMkLst>
           <pc:docMk/>
           <pc:sldMk cId="2791478597" sldId="264"/>
@@ -601,7 +616,7 @@
         </pc:graphicFrameChg>
       </pc:sldChg>
       <pc:sldChg chg="addSp delSp modSp new mod modTransition setBg modClrScheme chgLayout">
-        <pc:chgData name="σρтιмυѕ ρяιмє" userId="8c882d0867ceeb53" providerId="LiveId" clId="{979196C3-965E-4D79-9C4A-D3ADF9595C8C}" dt="2023-08-02T14:01:49.678" v="3624"/>
+        <pc:chgData name="σρтιмυѕ ρяιмє" userId="8c882d0867ceeb53" providerId="LiveId" clId="{979196C3-965E-4D79-9C4A-D3ADF9595C8C}" dt="2023-08-08T14:25:43.815" v="5018"/>
         <pc:sldMkLst>
           <pc:docMk/>
           <pc:sldMk cId="248781565" sldId="265"/>
@@ -615,11 +630,19 @@
           </ac:spMkLst>
         </pc:spChg>
         <pc:spChg chg="add del mod">
-          <ac:chgData name="σρтιмυѕ ρяιмє" userId="8c882d0867ceeb53" providerId="LiveId" clId="{979196C3-965E-4D79-9C4A-D3ADF9595C8C}" dt="2023-08-01T20:58:25.879" v="3115" actId="20577"/>
+          <ac:chgData name="σρтιмυѕ ρяιмє" userId="8c882d0867ceeb53" providerId="LiveId" clId="{979196C3-965E-4D79-9C4A-D3ADF9595C8C}" dt="2023-08-08T12:17:57.909" v="4634"/>
           <ac:spMkLst>
             <pc:docMk/>
             <pc:sldMk cId="248781565" sldId="265"/>
             <ac:spMk id="3" creationId="{71EEC5AA-A13B-D7E5-3AF5-777810B84C5C}"/>
+          </ac:spMkLst>
+        </pc:spChg>
+        <pc:spChg chg="add del mod">
+          <ac:chgData name="σρтιмυѕ ρяιмє" userId="8c882d0867ceeb53" providerId="LiveId" clId="{979196C3-965E-4D79-9C4A-D3ADF9595C8C}" dt="2023-08-07T05:35:50.575" v="4071"/>
+          <ac:spMkLst>
+            <pc:docMk/>
+            <pc:sldMk cId="248781565" sldId="265"/>
+            <ac:spMk id="4" creationId="{6B26A993-BC46-EEA1-5B1F-136A6F482237}"/>
           </ac:spMkLst>
         </pc:spChg>
         <pc:spChg chg="add del">
@@ -636,6 +659,30 @@
             <pc:docMk/>
             <pc:sldMk cId="248781565" sldId="265"/>
             <ac:spMk id="5" creationId="{082DB536-D722-5AE7-0C52-65F1AC8B4288}"/>
+          </ac:spMkLst>
+        </pc:spChg>
+        <pc:spChg chg="add del mod">
+          <ac:chgData name="σρтιмυѕ ρяιмє" userId="8c882d0867ceeb53" providerId="LiveId" clId="{979196C3-965E-4D79-9C4A-D3ADF9595C8C}" dt="2023-08-07T05:38:29.761" v="4079"/>
+          <ac:spMkLst>
+            <pc:docMk/>
+            <pc:sldMk cId="248781565" sldId="265"/>
+            <ac:spMk id="6" creationId="{89F1E6A8-FBF8-9D0F-5C0B-8216CF7ADCD9}"/>
+          </ac:spMkLst>
+        </pc:spChg>
+        <pc:spChg chg="add mod">
+          <ac:chgData name="σρтιмυѕ ρяιмє" userId="8c882d0867ceeb53" providerId="LiveId" clId="{979196C3-965E-4D79-9C4A-D3ADF9595C8C}" dt="2023-08-07T05:40:46" v="4107" actId="20577"/>
+          <ac:spMkLst>
+            <pc:docMk/>
+            <pc:sldMk cId="248781565" sldId="265"/>
+            <ac:spMk id="7" creationId="{87F65627-DC75-0D30-12DE-9C48B9E433D4}"/>
+          </ac:spMkLst>
+        </pc:spChg>
+        <pc:spChg chg="add mod">
+          <ac:chgData name="σρтιмυѕ ρяιмє" userId="8c882d0867ceeb53" providerId="LiveId" clId="{979196C3-965E-4D79-9C4A-D3ADF9595C8C}" dt="2023-08-07T05:43:29.562" v="4129" actId="1076"/>
+          <ac:spMkLst>
+            <pc:docMk/>
+            <pc:sldMk cId="248781565" sldId="265"/>
+            <ac:spMk id="8" creationId="{E7BB3F72-87E0-8139-B090-1E40BC8AF3A9}"/>
           </ac:spMkLst>
         </pc:spChg>
         <pc:graphicFrameChg chg="add del mod">
@@ -671,7 +718,7 @@
         </pc:spChg>
       </pc:sldChg>
       <pc:sldChg chg="addSp delSp modSp new mod modTransition setBg modAnim">
-        <pc:chgData name="σρтιмυѕ ρяιмє" userId="8c882d0867ceeb53" providerId="LiveId" clId="{979196C3-965E-4D79-9C4A-D3ADF9595C8C}" dt="2023-08-02T14:02:37.434" v="3684"/>
+        <pc:chgData name="σρтιмυѕ ρяιмє" userId="8c882d0867ceeb53" providerId="LiveId" clId="{979196C3-965E-4D79-9C4A-D3ADF9595C8C}" dt="2023-08-08T14:25:43.815" v="5018"/>
         <pc:sldMkLst>
           <pc:docMk/>
           <pc:sldMk cId="1019781571" sldId="267"/>
@@ -685,7 +732,7 @@
           </ac:spMkLst>
         </pc:spChg>
         <pc:spChg chg="mod">
-          <ac:chgData name="σρтιмυѕ ρяιмє" userId="8c882d0867ceeb53" providerId="LiveId" clId="{979196C3-965E-4D79-9C4A-D3ADF9595C8C}" dt="2023-08-01T04:31:36.048" v="2694" actId="20577"/>
+          <ac:chgData name="σρтιмυѕ ρяιмє" userId="8c882d0867ceeb53" providerId="LiveId" clId="{979196C3-965E-4D79-9C4A-D3ADF9595C8C}" dt="2023-08-08T12:18:31.447" v="4637" actId="113"/>
           <ac:spMkLst>
             <pc:docMk/>
             <pc:sldMk cId="1019781571" sldId="267"/>
@@ -718,7 +765,7 @@
         </pc:spChg>
       </pc:sldChg>
       <pc:sldChg chg="addSp delSp modSp new mod modTransition setBg">
-        <pc:chgData name="σρтιмυѕ ρяιмє" userId="8c882d0867ceeb53" providerId="LiveId" clId="{979196C3-965E-4D79-9C4A-D3ADF9595C8C}" dt="2023-08-02T14:03:18.254" v="4007"/>
+        <pc:chgData name="σρтιмυѕ ρяιмє" userId="8c882d0867ceeb53" providerId="LiveId" clId="{979196C3-965E-4D79-9C4A-D3ADF9595C8C}" dt="2023-08-08T14:25:43.815" v="5018"/>
         <pc:sldMkLst>
           <pc:docMk/>
           <pc:sldMk cId="2883365799" sldId="268"/>
@@ -732,7 +779,7 @@
           </ac:spMkLst>
         </pc:spChg>
         <pc:spChg chg="mod">
-          <ac:chgData name="σρтιмυѕ ρяιмє" userId="8c882d0867ceeb53" providerId="LiveId" clId="{979196C3-965E-4D79-9C4A-D3ADF9595C8C}" dt="2023-08-01T20:58:24.128" v="3114" actId="20577"/>
+          <ac:chgData name="σρтιмυѕ ρяιмє" userId="8c882d0867ceeb53" providerId="LiveId" clId="{979196C3-965E-4D79-9C4A-D3ADF9595C8C}" dt="2023-08-08T12:28:37.994" v="4716" actId="207"/>
           <ac:spMkLst>
             <pc:docMk/>
             <pc:sldMk cId="2883365799" sldId="268"/>
@@ -757,7 +804,7 @@
         </pc:spChg>
       </pc:sldChg>
       <pc:sldChg chg="addSp delSp modSp new mod modTransition setBg">
-        <pc:chgData name="σρтιмυѕ ρяιмє" userId="8c882d0867ceeb53" providerId="LiveId" clId="{979196C3-965E-4D79-9C4A-D3ADF9595C8C}" dt="2023-08-02T14:03:50.631" v="4016"/>
+        <pc:chgData name="σρтιмυѕ ρяιмє" userId="8c882d0867ceeb53" providerId="LiveId" clId="{979196C3-965E-4D79-9C4A-D3ADF9595C8C}" dt="2023-08-08T14:25:43.815" v="5018"/>
         <pc:sldMkLst>
           <pc:docMk/>
           <pc:sldMk cId="3367623529" sldId="269"/>
@@ -771,7 +818,7 @@
           </ac:spMkLst>
         </pc:spChg>
         <pc:spChg chg="mod">
-          <ac:chgData name="σρтιмυѕ ρяιмє" userId="8c882d0867ceeb53" providerId="LiveId" clId="{979196C3-965E-4D79-9C4A-D3ADF9595C8C}" dt="2023-08-01T04:37:32.397" v="2762" actId="27636"/>
+          <ac:chgData name="σρтιмυѕ ρяιмє" userId="8c882d0867ceeb53" providerId="LiveId" clId="{979196C3-965E-4D79-9C4A-D3ADF9595C8C}" dt="2023-08-08T14:14:44.719" v="4963" actId="207"/>
           <ac:spMkLst>
             <pc:docMk/>
             <pc:sldMk cId="3367623529" sldId="269"/>
@@ -795,8 +842,8 @@
           </ac:spMkLst>
         </pc:spChg>
       </pc:sldChg>
-      <pc:sldChg chg="addSp modSp new mod modTransition">
-        <pc:chgData name="σρтιмυѕ ρяιмє" userId="8c882d0867ceeb53" providerId="LiveId" clId="{979196C3-965E-4D79-9C4A-D3ADF9595C8C}" dt="2023-08-01T06:00:40.020" v="3020"/>
+      <pc:sldChg chg="addSp modSp new mod modTransition setBg">
+        <pc:chgData name="σρтιмυѕ ρяιмє" userId="8c882d0867ceeb53" providerId="LiveId" clId="{979196C3-965E-4D79-9C4A-D3ADF9595C8C}" dt="2023-08-08T14:29:03.996" v="5029"/>
         <pc:sldMkLst>
           <pc:docMk/>
           <pc:sldMk cId="1971485057" sldId="270"/>
@@ -810,7 +857,7 @@
           </ac:spMkLst>
         </pc:spChg>
         <pc:spChg chg="mod">
-          <ac:chgData name="σρтιмυѕ ρяιмє" userId="8c882d0867ceeb53" providerId="LiveId" clId="{979196C3-965E-4D79-9C4A-D3ADF9595C8C}" dt="2023-08-01T04:38:32.702" v="2782" actId="27636"/>
+          <ac:chgData name="σρтιмυѕ ρяιмє" userId="8c882d0867ceeb53" providerId="LiveId" clId="{979196C3-965E-4D79-9C4A-D3ADF9595C8C}" dt="2023-08-08T14:25:22.327" v="5017" actId="5793"/>
           <ac:spMkLst>
             <pc:docMk/>
             <pc:sldMk cId="1971485057" sldId="270"/>
@@ -827,7 +874,7 @@
         </pc:spChg>
       </pc:sldChg>
       <pc:sldChg chg="addSp modSp new mod ord modTransition setBg">
-        <pc:chgData name="σρтιмυѕ ρяιмє" userId="8c882d0867ceeb53" providerId="LiveId" clId="{979196C3-965E-4D79-9C4A-D3ADF9595C8C}" dt="2023-08-02T14:02:56.802" v="3920"/>
+        <pc:chgData name="σρтιмυѕ ρяιмє" userId="8c882d0867ceeb53" providerId="LiveId" clId="{979196C3-965E-4D79-9C4A-D3ADF9595C8C}" dt="2023-08-08T14:25:43.815" v="5018"/>
         <pc:sldMkLst>
           <pc:docMk/>
           <pc:sldMk cId="296419556" sldId="271"/>
@@ -841,7 +888,7 @@
           </ac:spMkLst>
         </pc:spChg>
         <pc:spChg chg="mod">
-          <ac:chgData name="σρтιмυѕ ρяιмє" userId="8c882d0867ceeb53" providerId="LiveId" clId="{979196C3-965E-4D79-9C4A-D3ADF9595C8C}" dt="2023-08-01T04:39:26.437" v="2787" actId="20577"/>
+          <ac:chgData name="σρтιмυѕ ρяιмє" userId="8c882d0867ceeb53" providerId="LiveId" clId="{979196C3-965E-4D79-9C4A-D3ADF9595C8C}" dt="2023-08-08T12:18:18.888" v="4635" actId="113"/>
           <ac:spMkLst>
             <pc:docMk/>
             <pc:sldMk cId="296419556" sldId="271"/>
@@ -857,8 +904,8 @@
           </ac:spMkLst>
         </pc:spChg>
       </pc:sldChg>
-      <pc:sldChg chg="modSp new mod modTransition setBg">
-        <pc:chgData name="σρтιмυѕ ρяιмє" userId="8c882d0867ceeb53" providerId="LiveId" clId="{979196C3-965E-4D79-9C4A-D3ADF9595C8C}" dt="2023-08-02T14:04:13.799" v="4044"/>
+      <pc:sldChg chg="modSp new mod ord modTransition setBg">
+        <pc:chgData name="σρтιмυѕ ρяιмє" userId="8c882d0867ceeb53" providerId="LiveId" clId="{979196C3-965E-4D79-9C4A-D3ADF9595C8C}" dt="2023-08-08T14:39:27.177" v="5056"/>
         <pc:sldMkLst>
           <pc:docMk/>
           <pc:sldMk cId="3520839168" sldId="272"/>
@@ -990,7 +1037,7 @@
         </pc:picChg>
       </pc:sldChg>
       <pc:sldChg chg="addSp delSp modSp new mod modTransition">
-        <pc:chgData name="σρтιмυѕ ρяιмє" userId="8c882d0867ceeb53" providerId="LiveId" clId="{979196C3-965E-4D79-9C4A-D3ADF9595C8C}" dt="2023-08-01T06:00:40.020" v="3020"/>
+        <pc:chgData name="σρтιмυѕ ρяιмє" userId="8c882d0867ceeb53" providerId="LiveId" clId="{979196C3-965E-4D79-9C4A-D3ADF9595C8C}" dt="2023-08-08T14:32:21.458" v="5041" actId="14100"/>
         <pc:sldMkLst>
           <pc:docMk/>
           <pc:sldMk cId="815218045" sldId="276"/>
@@ -1011,8 +1058,8 @@
             <ac:spMk id="5" creationId="{6A01C09B-E647-B1EC-7BD2-33D0CBB789AB}"/>
           </ac:spMkLst>
         </pc:spChg>
-        <pc:picChg chg="add mod">
-          <ac:chgData name="σρтιмυѕ ρяιмє" userId="8c882d0867ceeb53" providerId="LiveId" clId="{979196C3-965E-4D79-9C4A-D3ADF9595C8C}" dt="2023-08-01T04:25:16.312" v="2665" actId="1076"/>
+        <pc:picChg chg="add mod modCrop">
+          <ac:chgData name="σρтιмυѕ ρяιмє" userId="8c882d0867ceeb53" providerId="LiveId" clId="{979196C3-965E-4D79-9C4A-D3ADF9595C8C}" dt="2023-08-08T14:32:21.458" v="5041" actId="14100"/>
           <ac:picMkLst>
             <pc:docMk/>
             <pc:sldMk cId="815218045" sldId="276"/>
@@ -1051,8 +1098,8 @@
           </ac:picMkLst>
         </pc:picChg>
       </pc:sldChg>
-      <pc:sldChg chg="addSp modSp new modTransition">
-        <pc:chgData name="σρтιмυѕ ρяιмє" userId="8c882d0867ceeb53" providerId="LiveId" clId="{979196C3-965E-4D79-9C4A-D3ADF9595C8C}" dt="2023-08-01T06:00:40.020" v="3020"/>
+      <pc:sldChg chg="addSp modSp new mod modTransition">
+        <pc:chgData name="σρтιмυѕ ρяιмє" userId="8c882d0867ceeb53" providerId="LiveId" clId="{979196C3-965E-4D79-9C4A-D3ADF9595C8C}" dt="2023-08-08T14:32:35.266" v="5043" actId="14100"/>
         <pc:sldMkLst>
           <pc:docMk/>
           <pc:sldMk cId="1451976408" sldId="278"/>
@@ -1065,8 +1112,8 @@
             <ac:spMk id="4" creationId="{65E706EF-24CE-723C-5982-EA756D048BBE}"/>
           </ac:spMkLst>
         </pc:spChg>
-        <pc:picChg chg="add mod">
-          <ac:chgData name="σρтιмυѕ ρяιмє" userId="8c882d0867ceeb53" providerId="LiveId" clId="{979196C3-965E-4D79-9C4A-D3ADF9595C8C}" dt="2023-08-01T04:13:13.178" v="2645" actId="931"/>
+        <pc:picChg chg="add mod modCrop">
+          <ac:chgData name="σρтιмυѕ ρяιмє" userId="8c882d0867ceeb53" providerId="LiveId" clId="{979196C3-965E-4D79-9C4A-D3ADF9595C8C}" dt="2023-08-08T14:32:35.266" v="5043" actId="14100"/>
           <ac:picMkLst>
             <pc:docMk/>
             <pc:sldMk cId="1451976408" sldId="278"/>
@@ -1081,8 +1128,8 @@
           <pc:sldMk cId="3942046340" sldId="278"/>
         </pc:sldMkLst>
       </pc:sldChg>
-      <pc:sldChg chg="addSp modSp new modTransition">
-        <pc:chgData name="σρтιмυѕ ρяιмє" userId="8c882d0867ceeb53" providerId="LiveId" clId="{979196C3-965E-4D79-9C4A-D3ADF9595C8C}" dt="2023-08-01T06:00:40.020" v="3020"/>
+      <pc:sldChg chg="addSp modSp new mod modTransition">
+        <pc:chgData name="σρтιмυѕ ρяιмє" userId="8c882d0867ceeb53" providerId="LiveId" clId="{979196C3-965E-4D79-9C4A-D3ADF9595C8C}" dt="2023-08-08T14:32:51.266" v="5045" actId="14100"/>
         <pc:sldMkLst>
           <pc:docMk/>
           <pc:sldMk cId="383509231" sldId="279"/>
@@ -1095,8 +1142,8 @@
             <ac:spMk id="4" creationId="{6CDF949D-1B5F-C285-1B6D-A4EBA32CCB3E}"/>
           </ac:spMkLst>
         </pc:spChg>
-        <pc:picChg chg="add mod">
-          <ac:chgData name="σρтιмυѕ ρяιмє" userId="8c882d0867ceeb53" providerId="LiveId" clId="{979196C3-965E-4D79-9C4A-D3ADF9595C8C}" dt="2023-08-01T04:13:39.533" v="2646" actId="931"/>
+        <pc:picChg chg="add mod modCrop">
+          <ac:chgData name="σρтιмυѕ ρяιмє" userId="8c882d0867ceeb53" providerId="LiveId" clId="{979196C3-965E-4D79-9C4A-D3ADF9595C8C}" dt="2023-08-08T14:32:51.266" v="5045" actId="14100"/>
           <ac:picMkLst>
             <pc:docMk/>
             <pc:sldMk cId="383509231" sldId="279"/>
@@ -1105,7 +1152,7 @@
         </pc:picChg>
       </pc:sldChg>
       <pc:sldChg chg="addSp modSp new mod modTransition">
-        <pc:chgData name="σρтιмυѕ ρяιмє" userId="8c882d0867ceeb53" providerId="LiveId" clId="{979196C3-965E-4D79-9C4A-D3ADF9595C8C}" dt="2023-08-01T06:00:40.020" v="3020"/>
+        <pc:chgData name="σρтιмυѕ ρяιмє" userId="8c882d0867ceeb53" providerId="LiveId" clId="{979196C3-965E-4D79-9C4A-D3ADF9595C8C}" dt="2023-08-08T14:33:26.739" v="5050" actId="14100"/>
         <pc:sldMkLst>
           <pc:docMk/>
           <pc:sldMk cId="3068803612" sldId="280"/>
@@ -1118,8 +1165,8 @@
             <ac:spMk id="4" creationId="{5EB4266E-A0CB-7AD3-BB8D-20C3BF965E30}"/>
           </ac:spMkLst>
         </pc:spChg>
-        <pc:picChg chg="add mod">
-          <ac:chgData name="σρтιмυѕ ρяιмє" userId="8c882d0867ceeb53" providerId="LiveId" clId="{979196C3-965E-4D79-9C4A-D3ADF9595C8C}" dt="2023-08-01T04:13:52.892" v="2647" actId="931"/>
+        <pc:picChg chg="add mod modCrop">
+          <ac:chgData name="σρтιмυѕ ρяιмє" userId="8c882d0867ceeb53" providerId="LiveId" clId="{979196C3-965E-4D79-9C4A-D3ADF9595C8C}" dt="2023-08-08T14:33:26.739" v="5050" actId="14100"/>
           <ac:picMkLst>
             <pc:docMk/>
             <pc:sldMk cId="3068803612" sldId="280"/>
@@ -1127,8 +1174,8 @@
           </ac:picMkLst>
         </pc:picChg>
       </pc:sldChg>
-      <pc:sldChg chg="addSp modSp new modTransition">
-        <pc:chgData name="σρтιмυѕ ρяιмє" userId="8c882d0867ceeb53" providerId="LiveId" clId="{979196C3-965E-4D79-9C4A-D3ADF9595C8C}" dt="2023-08-01T06:00:40.020" v="3020"/>
+      <pc:sldChg chg="addSp modSp new mod modTransition">
+        <pc:chgData name="σρтιмυѕ ρяιмє" userId="8c882d0867ceeb53" providerId="LiveId" clId="{979196C3-965E-4D79-9C4A-D3ADF9595C8C}" dt="2023-08-08T14:33:38.524" v="5052" actId="14100"/>
         <pc:sldMkLst>
           <pc:docMk/>
           <pc:sldMk cId="1412664735" sldId="281"/>
@@ -1141,8 +1188,8 @@
             <ac:spMk id="4" creationId="{981EBC17-080B-6E19-04A2-179725501A41}"/>
           </ac:spMkLst>
         </pc:spChg>
-        <pc:picChg chg="add mod">
-          <ac:chgData name="σρтιмυѕ ρяιмє" userId="8c882d0867ceeb53" providerId="LiveId" clId="{979196C3-965E-4D79-9C4A-D3ADF9595C8C}" dt="2023-08-01T04:14:06.644" v="2648" actId="931"/>
+        <pc:picChg chg="add mod modCrop">
+          <ac:chgData name="σρтιмυѕ ρяιмє" userId="8c882d0867ceeb53" providerId="LiveId" clId="{979196C3-965E-4D79-9C4A-D3ADF9595C8C}" dt="2023-08-08T14:33:38.524" v="5052" actId="14100"/>
           <ac:picMkLst>
             <pc:docMk/>
             <pc:sldMk cId="1412664735" sldId="281"/>
@@ -1151,7 +1198,7 @@
         </pc:picChg>
       </pc:sldChg>
       <pc:sldChg chg="addSp modSp new mod modTransition">
-        <pc:chgData name="σρтιмυѕ ρяιмє" userId="8c882d0867ceeb53" providerId="LiveId" clId="{979196C3-965E-4D79-9C4A-D3ADF9595C8C}" dt="2023-08-01T06:00:40.020" v="3020"/>
+        <pc:chgData name="σρтιмυѕ ρяιмє" userId="8c882d0867ceeb53" providerId="LiveId" clId="{979196C3-965E-4D79-9C4A-D3ADF9595C8C}" dt="2023-08-08T14:33:50.964" v="5054" actId="14100"/>
         <pc:sldMkLst>
           <pc:docMk/>
           <pc:sldMk cId="1167691876" sldId="282"/>
@@ -1164,8 +1211,8 @@
             <ac:spMk id="4" creationId="{695507B5-7065-10EE-C191-EB6F0527F985}"/>
           </ac:spMkLst>
         </pc:spChg>
-        <pc:picChg chg="add mod">
-          <ac:chgData name="σρтιмυѕ ρяιмє" userId="8c882d0867ceeb53" providerId="LiveId" clId="{979196C3-965E-4D79-9C4A-D3ADF9595C8C}" dt="2023-08-01T05:18:30.192" v="2878" actId="1076"/>
+        <pc:picChg chg="add mod modCrop">
+          <ac:chgData name="σρтιмυѕ ρяιмє" userId="8c882d0867ceeb53" providerId="LiveId" clId="{979196C3-965E-4D79-9C4A-D3ADF9595C8C}" dt="2023-08-08T14:33:50.964" v="5054" actId="14100"/>
           <ac:picMkLst>
             <pc:docMk/>
             <pc:sldMk cId="1167691876" sldId="282"/>
@@ -1180,8 +1227,8 @@
           <pc:sldMk cId="554462970" sldId="283"/>
         </pc:sldMkLst>
       </pc:sldChg>
-      <pc:sldChg chg="addSp delSp modSp new modTransition">
-        <pc:chgData name="σρтιмυѕ ρяιмє" userId="8c882d0867ceeb53" providerId="LiveId" clId="{979196C3-965E-4D79-9C4A-D3ADF9595C8C}" dt="2023-08-01T06:00:40.020" v="3020"/>
+      <pc:sldChg chg="addSp delSp modSp new mod modTransition">
+        <pc:chgData name="σρтιмυѕ ρяιмє" userId="8c882d0867ceeb53" providerId="LiveId" clId="{979196C3-965E-4D79-9C4A-D3ADF9595C8C}" dt="2023-08-08T14:30:40.742" v="5032" actId="14100"/>
         <pc:sldMkLst>
           <pc:docMk/>
           <pc:sldMk cId="664083729" sldId="283"/>
@@ -1202,8 +1249,8 @@
             <ac:picMk id="3" creationId="{54BA222A-C009-5218-2CEB-9CFA498AF848}"/>
           </ac:picMkLst>
         </pc:picChg>
-        <pc:picChg chg="add mod">
-          <ac:chgData name="σρтιмυѕ ρяιмє" userId="8c882d0867ceeb53" providerId="LiveId" clId="{979196C3-965E-4D79-9C4A-D3ADF9595C8C}" dt="2023-08-01T05:38:04.294" v="2892" actId="931"/>
+        <pc:picChg chg="add mod modCrop">
+          <ac:chgData name="σρтιмυѕ ρяιмє" userId="8c882d0867ceeb53" providerId="LiveId" clId="{979196C3-965E-4D79-9C4A-D3ADF9595C8C}" dt="2023-08-08T14:30:40.742" v="5032" actId="14100"/>
           <ac:picMkLst>
             <pc:docMk/>
             <pc:sldMk cId="664083729" sldId="283"/>
@@ -1280,8 +1327,8 @@
           </ac:spMkLst>
         </pc:spChg>
       </pc:sldChg>
-      <pc:sldChg chg="addSp delSp modSp new mod setBg">
-        <pc:chgData name="σρтιмυѕ ρяιмє" userId="8c882d0867ceeb53" providerId="LiveId" clId="{979196C3-965E-4D79-9C4A-D3ADF9595C8C}" dt="2023-08-02T14:04:52.799" v="4062"/>
+      <pc:sldChg chg="addSp delSp modSp new mod modTransition setBg">
+        <pc:chgData name="σρтιмυѕ ρяιмє" userId="8c882d0867ceeb53" providerId="LiveId" clId="{979196C3-965E-4D79-9C4A-D3ADF9595C8C}" dt="2023-08-08T14:25:43.815" v="5018"/>
         <pc:sldMkLst>
           <pc:docMk/>
           <pc:sldMk cId="2468255432" sldId="286"/>
@@ -1302,6 +1349,54 @@
             <ac:spMk id="6" creationId="{EBB69007-5B80-9758-7118-96784E6014F7}"/>
           </ac:spMkLst>
         </pc:spChg>
+        <pc:grpChg chg="add del mod">
+          <ac:chgData name="σρтιмυѕ ρяιмє" userId="8c882d0867ceeb53" providerId="LiveId" clId="{979196C3-965E-4D79-9C4A-D3ADF9595C8C}" dt="2023-08-08T06:37:47.258" v="4183"/>
+          <ac:grpSpMkLst>
+            <pc:docMk/>
+            <pc:sldMk cId="2468255432" sldId="286"/>
+            <ac:grpSpMk id="9" creationId="{8C7589BF-E3DA-AE63-11EE-79AA2ABDD99A}"/>
+          </ac:grpSpMkLst>
+        </pc:grpChg>
+        <pc:grpChg chg="add del mod">
+          <ac:chgData name="σρтιмυѕ ρяιмє" userId="8c882d0867ceeb53" providerId="LiveId" clId="{979196C3-965E-4D79-9C4A-D3ADF9595C8C}" dt="2023-08-08T06:37:47.077" v="4176"/>
+          <ac:grpSpMkLst>
+            <pc:docMk/>
+            <pc:sldMk cId="2468255432" sldId="286"/>
+            <ac:grpSpMk id="16" creationId="{0272992D-48E5-9619-6248-AB6EC3038AE4}"/>
+          </ac:grpSpMkLst>
+        </pc:grpChg>
+        <pc:grpChg chg="add del mod">
+          <ac:chgData name="σρтιмυѕ ρяιмє" userId="8c882d0867ceeb53" providerId="LiveId" clId="{979196C3-965E-4D79-9C4A-D3ADF9595C8C}" dt="2023-08-08T06:37:47.077" v="4176"/>
+          <ac:grpSpMkLst>
+            <pc:docMk/>
+            <pc:sldMk cId="2468255432" sldId="286"/>
+            <ac:grpSpMk id="17" creationId="{0AE554DB-D532-0887-93D4-428A9B22F958}"/>
+          </ac:grpSpMkLst>
+        </pc:grpChg>
+        <pc:grpChg chg="mod">
+          <ac:chgData name="σρтιмυѕ ρяιмє" userId="8c882d0867ceeb53" providerId="LiveId" clId="{979196C3-965E-4D79-9C4A-D3ADF9595C8C}" dt="2023-08-08T06:37:47.046" v="4174"/>
+          <ac:grpSpMkLst>
+            <pc:docMk/>
+            <pc:sldMk cId="2468255432" sldId="286"/>
+            <ac:grpSpMk id="19" creationId="{57C98EB4-4EF4-D342-94E5-4B44813CE28A}"/>
+          </ac:grpSpMkLst>
+        </pc:grpChg>
+        <pc:grpChg chg="add del mod">
+          <ac:chgData name="σρтιмυѕ ρяιмє" userId="8c882d0867ceeb53" providerId="LiveId" clId="{979196C3-965E-4D79-9C4A-D3ADF9595C8C}" dt="2023-08-08T09:11:41.021" v="4204"/>
+          <ac:grpSpMkLst>
+            <pc:docMk/>
+            <pc:sldMk cId="2468255432" sldId="286"/>
+            <ac:grpSpMk id="22" creationId="{BFB4AF32-A4C4-9BC9-C108-E92F364124E0}"/>
+          </ac:grpSpMkLst>
+        </pc:grpChg>
+        <pc:grpChg chg="mod">
+          <ac:chgData name="σρтιмυѕ ρяιмє" userId="8c882d0867ceeb53" providerId="LiveId" clId="{979196C3-965E-4D79-9C4A-D3ADF9595C8C}" dt="2023-08-08T09:11:41.021" v="4204"/>
+          <ac:grpSpMkLst>
+            <pc:docMk/>
+            <pc:sldMk cId="2468255432" sldId="286"/>
+            <ac:grpSpMk id="24" creationId="{ED642A5E-9527-F813-FA19-CBA890BC8791}"/>
+          </ac:grpSpMkLst>
+        </pc:grpChg>
         <pc:picChg chg="add del mod modCrop">
           <ac:chgData name="σρтιмυѕ ρяιмє" userId="8c882d0867ceeb53" providerId="LiveId" clId="{979196C3-965E-4D79-9C4A-D3ADF9595C8C}" dt="2023-08-02T12:58:07.165" v="3388" actId="22"/>
           <ac:picMkLst>
@@ -1311,11 +1406,682 @@
           </ac:picMkLst>
         </pc:picChg>
         <pc:picChg chg="add mod">
-          <ac:chgData name="σρтιмυѕ ρяιмє" userId="8c882d0867ceeb53" providerId="LiveId" clId="{979196C3-965E-4D79-9C4A-D3ADF9595C8C}" dt="2023-08-02T13:59:24.208" v="3603" actId="1076"/>
+          <ac:chgData name="σρтιмυѕ ρяιмє" userId="8c882d0867ceeb53" providerId="LiveId" clId="{979196C3-965E-4D79-9C4A-D3ADF9595C8C}" dt="2023-08-08T06:42:15.914" v="4200" actId="1076"/>
           <ac:picMkLst>
             <pc:docMk/>
             <pc:sldMk cId="2468255432" sldId="286"/>
             <ac:picMk id="5" creationId="{5A104BF2-3CAB-5DC1-BA47-38852A0756EA}"/>
+          </ac:picMkLst>
+        </pc:picChg>
+        <pc:picChg chg="add mod">
+          <ac:chgData name="σρтιмυѕ ρяιмє" userId="8c882d0867ceeb53" providerId="LiveId" clId="{979196C3-965E-4D79-9C4A-D3ADF9595C8C}" dt="2023-08-08T09:03:25.927" v="4202" actId="571"/>
+          <ac:picMkLst>
+            <pc:docMk/>
+            <pc:sldMk cId="2468255432" sldId="286"/>
+            <ac:picMk id="25" creationId="{EC3D5519-9A1F-6922-DDB6-E4D57CDA806D}"/>
+          </ac:picMkLst>
+        </pc:picChg>
+        <pc:inkChg chg="add del">
+          <ac:chgData name="σρтιмυѕ ρяιмє" userId="8c882d0867ceeb53" providerId="LiveId" clId="{979196C3-965E-4D79-9C4A-D3ADF9595C8C}" dt="2023-08-08T06:36:18.543" v="4150" actId="9405"/>
+          <ac:inkMkLst>
+            <pc:docMk/>
+            <pc:sldMk cId="2468255432" sldId="286"/>
+            <ac:inkMk id="3" creationId="{0AC2FB09-27B1-B93D-D91C-C2A6C3065CBB}"/>
+          </ac:inkMkLst>
+        </pc:inkChg>
+        <pc:inkChg chg="add del">
+          <ac:chgData name="σρтιмυѕ ρяιмє" userId="8c882d0867ceeb53" providerId="LiveId" clId="{979196C3-965E-4D79-9C4A-D3ADF9595C8C}" dt="2023-08-08T06:37:47.319" v="4185" actId="9405"/>
+          <ac:inkMkLst>
+            <pc:docMk/>
+            <pc:sldMk cId="2468255432" sldId="286"/>
+            <ac:inkMk id="4" creationId="{1A732800-3A24-0CF2-662D-7CC44AD56FE7}"/>
+          </ac:inkMkLst>
+        </pc:inkChg>
+        <pc:inkChg chg="add del mod">
+          <ac:chgData name="σρтιмυѕ ρяιмє" userId="8c882d0867ceeb53" providerId="LiveId" clId="{979196C3-965E-4D79-9C4A-D3ADF9595C8C}" dt="2023-08-08T06:37:47.288" v="4184" actId="9405"/>
+          <ac:inkMkLst>
+            <pc:docMk/>
+            <pc:sldMk cId="2468255432" sldId="286"/>
+            <ac:inkMk id="7" creationId="{99B8587D-AF2A-7CFE-22C0-55DC789FCF93}"/>
+          </ac:inkMkLst>
+        </pc:inkChg>
+        <pc:inkChg chg="add del mod">
+          <ac:chgData name="σρтιмυѕ ρяιмє" userId="8c882d0867ceeb53" providerId="LiveId" clId="{979196C3-965E-4D79-9C4A-D3ADF9595C8C}" dt="2023-08-08T06:37:47.258" v="4183"/>
+          <ac:inkMkLst>
+            <pc:docMk/>
+            <pc:sldMk cId="2468255432" sldId="286"/>
+            <ac:inkMk id="8" creationId="{CD226EE9-1313-BF6C-574D-B93135BADE56}"/>
+          </ac:inkMkLst>
+        </pc:inkChg>
+        <pc:inkChg chg="add del mod">
+          <ac:chgData name="σρтιмυѕ ρяιмє" userId="8c882d0867ceeb53" providerId="LiveId" clId="{979196C3-965E-4D79-9C4A-D3ADF9595C8C}" dt="2023-08-08T06:37:47.226" v="4181" actId="9405"/>
+          <ac:inkMkLst>
+            <pc:docMk/>
+            <pc:sldMk cId="2468255432" sldId="286"/>
+            <ac:inkMk id="10" creationId="{5294ABAD-BB81-D28E-5A54-64A26E0A2B42}"/>
+          </ac:inkMkLst>
+        </pc:inkChg>
+        <pc:inkChg chg="add del mod">
+          <ac:chgData name="σρтιмυѕ ρяιмє" userId="8c882d0867ceeb53" providerId="LiveId" clId="{979196C3-965E-4D79-9C4A-D3ADF9595C8C}" dt="2023-08-08T06:37:47.193" v="4180" actId="9405"/>
+          <ac:inkMkLst>
+            <pc:docMk/>
+            <pc:sldMk cId="2468255432" sldId="286"/>
+            <ac:inkMk id="11" creationId="{5F2380A8-346F-6D76-E79C-1D6A171D598E}"/>
+          </ac:inkMkLst>
+        </pc:inkChg>
+        <pc:inkChg chg="add del mod">
+          <ac:chgData name="σρтιмυѕ ρяιмє" userId="8c882d0867ceeb53" providerId="LiveId" clId="{979196C3-965E-4D79-9C4A-D3ADF9595C8C}" dt="2023-08-08T06:37:47.167" v="4179" actId="9405"/>
+          <ac:inkMkLst>
+            <pc:docMk/>
+            <pc:sldMk cId="2468255432" sldId="286"/>
+            <ac:inkMk id="12" creationId="{8DE3E7EA-5D0F-84F5-F279-DD00C5FFC9CD}"/>
+          </ac:inkMkLst>
+        </pc:inkChg>
+        <pc:inkChg chg="add del mod">
+          <ac:chgData name="σρтιмυѕ ρяιмє" userId="8c882d0867ceeb53" providerId="LiveId" clId="{979196C3-965E-4D79-9C4A-D3ADF9595C8C}" dt="2023-08-08T06:37:47.137" v="4178" actId="9405"/>
+          <ac:inkMkLst>
+            <pc:docMk/>
+            <pc:sldMk cId="2468255432" sldId="286"/>
+            <ac:inkMk id="13" creationId="{B5460737-CD61-3FF3-EFE4-E39F07F43255}"/>
+          </ac:inkMkLst>
+        </pc:inkChg>
+        <pc:inkChg chg="add del mod">
+          <ac:chgData name="σρтιмυѕ ρяιмє" userId="8c882d0867ceeb53" providerId="LiveId" clId="{979196C3-965E-4D79-9C4A-D3ADF9595C8C}" dt="2023-08-08T06:37:47.093" v="4177" actId="9405"/>
+          <ac:inkMkLst>
+            <pc:docMk/>
+            <pc:sldMk cId="2468255432" sldId="286"/>
+            <ac:inkMk id="14" creationId="{B0728CD6-90B9-7E52-9275-A850FDF5C7E4}"/>
+          </ac:inkMkLst>
+        </pc:inkChg>
+        <pc:inkChg chg="add del mod">
+          <ac:chgData name="σρтιмυѕ ρяιмє" userId="8c882d0867ceeb53" providerId="LiveId" clId="{979196C3-965E-4D79-9C4A-D3ADF9595C8C}" dt="2023-08-08T06:37:47.077" v="4176"/>
+          <ac:inkMkLst>
+            <pc:docMk/>
+            <pc:sldMk cId="2468255432" sldId="286"/>
+            <ac:inkMk id="15" creationId="{DF720C6E-97CE-4767-0122-BB65AC0D47CB}"/>
+          </ac:inkMkLst>
+        </pc:inkChg>
+        <pc:inkChg chg="add del mod">
+          <ac:chgData name="σρтιмυѕ ρяιмє" userId="8c882d0867ceeb53" providerId="LiveId" clId="{979196C3-965E-4D79-9C4A-D3ADF9595C8C}" dt="2023-08-08T06:37:47.046" v="4174"/>
+          <ac:inkMkLst>
+            <pc:docMk/>
+            <pc:sldMk cId="2468255432" sldId="286"/>
+            <ac:inkMk id="18" creationId="{873B0093-7C67-7754-4B8F-D616CF08C943}"/>
+          </ac:inkMkLst>
+        </pc:inkChg>
+        <pc:inkChg chg="add mod">
+          <ac:chgData name="σρтιмυѕ ρяιмє" userId="8c882d0867ceeb53" providerId="LiveId" clId="{979196C3-965E-4D79-9C4A-D3ADF9595C8C}" dt="2023-08-08T09:11:41.021" v="4204"/>
+          <ac:inkMkLst>
+            <pc:docMk/>
+            <pc:sldMk cId="2468255432" sldId="286"/>
+            <ac:inkMk id="20" creationId="{885AB09A-967A-C946-87BF-8B975E6841B1}"/>
+          </ac:inkMkLst>
+        </pc:inkChg>
+        <pc:inkChg chg="add mod">
+          <ac:chgData name="σρтιмυѕ ρяιмє" userId="8c882d0867ceeb53" providerId="LiveId" clId="{979196C3-965E-4D79-9C4A-D3ADF9595C8C}" dt="2023-08-08T09:11:41.021" v="4204"/>
+          <ac:inkMkLst>
+            <pc:docMk/>
+            <pc:sldMk cId="2468255432" sldId="286"/>
+            <ac:inkMk id="21" creationId="{1D235BCE-9A85-D97F-7D2B-1335F2F9DF00}"/>
+          </ac:inkMkLst>
+        </pc:inkChg>
+        <pc:inkChg chg="add del mod">
+          <ac:chgData name="σρтιмυѕ ρяιмє" userId="8c882d0867ceeb53" providerId="LiveId" clId="{979196C3-965E-4D79-9C4A-D3ADF9595C8C}" dt="2023-08-08T09:11:41.021" v="4204"/>
+          <ac:inkMkLst>
+            <pc:docMk/>
+            <pc:sldMk cId="2468255432" sldId="286"/>
+            <ac:inkMk id="23" creationId="{D0F54822-AA8F-6B73-205A-79FDCE83ACA0}"/>
+          </ac:inkMkLst>
+        </pc:inkChg>
+      </pc:sldChg>
+      <pc:sldChg chg="addSp modSp new mod modTransition">
+        <pc:chgData name="σρтιмυѕ ρяιмє" userId="8c882d0867ceeb53" providerId="LiveId" clId="{979196C3-965E-4D79-9C4A-D3ADF9595C8C}" dt="2023-08-08T14:33:07.058" v="5048" actId="732"/>
+        <pc:sldMkLst>
+          <pc:docMk/>
+          <pc:sldMk cId="4001743051" sldId="287"/>
+        </pc:sldMkLst>
+        <pc:spChg chg="add mod">
+          <ac:chgData name="σρтιмυѕ ρяιмє" userId="8c882d0867ceeb53" providerId="LiveId" clId="{979196C3-965E-4D79-9C4A-D3ADF9595C8C}" dt="2023-08-07T05:37:21.857" v="4076"/>
+          <ac:spMkLst>
+            <pc:docMk/>
+            <pc:sldMk cId="4001743051" sldId="287"/>
+            <ac:spMk id="4" creationId="{1AAA0471-0139-B320-36AC-2478E75AB1CE}"/>
+          </ac:spMkLst>
+        </pc:spChg>
+        <pc:picChg chg="add mod modCrop">
+          <ac:chgData name="σρтιмυѕ ρяιмє" userId="8c882d0867ceeb53" providerId="LiveId" clId="{979196C3-965E-4D79-9C4A-D3ADF9595C8C}" dt="2023-08-08T14:33:07.058" v="5048" actId="732"/>
+          <ac:picMkLst>
+            <pc:docMk/>
+            <pc:sldMk cId="4001743051" sldId="287"/>
+            <ac:picMk id="3" creationId="{DBA1206A-E19B-F6A6-CD8F-76075A2F84CE}"/>
+          </ac:picMkLst>
+        </pc:picChg>
+      </pc:sldChg>
+      <pc:sldChg chg="addSp modSp new mod modTransition">
+        <pc:chgData name="σρтιмυѕ ρяιмє" userId="8c882d0867ceeb53" providerId="LiveId" clId="{979196C3-965E-4D79-9C4A-D3ADF9595C8C}" dt="2023-08-08T14:31:02.183" v="5034" actId="14100"/>
+        <pc:sldMkLst>
+          <pc:docMk/>
+          <pc:sldMk cId="2970161433" sldId="288"/>
+        </pc:sldMkLst>
+        <pc:spChg chg="add mod">
+          <ac:chgData name="σρтιмυѕ ρяιмє" userId="8c882d0867ceeb53" providerId="LiveId" clId="{979196C3-965E-4D79-9C4A-D3ADF9595C8C}" dt="2023-08-07T05:39:50.133" v="4084"/>
+          <ac:spMkLst>
+            <pc:docMk/>
+            <pc:sldMk cId="2970161433" sldId="288"/>
+            <ac:spMk id="4" creationId="{FC530E9F-FF1F-9A0B-624F-FAE6590F5DEF}"/>
+          </ac:spMkLst>
+        </pc:spChg>
+        <pc:picChg chg="add mod modCrop">
+          <ac:chgData name="σρтιмυѕ ρяιмє" userId="8c882d0867ceeb53" providerId="LiveId" clId="{979196C3-965E-4D79-9C4A-D3ADF9595C8C}" dt="2023-08-08T14:31:02.183" v="5034" actId="14100"/>
+          <ac:picMkLst>
+            <pc:docMk/>
+            <pc:sldMk cId="2970161433" sldId="288"/>
+            <ac:picMk id="3" creationId="{3C6B702E-F09B-CA4F-EF00-50E7F635F404}"/>
+          </ac:picMkLst>
+        </pc:picChg>
+      </pc:sldChg>
+      <pc:sldChg chg="addSp delSp modSp new mod modTransition">
+        <pc:chgData name="σρтιмυѕ ρяιмє" userId="8c882d0867ceeb53" providerId="LiveId" clId="{979196C3-965E-4D79-9C4A-D3ADF9595C8C}" dt="2023-08-08T14:31:18.309" v="5036" actId="14100"/>
+        <pc:sldMkLst>
+          <pc:docMk/>
+          <pc:sldMk cId="4274640932" sldId="289"/>
+        </pc:sldMkLst>
+        <pc:spChg chg="add del mod">
+          <ac:chgData name="σρтιмυѕ ρяιмє" userId="8c882d0867ceeb53" providerId="LiveId" clId="{979196C3-965E-4D79-9C4A-D3ADF9595C8C}" dt="2023-08-07T05:42:37.322" v="4124" actId="11529"/>
+          <ac:spMkLst>
+            <pc:docMk/>
+            <pc:sldMk cId="4274640932" sldId="289"/>
+            <ac:spMk id="4" creationId="{A8208E2D-A764-220E-90EF-C19F6BF98224}"/>
+          </ac:spMkLst>
+        </pc:spChg>
+        <pc:spChg chg="add mod">
+          <ac:chgData name="σρтιмυѕ ρяιмє" userId="8c882d0867ceeb53" providerId="LiveId" clId="{979196C3-965E-4D79-9C4A-D3ADF9595C8C}" dt="2023-08-07T05:42:58.393" v="4128"/>
+          <ac:spMkLst>
+            <pc:docMk/>
+            <pc:sldMk cId="4274640932" sldId="289"/>
+            <ac:spMk id="5" creationId="{5BF5D01A-F880-28C0-4038-DA7217F2CC8D}"/>
+          </ac:spMkLst>
+        </pc:spChg>
+        <pc:picChg chg="add mod modCrop">
+          <ac:chgData name="σρтιмυѕ ρяιмє" userId="8c882d0867ceeb53" providerId="LiveId" clId="{979196C3-965E-4D79-9C4A-D3ADF9595C8C}" dt="2023-08-08T14:31:18.309" v="5036" actId="14100"/>
+          <ac:picMkLst>
+            <pc:docMk/>
+            <pc:sldMk cId="4274640932" sldId="289"/>
+            <ac:picMk id="3" creationId="{A497A2D8-0454-16C6-AD3A-84FB25199D79}"/>
+          </ac:picMkLst>
+        </pc:picChg>
+      </pc:sldChg>
+      <pc:sldChg chg="addSp delSp modSp new del mod">
+        <pc:chgData name="σρтιмυѕ ρяιмє" userId="8c882d0867ceeb53" providerId="LiveId" clId="{979196C3-965E-4D79-9C4A-D3ADF9595C8C}" dt="2023-08-08T09:27:40.230" v="4214" actId="680"/>
+        <pc:sldMkLst>
+          <pc:docMk/>
+          <pc:sldMk cId="1285085476" sldId="290"/>
+        </pc:sldMkLst>
+        <pc:spChg chg="add del mod">
+          <ac:chgData name="σρтιмυѕ ρяιмє" userId="8c882d0867ceeb53" providerId="LiveId" clId="{979196C3-965E-4D79-9C4A-D3ADF9595C8C}" dt="2023-08-08T09:27:39.383" v="4213" actId="22"/>
+          <ac:spMkLst>
+            <pc:docMk/>
+            <pc:sldMk cId="1285085476" sldId="290"/>
+            <ac:spMk id="3" creationId="{901B999F-1EA9-F894-AFDE-9A07E900A678}"/>
+          </ac:spMkLst>
+        </pc:spChg>
+      </pc:sldChg>
+      <pc:sldChg chg="addSp delSp modSp new mod modTransition">
+        <pc:chgData name="σρтιмυѕ ρяιмє" userId="8c882d0867ceeb53" providerId="LiveId" clId="{979196C3-965E-4D79-9C4A-D3ADF9595C8C}" dt="2023-08-08T14:25:43.815" v="5018"/>
+        <pc:sldMkLst>
+          <pc:docMk/>
+          <pc:sldMk cId="1914489674" sldId="290"/>
+        </pc:sldMkLst>
+        <pc:spChg chg="add del mod">
+          <ac:chgData name="σρтιмυѕ ρяιмє" userId="8c882d0867ceeb53" providerId="LiveId" clId="{979196C3-965E-4D79-9C4A-D3ADF9595C8C}" dt="2023-08-08T09:29:09.006" v="4229"/>
+          <ac:spMkLst>
+            <pc:docMk/>
+            <pc:sldMk cId="1914489674" sldId="290"/>
+            <ac:spMk id="2" creationId="{9F164661-106C-FE0F-6215-B131F4FD0BEE}"/>
+          </ac:spMkLst>
+        </pc:spChg>
+        <pc:spChg chg="add mod">
+          <ac:chgData name="σρтιмυѕ ρяιмє" userId="8c882d0867ceeb53" providerId="LiveId" clId="{979196C3-965E-4D79-9C4A-D3ADF9595C8C}" dt="2023-08-08T09:29:21.610" v="4230" actId="1076"/>
+          <ac:spMkLst>
+            <pc:docMk/>
+            <pc:sldMk cId="1914489674" sldId="290"/>
+            <ac:spMk id="3" creationId="{BD5740E9-B868-1624-7126-79BDD4B7BD8F}"/>
+          </ac:spMkLst>
+        </pc:spChg>
+        <pc:spChg chg="add mod">
+          <ac:chgData name="σρтιмυѕ ρяιмє" userId="8c882d0867ceeb53" providerId="LiveId" clId="{979196C3-965E-4D79-9C4A-D3ADF9595C8C}" dt="2023-08-08T13:45:56.305" v="4818" actId="13926"/>
+          <ac:spMkLst>
+            <pc:docMk/>
+            <pc:sldMk cId="1914489674" sldId="290"/>
+            <ac:spMk id="4" creationId="{D8EB35B0-A26B-1D2A-F155-F8839C319119}"/>
+          </ac:spMkLst>
+        </pc:spChg>
+        <pc:spChg chg="add mod">
+          <ac:chgData name="σρтιмυѕ ρяιмє" userId="8c882d0867ceeb53" providerId="LiveId" clId="{979196C3-965E-4D79-9C4A-D3ADF9595C8C}" dt="2023-08-08T09:32:35.746" v="4263"/>
+          <ac:spMkLst>
+            <pc:docMk/>
+            <pc:sldMk cId="1914489674" sldId="290"/>
+            <ac:spMk id="5" creationId="{79723EFC-17A0-CB68-0ED9-BC154A570476}"/>
+          </ac:spMkLst>
+        </pc:spChg>
+      </pc:sldChg>
+      <pc:sldChg chg="addSp modSp new del mod">
+        <pc:chgData name="σρтιмυѕ ρяιмє" userId="8c882d0867ceeb53" providerId="LiveId" clId="{979196C3-965E-4D79-9C4A-D3ADF9595C8C}" dt="2023-08-08T10:00:07.210" v="4354" actId="2696"/>
+        <pc:sldMkLst>
+          <pc:docMk/>
+          <pc:sldMk cId="3779816518" sldId="291"/>
+        </pc:sldMkLst>
+        <pc:spChg chg="add mod">
+          <ac:chgData name="σρтιмυѕ ρяιмє" userId="8c882d0867ceeb53" providerId="LiveId" clId="{979196C3-965E-4D79-9C4A-D3ADF9595C8C}" dt="2023-08-08T09:36:50.140" v="4301" actId="1076"/>
+          <ac:spMkLst>
+            <pc:docMk/>
+            <pc:sldMk cId="3779816518" sldId="291"/>
+            <ac:spMk id="3" creationId="{76C43BDD-F28A-6903-9731-6F176F9A7FAA}"/>
+          </ac:spMkLst>
+        </pc:spChg>
+      </pc:sldChg>
+      <pc:sldChg chg="addSp delSp modSp new mod modTransition">
+        <pc:chgData name="σρтιмυѕ ρяιмє" userId="8c882d0867ceeb53" providerId="LiveId" clId="{979196C3-965E-4D79-9C4A-D3ADF9595C8C}" dt="2023-08-08T14:25:43.815" v="5018"/>
+        <pc:sldMkLst>
+          <pc:docMk/>
+          <pc:sldMk cId="679876646" sldId="292"/>
+        </pc:sldMkLst>
+        <pc:spChg chg="add mod">
+          <ac:chgData name="σρтιмυѕ ρяιмє" userId="8c882d0867ceeb53" providerId="LiveId" clId="{979196C3-965E-4D79-9C4A-D3ADF9595C8C}" dt="2023-08-08T09:45:26.675" v="4350" actId="14100"/>
+          <ac:spMkLst>
+            <pc:docMk/>
+            <pc:sldMk cId="679876646" sldId="292"/>
+            <ac:spMk id="6" creationId="{2823B5EA-D69B-2A59-03A9-7971DC13513E}"/>
+          </ac:spMkLst>
+        </pc:spChg>
+        <pc:picChg chg="add del mod modCrop">
+          <ac:chgData name="σρтιмυѕ ρяιмє" userId="8c882d0867ceeb53" providerId="LiveId" clId="{979196C3-965E-4D79-9C4A-D3ADF9595C8C}" dt="2023-08-08T09:40:37.393" v="4322" actId="22"/>
+          <ac:picMkLst>
+            <pc:docMk/>
+            <pc:sldMk cId="679876646" sldId="292"/>
+            <ac:picMk id="3" creationId="{FA6F7682-47E4-3352-6489-37DD3AF7BB30}"/>
+          </ac:picMkLst>
+        </pc:picChg>
+        <pc:picChg chg="add mod modCrop">
+          <ac:chgData name="σρтιмυѕ ρяιмє" userId="8c882d0867ceeb53" providerId="LiveId" clId="{979196C3-965E-4D79-9C4A-D3ADF9595C8C}" dt="2023-08-08T09:44:34.320" v="4342" actId="14100"/>
+          <ac:picMkLst>
+            <pc:docMk/>
+            <pc:sldMk cId="679876646" sldId="292"/>
+            <ac:picMk id="5" creationId="{AE992203-6C29-EFC5-F250-5D5AA22C7C24}"/>
+          </ac:picMkLst>
+        </pc:picChg>
+      </pc:sldChg>
+      <pc:sldChg chg="addSp delSp modSp new mod modTransition setBg modClrScheme chgLayout">
+        <pc:chgData name="σρтιмυѕ ρяιмє" userId="8c882d0867ceeb53" providerId="LiveId" clId="{979196C3-965E-4D79-9C4A-D3ADF9595C8C}" dt="2023-08-08T14:27:06.145" v="5020" actId="14100"/>
+        <pc:sldMkLst>
+          <pc:docMk/>
+          <pc:sldMk cId="163953269" sldId="293"/>
+        </pc:sldMkLst>
+        <pc:spChg chg="add del mod">
+          <ac:chgData name="σρтιмυѕ ρяιмє" userId="8c882d0867ceeb53" providerId="LiveId" clId="{979196C3-965E-4D79-9C4A-D3ADF9595C8C}" dt="2023-08-08T10:02:47.326" v="4389" actId="767"/>
+          <ac:spMkLst>
+            <pc:docMk/>
+            <pc:sldMk cId="163953269" sldId="293"/>
+            <ac:spMk id="4" creationId="{97CB0B28-7B5E-7A2D-2431-9F1076F6C3CD}"/>
+          </ac:spMkLst>
+        </pc:spChg>
+        <pc:spChg chg="add del mod ord">
+          <ac:chgData name="σρтιмυѕ ρяιмє" userId="8c882d0867ceeb53" providerId="LiveId" clId="{979196C3-965E-4D79-9C4A-D3ADF9595C8C}" dt="2023-08-08T10:02:44.132" v="4382" actId="700"/>
+          <ac:spMkLst>
+            <pc:docMk/>
+            <pc:sldMk cId="163953269" sldId="293"/>
+            <ac:spMk id="5" creationId="{43914764-8089-F458-A6CA-4EB5A623B614}"/>
+          </ac:spMkLst>
+        </pc:spChg>
+        <pc:spChg chg="add del mod ord">
+          <ac:chgData name="σρтιмυѕ ρяιмє" userId="8c882d0867ceeb53" providerId="LiveId" clId="{979196C3-965E-4D79-9C4A-D3ADF9595C8C}" dt="2023-08-08T10:03:09.861" v="4394" actId="700"/>
+          <ac:spMkLst>
+            <pc:docMk/>
+            <pc:sldMk cId="163953269" sldId="293"/>
+            <ac:spMk id="6" creationId="{DB7792CA-B6ED-6594-C057-6EB1D33D4EBC}"/>
+          </ac:spMkLst>
+        </pc:spChg>
+        <pc:spChg chg="add del mod ord">
+          <ac:chgData name="σρтιмυѕ ρяιмє" userId="8c882d0867ceeb53" providerId="LiveId" clId="{979196C3-965E-4D79-9C4A-D3ADF9595C8C}" dt="2023-08-08T10:03:09.861" v="4394" actId="700"/>
+          <ac:spMkLst>
+            <pc:docMk/>
+            <pc:sldMk cId="163953269" sldId="293"/>
+            <ac:spMk id="7" creationId="{6A125F34-7DD2-E530-048F-AEBDD0D260D0}"/>
+          </ac:spMkLst>
+        </pc:spChg>
+        <pc:spChg chg="add mod ord">
+          <ac:chgData name="σρтιмυѕ ρяιмє" userId="8c882d0867ceeb53" providerId="LiveId" clId="{979196C3-965E-4D79-9C4A-D3ADF9595C8C}" dt="2023-08-08T10:03:42.753" v="4408" actId="14100"/>
+          <ac:spMkLst>
+            <pc:docMk/>
+            <pc:sldMk cId="163953269" sldId="293"/>
+            <ac:spMk id="8" creationId="{2EA84B3C-C303-0759-72C9-ED6D5A8718D0}"/>
+          </ac:spMkLst>
+        </pc:spChg>
+        <pc:spChg chg="add mod">
+          <ac:chgData name="σρтιмυѕ ρяιмє" userId="8c882d0867ceeb53" providerId="LiveId" clId="{979196C3-965E-4D79-9C4A-D3ADF9595C8C}" dt="2023-08-08T10:04:37.308" v="4412"/>
+          <ac:spMkLst>
+            <pc:docMk/>
+            <pc:sldMk cId="163953269" sldId="293"/>
+            <ac:spMk id="9" creationId="{7E79B83B-48D5-1F01-2E0D-D88BCA5BFA58}"/>
+          </ac:spMkLst>
+        </pc:spChg>
+        <pc:picChg chg="add mod modCrop">
+          <ac:chgData name="σρтιмυѕ ρяιмє" userId="8c882d0867ceeb53" providerId="LiveId" clId="{979196C3-965E-4D79-9C4A-D3ADF9595C8C}" dt="2023-08-08T14:27:06.145" v="5020" actId="14100"/>
+          <ac:picMkLst>
+            <pc:docMk/>
+            <pc:sldMk cId="163953269" sldId="293"/>
+            <ac:picMk id="3" creationId="{8541B72F-5AD5-D17F-7F95-A04AD926C54A}"/>
+          </ac:picMkLst>
+        </pc:picChg>
+      </pc:sldChg>
+      <pc:sldChg chg="addSp delSp modSp new mod modTransition setBg modClrScheme chgLayout">
+        <pc:chgData name="σρтιмυѕ ρяιмє" userId="8c882d0867ceeb53" providerId="LiveId" clId="{979196C3-965E-4D79-9C4A-D3ADF9595C8C}" dt="2023-08-08T14:27:24.877" v="5021"/>
+        <pc:sldMkLst>
+          <pc:docMk/>
+          <pc:sldMk cId="1011671892" sldId="294"/>
+        </pc:sldMkLst>
+        <pc:spChg chg="del">
+          <ac:chgData name="σρтιмυѕ ρяιмє" userId="8c882d0867ceeb53" providerId="LiveId" clId="{979196C3-965E-4D79-9C4A-D3ADF9595C8C}" dt="2023-08-08T10:05:42.747" v="4416" actId="700"/>
+          <ac:spMkLst>
+            <pc:docMk/>
+            <pc:sldMk cId="1011671892" sldId="294"/>
+            <ac:spMk id="2" creationId="{85D0B8F3-8CCB-4756-B1EB-DC08CA000B2B}"/>
+          </ac:spMkLst>
+        </pc:spChg>
+        <pc:spChg chg="add mod">
+          <ac:chgData name="σρтιмυѕ ρяιмє" userId="8c882d0867ceeb53" providerId="LiveId" clId="{979196C3-965E-4D79-9C4A-D3ADF9595C8C}" dt="2023-08-08T10:10:45.279" v="4438"/>
+          <ac:spMkLst>
+            <pc:docMk/>
+            <pc:sldMk cId="1011671892" sldId="294"/>
+            <ac:spMk id="5" creationId="{8BAD6C30-5DD9-B136-0144-7C74F4B04DE0}"/>
+          </ac:spMkLst>
+        </pc:spChg>
+        <pc:spChg chg="add del mod">
+          <ac:chgData name="σρтιмυѕ ρяιмє" userId="8c882d0867ceeb53" providerId="LiveId" clId="{979196C3-965E-4D79-9C4A-D3ADF9595C8C}" dt="2023-08-08T12:01:31.898" v="4547"/>
+          <ac:spMkLst>
+            <pc:docMk/>
+            <pc:sldMk cId="1011671892" sldId="294"/>
+            <ac:spMk id="6" creationId="{D0F570DD-C807-AA1F-4D2E-8DD9C78A1113}"/>
+          </ac:spMkLst>
+        </pc:spChg>
+        <pc:spChg chg="add mod">
+          <ac:chgData name="σρтιмυѕ ρяιмє" userId="8c882d0867ceeb53" providerId="LiveId" clId="{979196C3-965E-4D79-9C4A-D3ADF9595C8C}" dt="2023-08-08T13:45:40.785" v="4814" actId="14100"/>
+          <ac:spMkLst>
+            <pc:docMk/>
+            <pc:sldMk cId="1011671892" sldId="294"/>
+            <ac:spMk id="7" creationId="{331F16C6-07EE-4B8B-10FB-BFD5DC73655E}"/>
+          </ac:spMkLst>
+        </pc:spChg>
+        <pc:picChg chg="add mod modCrop">
+          <ac:chgData name="σρтιмυѕ ρяιмє" userId="8c882d0867ceeb53" providerId="LiveId" clId="{979196C3-965E-4D79-9C4A-D3ADF9595C8C}" dt="2023-08-08T12:01:10.942" v="4543" actId="1076"/>
+          <ac:picMkLst>
+            <pc:docMk/>
+            <pc:sldMk cId="1011671892" sldId="294"/>
+            <ac:picMk id="4" creationId="{1BDDE50A-E8CF-2F91-9237-68BD1759B2DD}"/>
+          </ac:picMkLst>
+        </pc:picChg>
+      </pc:sldChg>
+      <pc:sldChg chg="addSp modSp new mod modTransition setBg">
+        <pc:chgData name="σρтιмυѕ ρяιмє" userId="8c882d0867ceeb53" providerId="LiveId" clId="{979196C3-965E-4D79-9C4A-D3ADF9595C8C}" dt="2023-08-08T14:27:47.838" v="5022"/>
+        <pc:sldMkLst>
+          <pc:docMk/>
+          <pc:sldMk cId="1947774746" sldId="295"/>
+        </pc:sldMkLst>
+        <pc:spChg chg="add mod">
+          <ac:chgData name="σρтιмυѕ ρяιмє" userId="8c882d0867ceeb53" providerId="LiveId" clId="{979196C3-965E-4D79-9C4A-D3ADF9595C8C}" dt="2023-08-08T11:54:33.856" v="4489"/>
+          <ac:spMkLst>
+            <pc:docMk/>
+            <pc:sldMk cId="1947774746" sldId="295"/>
+            <ac:spMk id="4" creationId="{B0DFF5BF-E19D-19F1-20D1-365CDC56C2E0}"/>
+          </ac:spMkLst>
+        </pc:spChg>
+        <pc:spChg chg="add mod">
+          <ac:chgData name="σρтιмυѕ ρяιмє" userId="8c882d0867ceeb53" providerId="LiveId" clId="{979196C3-965E-4D79-9C4A-D3ADF9595C8C}" dt="2023-08-08T13:45:18.608" v="4809" actId="14100"/>
+          <ac:spMkLst>
+            <pc:docMk/>
+            <pc:sldMk cId="1947774746" sldId="295"/>
+            <ac:spMk id="5" creationId="{081021BC-2003-3C6F-7318-428A6F6D1FE8}"/>
+          </ac:spMkLst>
+        </pc:spChg>
+        <pc:picChg chg="add mod modCrop">
+          <ac:chgData name="σρтιмυѕ ρяιмє" userId="8c882d0867ceeb53" providerId="LiveId" clId="{979196C3-965E-4D79-9C4A-D3ADF9595C8C}" dt="2023-08-08T12:03:26.109" v="4574" actId="1076"/>
+          <ac:picMkLst>
+            <pc:docMk/>
+            <pc:sldMk cId="1947774746" sldId="295"/>
+            <ac:picMk id="3" creationId="{795F6B5C-65AA-0875-33C6-FB5C4D819F47}"/>
+          </ac:picMkLst>
+        </pc:picChg>
+      </pc:sldChg>
+      <pc:sldChg chg="addSp modSp new mod modTransition setBg">
+        <pc:chgData name="σρтιмυѕ ρяιмє" userId="8c882d0867ceeb53" providerId="LiveId" clId="{979196C3-965E-4D79-9C4A-D3ADF9595C8C}" dt="2023-08-08T14:28:13.480" v="5024"/>
+        <pc:sldMkLst>
+          <pc:docMk/>
+          <pc:sldMk cId="2764716348" sldId="296"/>
+        </pc:sldMkLst>
+        <pc:spChg chg="add mod">
+          <ac:chgData name="σρтιмυѕ ρяιмє" userId="8c882d0867ceeb53" providerId="LiveId" clId="{979196C3-965E-4D79-9C4A-D3ADF9595C8C}" dt="2023-08-08T13:45:02.067" v="4807" actId="6559"/>
+          <ac:spMkLst>
+            <pc:docMk/>
+            <pc:sldMk cId="2764716348" sldId="296"/>
+            <ac:spMk id="4" creationId="{79096BDD-6A7E-4ED6-5F4F-9B5064E536A5}"/>
+          </ac:spMkLst>
+        </pc:spChg>
+        <pc:spChg chg="add mod">
+          <ac:chgData name="σρтιмυѕ ρяιмє" userId="8c882d0867ceeb53" providerId="LiveId" clId="{979196C3-965E-4D79-9C4A-D3ADF9595C8C}" dt="2023-08-08T12:04:11.682" v="4578"/>
+          <ac:spMkLst>
+            <pc:docMk/>
+            <pc:sldMk cId="2764716348" sldId="296"/>
+            <ac:spMk id="5" creationId="{1F451D74-7E04-3A46-A5F3-3A5FECA9E026}"/>
+          </ac:spMkLst>
+        </pc:spChg>
+        <pc:picChg chg="add mod modCrop">
+          <ac:chgData name="σρтιмυѕ ρяιмє" userId="8c882d0867ceeb53" providerId="LiveId" clId="{979196C3-965E-4D79-9C4A-D3ADF9595C8C}" dt="2023-08-08T12:00:01.417" v="4507" actId="14100"/>
+          <ac:picMkLst>
+            <pc:docMk/>
+            <pc:sldMk cId="2764716348" sldId="296"/>
+            <ac:picMk id="3" creationId="{A21A4FF6-5DBF-8636-07DB-7DD1FC026AAF}"/>
+          </ac:picMkLst>
+        </pc:picChg>
+      </pc:sldChg>
+      <pc:sldChg chg="addSp modSp new mod modTransition setBg">
+        <pc:chgData name="σρтιмυѕ ρяιмє" userId="8c882d0867ceeb53" providerId="LiveId" clId="{979196C3-965E-4D79-9C4A-D3ADF9595C8C}" dt="2023-08-08T14:28:20.804" v="5025"/>
+        <pc:sldMkLst>
+          <pc:docMk/>
+          <pc:sldMk cId="1149470523" sldId="297"/>
+        </pc:sldMkLst>
+        <pc:spChg chg="add mod">
+          <ac:chgData name="σρтιмυѕ ρяιмє" userId="8c882d0867ceeb53" providerId="LiveId" clId="{979196C3-965E-4D79-9C4A-D3ADF9595C8C}" dt="2023-08-08T12:15:20.299" v="4601"/>
+          <ac:spMkLst>
+            <pc:docMk/>
+            <pc:sldMk cId="1149470523" sldId="297"/>
+            <ac:spMk id="4" creationId="{3323ECC4-A8D6-96CC-6274-4494E737E437}"/>
+          </ac:spMkLst>
+        </pc:spChg>
+        <pc:spChg chg="add mod">
+          <ac:chgData name="σρтιмυѕ ρяιмє" userId="8c882d0867ceeb53" providerId="LiveId" clId="{979196C3-965E-4D79-9C4A-D3ADF9595C8C}" dt="2023-08-08T14:15:28.688" v="4966" actId="403"/>
+          <ac:spMkLst>
+            <pc:docMk/>
+            <pc:sldMk cId="1149470523" sldId="297"/>
+            <ac:spMk id="5" creationId="{4D39861A-4920-3454-AA32-C27805821CC3}"/>
+          </ac:spMkLst>
+        </pc:spChg>
+        <pc:picChg chg="add mod modCrop">
+          <ac:chgData name="σρтιмυѕ ρяιмє" userId="8c882d0867ceeb53" providerId="LiveId" clId="{979196C3-965E-4D79-9C4A-D3ADF9595C8C}" dt="2023-08-08T12:14:52.621" v="4597" actId="1440"/>
+          <ac:picMkLst>
+            <pc:docMk/>
+            <pc:sldMk cId="1149470523" sldId="297"/>
+            <ac:picMk id="3" creationId="{AA3625B3-AB39-A953-84A2-596684A33E11}"/>
+          </ac:picMkLst>
+        </pc:picChg>
+      </pc:sldChg>
+      <pc:sldChg chg="addSp delSp modSp new mod modTransition setBg">
+        <pc:chgData name="σρтιмυѕ ρяιмє" userId="8c882d0867ceeb53" providerId="LiveId" clId="{979196C3-965E-4D79-9C4A-D3ADF9595C8C}" dt="2023-08-08T14:31:38.675" v="5037" actId="1076"/>
+        <pc:sldMkLst>
+          <pc:docMk/>
+          <pc:sldMk cId="1928556171" sldId="298"/>
+        </pc:sldMkLst>
+        <pc:spChg chg="add mod">
+          <ac:chgData name="σρтιмυѕ ρяιмє" userId="8c882d0867ceeb53" providerId="LiveId" clId="{979196C3-965E-4D79-9C4A-D3ADF9595C8C}" dt="2023-08-08T12:27:12.087" v="4707"/>
+          <ac:spMkLst>
+            <pc:docMk/>
+            <pc:sldMk cId="1928556171" sldId="298"/>
+            <ac:spMk id="6" creationId="{8585E8A8-7BC2-DB93-816A-9615AF97FE3C}"/>
+          </ac:spMkLst>
+        </pc:spChg>
+        <pc:spChg chg="add mod">
+          <ac:chgData name="σρтιмυѕ ρяιмє" userId="8c882d0867ceeb53" providerId="LiveId" clId="{979196C3-965E-4D79-9C4A-D3ADF9595C8C}" dt="2023-08-08T14:31:38.675" v="5037" actId="1076"/>
+          <ac:spMkLst>
+            <pc:docMk/>
+            <pc:sldMk cId="1928556171" sldId="298"/>
+            <ac:spMk id="7" creationId="{3D7112EE-9C60-4665-9764-A0CA12C58E95}"/>
+          </ac:spMkLst>
+        </pc:spChg>
+        <pc:picChg chg="add del mod modCrop">
+          <ac:chgData name="σρтιмυѕ ρяιмє" userId="8c882d0867ceeb53" providerId="LiveId" clId="{979196C3-965E-4D79-9C4A-D3ADF9595C8C}" dt="2023-08-08T12:25:27.417" v="4691" actId="22"/>
+          <ac:picMkLst>
+            <pc:docMk/>
+            <pc:sldMk cId="1928556171" sldId="298"/>
+            <ac:picMk id="3" creationId="{18925E0E-578B-F58C-DFD9-BE64DDA27D37}"/>
+          </ac:picMkLst>
+        </pc:picChg>
+        <pc:picChg chg="add mod modCrop">
+          <ac:chgData name="σρтιмυѕ ρяιмє" userId="8c882d0867ceeb53" providerId="LiveId" clId="{979196C3-965E-4D79-9C4A-D3ADF9595C8C}" dt="2023-08-08T12:26:16.278" v="4701" actId="14100"/>
+          <ac:picMkLst>
+            <pc:docMk/>
+            <pc:sldMk cId="1928556171" sldId="298"/>
+            <ac:picMk id="5" creationId="{6E0D764B-AEF3-073E-F436-F3C9F9E1D6FF}"/>
+          </ac:picMkLst>
+        </pc:picChg>
+      </pc:sldChg>
+      <pc:sldChg chg="addSp delSp modSp new mod modTransition setBg">
+        <pc:chgData name="σρтιмυѕ ρяιмє" userId="8c882d0867ceeb53" providerId="LiveId" clId="{979196C3-965E-4D79-9C4A-D3ADF9595C8C}" dt="2023-08-08T14:28:33.672" v="5026"/>
+        <pc:sldMkLst>
+          <pc:docMk/>
+          <pc:sldMk cId="267303538" sldId="299"/>
+        </pc:sldMkLst>
+        <pc:spChg chg="add mod">
+          <ac:chgData name="σρтιмυѕ ρяιмє" userId="8c882d0867ceeb53" providerId="LiveId" clId="{979196C3-965E-4D79-9C4A-D3ADF9595C8C}" dt="2023-08-08T14:15:42.839" v="4968" actId="20577"/>
+          <ac:spMkLst>
+            <pc:docMk/>
+            <pc:sldMk cId="267303538" sldId="299"/>
+            <ac:spMk id="6" creationId="{A6BDD5BD-FA92-6FA4-E2D5-F18AE9471479}"/>
+          </ac:spMkLst>
+        </pc:spChg>
+        <pc:spChg chg="add mod">
+          <ac:chgData name="σρтιмυѕ ρяιмє" userId="8c882d0867ceeb53" providerId="LiveId" clId="{979196C3-965E-4D79-9C4A-D3ADF9595C8C}" dt="2023-08-08T14:03:09.503" v="4858"/>
+          <ac:spMkLst>
+            <pc:docMk/>
+            <pc:sldMk cId="267303538" sldId="299"/>
+            <ac:spMk id="7" creationId="{47C63698-4DC8-FBAD-6F96-E04200B2E670}"/>
+          </ac:spMkLst>
+        </pc:spChg>
+        <pc:picChg chg="add del">
+          <ac:chgData name="σρтιмυѕ ρяιмє" userId="8c882d0867ceeb53" providerId="LiveId" clId="{979196C3-965E-4D79-9C4A-D3ADF9595C8C}" dt="2023-08-08T13:59:27.877" v="4821" actId="22"/>
+          <ac:picMkLst>
+            <pc:docMk/>
+            <pc:sldMk cId="267303538" sldId="299"/>
+            <ac:picMk id="3" creationId="{5B8275E2-EB82-E87E-1950-9A3323F6B078}"/>
+          </ac:picMkLst>
+        </pc:picChg>
+        <pc:picChg chg="add mod modCrop">
+          <ac:chgData name="σρтιмυѕ ρяιмє" userId="8c882d0867ceeb53" providerId="LiveId" clId="{979196C3-965E-4D79-9C4A-D3ADF9595C8C}" dt="2023-08-08T14:00:25.559" v="4832" actId="14100"/>
+          <ac:picMkLst>
+            <pc:docMk/>
+            <pc:sldMk cId="267303538" sldId="299"/>
+            <ac:picMk id="5" creationId="{2AED99A8-9BF7-3B00-6B03-F32550D7F79E}"/>
+          </ac:picMkLst>
+        </pc:picChg>
+      </pc:sldChg>
+      <pc:sldChg chg="addSp modSp new mod modTransition setBg">
+        <pc:chgData name="σρтιмυѕ ρяιмє" userId="8c882d0867ceeb53" providerId="LiveId" clId="{979196C3-965E-4D79-9C4A-D3ADF9595C8C}" dt="2023-08-08T14:31:49.815" v="5039" actId="1076"/>
+        <pc:sldMkLst>
+          <pc:docMk/>
+          <pc:sldMk cId="2808076821" sldId="300"/>
+        </pc:sldMkLst>
+        <pc:spChg chg="add mod">
+          <ac:chgData name="σρтιмυѕ ρяιмє" userId="8c882d0867ceeb53" providerId="LiveId" clId="{979196C3-965E-4D79-9C4A-D3ADF9595C8C}" dt="2023-08-08T14:31:49.815" v="5039" actId="1076"/>
+          <ac:spMkLst>
+            <pc:docMk/>
+            <pc:sldMk cId="2808076821" sldId="300"/>
+            <ac:spMk id="4" creationId="{3ECC6D5F-B90F-6CDE-ECA2-1B925BCD504B}"/>
+          </ac:spMkLst>
+        </pc:spChg>
+        <pc:spChg chg="add mod">
+          <ac:chgData name="σρтιмυѕ ρяιмє" userId="8c882d0867ceeb53" providerId="LiveId" clId="{979196C3-965E-4D79-9C4A-D3ADF9595C8C}" dt="2023-08-08T14:07:56.568" v="4904"/>
+          <ac:spMkLst>
+            <pc:docMk/>
+            <pc:sldMk cId="2808076821" sldId="300"/>
+            <ac:spMk id="5" creationId="{4E9B4B52-8382-08BE-592A-6E7351310E1C}"/>
+          </ac:spMkLst>
+        </pc:spChg>
+        <pc:picChg chg="add mod modCrop">
+          <ac:chgData name="σρтιмυѕ ρяιмє" userId="8c882d0867ceeb53" providerId="LiveId" clId="{979196C3-965E-4D79-9C4A-D3ADF9595C8C}" dt="2023-08-08T14:06:15.017" v="4869" actId="14100"/>
+          <ac:picMkLst>
+            <pc:docMk/>
+            <pc:sldMk cId="2808076821" sldId="300"/>
+            <ac:picMk id="3" creationId="{71B6AC68-4970-2F57-903C-1447732A1E8B}"/>
+          </ac:picMkLst>
+        </pc:picChg>
+      </pc:sldChg>
+      <pc:sldChg chg="addSp modSp new mod modTransition setBg">
+        <pc:chgData name="σρтιмυѕ ρяιмє" userId="8c882d0867ceeb53" providerId="LiveId" clId="{979196C3-965E-4D79-9C4A-D3ADF9595C8C}" dt="2023-08-08T14:28:43.031" v="5028"/>
+        <pc:sldMkLst>
+          <pc:docMk/>
+          <pc:sldMk cId="691258262" sldId="301"/>
+        </pc:sldMkLst>
+        <pc:spChg chg="add mod">
+          <ac:chgData name="σρтιмυѕ ρяιмє" userId="8c882d0867ceeb53" providerId="LiveId" clId="{979196C3-965E-4D79-9C4A-D3ADF9595C8C}" dt="2023-08-08T14:12:08.687" v="4942" actId="122"/>
+          <ac:spMkLst>
+            <pc:docMk/>
+            <pc:sldMk cId="691258262" sldId="301"/>
+            <ac:spMk id="4" creationId="{C26DE7DE-639D-0D41-FD99-69283A8C2A17}"/>
+          </ac:spMkLst>
+        </pc:spChg>
+        <pc:spChg chg="add mod">
+          <ac:chgData name="σρтιмυѕ ρяιмє" userId="8c882d0867ceeb53" providerId="LiveId" clId="{979196C3-965E-4D79-9C4A-D3ADF9595C8C}" dt="2023-08-08T14:12:37.243" v="4946"/>
+          <ac:spMkLst>
+            <pc:docMk/>
+            <pc:sldMk cId="691258262" sldId="301"/>
+            <ac:spMk id="5" creationId="{F8B44335-61ED-2DA5-A78E-0D6AB9DA22DF}"/>
+          </ac:spMkLst>
+        </pc:spChg>
+        <pc:picChg chg="add mod modCrop">
+          <ac:chgData name="σρтιмυѕ ρяιмє" userId="8c882d0867ceeb53" providerId="LiveId" clId="{979196C3-965E-4D79-9C4A-D3ADF9595C8C}" dt="2023-08-08T14:10:46.112" v="4914" actId="14100"/>
+          <ac:picMkLst>
+            <pc:docMk/>
+            <pc:sldMk cId="691258262" sldId="301"/>
+            <ac:picMk id="3" creationId="{6330EB83-0FFC-85DF-0B03-067FD3D72777}"/>
+          </ac:picMkLst>
+        </pc:picChg>
+      </pc:sldChg>
+      <pc:sldChg chg="addSp modSp new mod modTransition setBg">
+        <pc:chgData name="σρтιмυѕ ρяιмє" userId="8c882d0867ceeb53" providerId="LiveId" clId="{979196C3-965E-4D79-9C4A-D3ADF9595C8C}" dt="2023-08-08T14:29:09.817" v="5030"/>
+        <pc:sldMkLst>
+          <pc:docMk/>
+          <pc:sldMk cId="2506744926" sldId="302"/>
+        </pc:sldMkLst>
+        <pc:spChg chg="add mod">
+          <ac:chgData name="σρтιмυѕ ρяιмє" userId="8c882d0867ceeb53" providerId="LiveId" clId="{979196C3-965E-4D79-9C4A-D3ADF9595C8C}" dt="2023-08-08T14:22:29.331" v="4982"/>
+          <ac:spMkLst>
+            <pc:docMk/>
+            <pc:sldMk cId="2506744926" sldId="302"/>
+            <ac:spMk id="4" creationId="{F06AD87D-6986-D344-B4C3-2EF608F5229A}"/>
+          </ac:spMkLst>
+        </pc:spChg>
+        <pc:spChg chg="add mod">
+          <ac:chgData name="σρтιмυѕ ρяιмє" userId="8c882d0867ceeb53" providerId="LiveId" clId="{979196C3-965E-4D79-9C4A-D3ADF9595C8C}" dt="2023-08-08T14:24:47.237" v="5013" actId="122"/>
+          <ac:spMkLst>
+            <pc:docMk/>
+            <pc:sldMk cId="2506744926" sldId="302"/>
+            <ac:spMk id="5" creationId="{A8035E0C-96B9-ABAE-3638-B506DF13A954}"/>
+          </ac:spMkLst>
+        </pc:spChg>
+        <pc:picChg chg="add mod modCrop">
+          <ac:chgData name="σρтιмυѕ ρяιмє" userId="8c882d0867ceeb53" providerId="LiveId" clId="{979196C3-965E-4D79-9C4A-D3ADF9595C8C}" dt="2023-08-08T14:21:58.402" v="4979" actId="14100"/>
+          <ac:picMkLst>
+            <pc:docMk/>
+            <pc:sldMk cId="2506744926" sldId="302"/>
+            <ac:picMk id="3" creationId="{32B3CB86-1249-0CEF-F967-5326B43563F3}"/>
           </ac:picMkLst>
         </pc:picChg>
       </pc:sldChg>
@@ -4071,6 +4837,62 @@
     </pc:docChg>
   </pc:docChgLst>
 </pc:chgInfo>
+</file>
+
+<file path=ppt/ink/ink1.xml><?xml version="1.0" encoding="utf-8"?>
+<inkml:ink xmlns:inkml="http://www.w3.org/2003/InkML">
+  <inkml:definitions>
+    <inkml:context xml:id="ctx0">
+      <inkml:inkSource xml:id="inkSrc0">
+        <inkml:traceFormat>
+          <inkml:channel name="X" type="integer" min="-2.14748E9" max="2.14748E9" units="cm"/>
+          <inkml:channel name="Y" type="integer" min="-2.14748E9" max="2.14748E9" units="cm"/>
+          <inkml:channel name="F" type="integer" max="32767" units="dev"/>
+        </inkml:traceFormat>
+        <inkml:channelProperties>
+          <inkml:channelProperty channel="X" name="resolution" value="1000" units="1/cm"/>
+          <inkml:channelProperty channel="Y" name="resolution" value="1000" units="1/cm"/>
+          <inkml:channelProperty channel="F" name="resolution" value="0" units="1/dev"/>
+        </inkml:channelProperties>
+      </inkml:inkSource>
+      <inkml:timestamp xml:id="ts0" timeString="2023-08-08T06:38:48.899"/>
+    </inkml:context>
+    <inkml:brush xml:id="br0">
+      <inkml:brushProperty name="width" value="0.35" units="cm"/>
+      <inkml:brushProperty name="height" value="0.35" units="cm"/>
+      <inkml:brushProperty name="color" value="#FFFFFF"/>
+    </inkml:brush>
+  </inkml:definitions>
+  <inkml:trace contextRef="#ctx0" brushRef="#br0">0 0 24575,'0'0'-8191</inkml:trace>
+</inkml:ink>
+</file>
+
+<file path=ppt/ink/ink2.xml><?xml version="1.0" encoding="utf-8"?>
+<inkml:ink xmlns:inkml="http://www.w3.org/2003/InkML">
+  <inkml:definitions>
+    <inkml:context xml:id="ctx0">
+      <inkml:inkSource xml:id="inkSrc0">
+        <inkml:traceFormat>
+          <inkml:channel name="X" type="integer" min="-2.14748E9" max="2.14748E9" units="cm"/>
+          <inkml:channel name="Y" type="integer" min="-2.14748E9" max="2.14748E9" units="cm"/>
+          <inkml:channel name="F" type="integer" max="32767" units="dev"/>
+        </inkml:traceFormat>
+        <inkml:channelProperties>
+          <inkml:channelProperty channel="X" name="resolution" value="1000" units="1/cm"/>
+          <inkml:channelProperty channel="Y" name="resolution" value="1000" units="1/cm"/>
+          <inkml:channelProperty channel="F" name="resolution" value="0" units="1/dev"/>
+        </inkml:channelProperties>
+      </inkml:inkSource>
+      <inkml:timestamp xml:id="ts0" timeString="2023-08-08T06:38:49.233"/>
+    </inkml:context>
+    <inkml:brush xml:id="br0">
+      <inkml:brushProperty name="width" value="0.35" units="cm"/>
+      <inkml:brushProperty name="height" value="0.35" units="cm"/>
+      <inkml:brushProperty name="color" value="#FFFFFF"/>
+    </inkml:brush>
+  </inkml:definitions>
+  <inkml:trace contextRef="#ctx0" brushRef="#br0">0 0 24575,'0'0'-8191</inkml:trace>
+</inkml:ink>
 </file>
 
 <file path=ppt/slideLayouts/slideLayout1.xml><?xml version="1.0" encoding="utf-8"?>
@@ -4347,7 +5169,7 @@
           <a:p>
             <a:fld id="{EDE13498-B101-4B6D-ACF0-1F446B55F52E}" type="datetimeFigureOut">
               <a:rPr lang="en-IN" smtClean="0"/>
-              <a:t>02-08-2023</a:t>
+              <a:t>08-08-2023</a:t>
             </a:fld>
             <a:endParaRPr lang="en-IN"/>
           </a:p>
@@ -4761,7 +5583,7 @@
           <a:p>
             <a:fld id="{EDE13498-B101-4B6D-ACF0-1F446B55F52E}" type="datetimeFigureOut">
               <a:rPr lang="en-IN" smtClean="0"/>
-              <a:t>02-08-2023</a:t>
+              <a:t>08-08-2023</a:t>
             </a:fld>
             <a:endParaRPr lang="en-IN"/>
           </a:p>
@@ -5097,7 +5919,7 @@
           <a:p>
             <a:fld id="{EDE13498-B101-4B6D-ACF0-1F446B55F52E}" type="datetimeFigureOut">
               <a:rPr lang="en-IN" smtClean="0"/>
-              <a:t>02-08-2023</a:t>
+              <a:t>08-08-2023</a:t>
             </a:fld>
             <a:endParaRPr lang="en-IN"/>
           </a:p>
@@ -5502,7 +6324,7 @@
           <a:p>
             <a:fld id="{EDE13498-B101-4B6D-ACF0-1F446B55F52E}" type="datetimeFigureOut">
               <a:rPr lang="en-IN" smtClean="0"/>
-              <a:t>02-08-2023</a:t>
+              <a:t>08-08-2023</a:t>
             </a:fld>
             <a:endParaRPr lang="en-IN"/>
           </a:p>
@@ -6070,7 +6892,7 @@
           <a:p>
             <a:fld id="{EDE13498-B101-4B6D-ACF0-1F446B55F52E}" type="datetimeFigureOut">
               <a:rPr lang="en-IN" smtClean="0"/>
-              <a:t>02-08-2023</a:t>
+              <a:t>08-08-2023</a:t>
             </a:fld>
             <a:endParaRPr lang="en-IN"/>
           </a:p>
@@ -6751,7 +7573,7 @@
           <a:p>
             <a:fld id="{EDE13498-B101-4B6D-ACF0-1F446B55F52E}" type="datetimeFigureOut">
               <a:rPr lang="en-IN" smtClean="0"/>
-              <a:t>02-08-2023</a:t>
+              <a:t>08-08-2023</a:t>
             </a:fld>
             <a:endParaRPr lang="en-IN"/>
           </a:p>
@@ -7664,7 +8486,7 @@
           <a:p>
             <a:fld id="{EDE13498-B101-4B6D-ACF0-1F446B55F52E}" type="datetimeFigureOut">
               <a:rPr lang="en-IN" smtClean="0"/>
-              <a:t>02-08-2023</a:t>
+              <a:t>08-08-2023</a:t>
             </a:fld>
             <a:endParaRPr lang="en-IN"/>
           </a:p>
@@ -7977,7 +8799,7 @@
           <a:p>
             <a:fld id="{EDE13498-B101-4B6D-ACF0-1F446B55F52E}" type="datetimeFigureOut">
               <a:rPr lang="en-IN" smtClean="0"/>
-              <a:t>02-08-2023</a:t>
+              <a:t>08-08-2023</a:t>
             </a:fld>
             <a:endParaRPr lang="en-IN"/>
           </a:p>
@@ -8241,7 +9063,7 @@
           <a:p>
             <a:fld id="{EDE13498-B101-4B6D-ACF0-1F446B55F52E}" type="datetimeFigureOut">
               <a:rPr lang="en-IN" smtClean="0"/>
-              <a:t>02-08-2023</a:t>
+              <a:t>08-08-2023</a:t>
             </a:fld>
             <a:endParaRPr lang="en-IN"/>
           </a:p>
@@ -8564,7 +9386,7 @@
           <a:p>
             <a:fld id="{EDE13498-B101-4B6D-ACF0-1F446B55F52E}" type="datetimeFigureOut">
               <a:rPr lang="en-IN" smtClean="0"/>
-              <a:t>02-08-2023</a:t>
+              <a:t>08-08-2023</a:t>
             </a:fld>
             <a:endParaRPr lang="en-IN"/>
           </a:p>
@@ -8953,7 +9775,7 @@
           <a:p>
             <a:fld id="{EDE13498-B101-4B6D-ACF0-1F446B55F52E}" type="datetimeFigureOut">
               <a:rPr lang="en-IN" smtClean="0"/>
-              <a:t>02-08-2023</a:t>
+              <a:t>08-08-2023</a:t>
             </a:fld>
             <a:endParaRPr lang="en-IN"/>
           </a:p>
@@ -9329,7 +10151,7 @@
           <a:p>
             <a:fld id="{EDE13498-B101-4B6D-ACF0-1F446B55F52E}" type="datetimeFigureOut">
               <a:rPr lang="en-IN" smtClean="0"/>
-              <a:t>02-08-2023</a:t>
+              <a:t>08-08-2023</a:t>
             </a:fld>
             <a:endParaRPr lang="en-IN"/>
           </a:p>
@@ -9835,7 +10657,7 @@
           <a:p>
             <a:fld id="{EDE13498-B101-4B6D-ACF0-1F446B55F52E}" type="datetimeFigureOut">
               <a:rPr lang="en-IN" smtClean="0"/>
-              <a:t>02-08-2023</a:t>
+              <a:t>08-08-2023</a:t>
             </a:fld>
             <a:endParaRPr lang="en-IN"/>
           </a:p>
@@ -10092,7 +10914,7 @@
           <a:p>
             <a:fld id="{EDE13498-B101-4B6D-ACF0-1F446B55F52E}" type="datetimeFigureOut">
               <a:rPr lang="en-IN" smtClean="0"/>
-              <a:t>02-08-2023</a:t>
+              <a:t>08-08-2023</a:t>
             </a:fld>
             <a:endParaRPr lang="en-IN"/>
           </a:p>
@@ -10255,7 +11077,7 @@
           <a:p>
             <a:fld id="{EDE13498-B101-4B6D-ACF0-1F446B55F52E}" type="datetimeFigureOut">
               <a:rPr lang="en-IN" smtClean="0"/>
-              <a:t>02-08-2023</a:t>
+              <a:t>08-08-2023</a:t>
             </a:fld>
             <a:endParaRPr lang="en-IN"/>
           </a:p>
@@ -10645,7 +11467,7 @@
           <a:p>
             <a:fld id="{EDE13498-B101-4B6D-ACF0-1F446B55F52E}" type="datetimeFigureOut">
               <a:rPr lang="en-IN" smtClean="0"/>
-              <a:t>02-08-2023</a:t>
+              <a:t>08-08-2023</a:t>
             </a:fld>
             <a:endParaRPr lang="en-IN"/>
           </a:p>
@@ -11054,7 +11876,7 @@
           <a:p>
             <a:fld id="{EDE13498-B101-4B6D-ACF0-1F446B55F52E}" type="datetimeFigureOut">
               <a:rPr lang="en-IN" smtClean="0"/>
-              <a:t>02-08-2023</a:t>
+              <a:t>08-08-2023</a:t>
             </a:fld>
             <a:endParaRPr lang="en-IN"/>
           </a:p>
@@ -11298,7 +12120,7 @@
           <a:p>
             <a:fld id="{EDE13498-B101-4B6D-ACF0-1F446B55F52E}" type="datetimeFigureOut">
               <a:rPr lang="en-IN" smtClean="0"/>
-              <a:t>02-08-2023</a:t>
+              <a:t>08-08-2023</a:t>
             </a:fld>
             <a:endParaRPr lang="en-IN"/>
           </a:p>
@@ -11727,8 +12549,8 @@
         </p:nvSpPr>
         <p:spPr>
           <a:xfrm>
-            <a:off x="588882" y="2829894"/>
-            <a:ext cx="8144134" cy="1340451"/>
+            <a:off x="182880" y="2829894"/>
+            <a:ext cx="8550136" cy="1340451"/>
           </a:xfrm>
         </p:spPr>
         <p:txBody>
@@ -11742,14 +12564,14 @@
             </a:pPr>
             <a:r>
               <a:rPr lang="en-IN" sz="4800" dirty="0"/>
-              <a:t>Building A Sample</a:t>
+              <a:t>Building A Simple</a:t>
             </a:r>
             <a:br>
               <a:rPr lang="en-IN" sz="4800" dirty="0"/>
             </a:br>
             <a:r>
               <a:rPr lang="en-IN" sz="4800" dirty="0"/>
-              <a:t>CRUD Web Application</a:t>
+              <a:t>MVC-CRUD Web Application</a:t>
             </a:r>
           </a:p>
         </p:txBody>
@@ -11800,13 +12622,13 @@
   <p:clrMapOvr>
     <a:masterClrMapping/>
   </p:clrMapOvr>
-  <mc:AlternateContent xmlns:mc="http://schemas.openxmlformats.org/markup-compatibility/2006" xmlns:p15="http://schemas.microsoft.com/office/powerpoint/2012/main">
-    <mc:Choice Requires="p15">
+  <mc:AlternateContent xmlns:mc="http://schemas.openxmlformats.org/markup-compatibility/2006">
+    <mc:Choice xmlns:p15="http://schemas.microsoft.com/office/powerpoint/2012/main" Requires="p15">
       <p:transition xmlns:p14="http://schemas.microsoft.com/office/powerpoint/2010/main" spd="slow" p14:dur="1250">
-        <p15:prstTrans prst="pageCurlDouble"/>
+        <p15:prstTrans prst="peelOff"/>
       </p:transition>
     </mc:Choice>
-    <mc:Fallback xmlns="">
+    <mc:Fallback>
       <p:transition spd="slow">
         <p:fade/>
       </p:transition>
@@ -12116,8 +12938,87 @@
             </a:pPr>
             <a:r>
               <a:rPr lang="en-IN" sz="2000" dirty="0"/>
-              <a:t>	1. login.html </a:t>
-            </a:r>
+              <a:t>	1. </a:t>
+            </a:r>
+            <a:r>
+              <a:rPr lang="en-IN" b="1" dirty="0">
+                <a:solidFill>
+                  <a:srgbClr val="FFFF00"/>
+                </a:solidFill>
+                <a:effectLst>
+                  <a:outerShdw blurRad="38100" dist="38100" dir="2700000" algn="tl">
+                    <a:srgbClr val="000000">
+                      <a:alpha val="43137"/>
+                    </a:srgbClr>
+                  </a:outerShdw>
+                </a:effectLst>
+                <a:hlinkClick r:id="rId2" action="ppaction://hlinksldjump">
+                  <a:extLst>
+                    <a:ext uri="{A12FA001-AC4F-418D-AE19-62706E023703}">
+                      <ahyp:hlinkClr xmlns:ahyp="http://schemas.microsoft.com/office/drawing/2018/hyperlinkcolor" val="tx"/>
+                    </a:ext>
+                  </a:extLst>
+                </a:hlinkClick>
+              </a:rPr>
+              <a:t>login</a:t>
+            </a:r>
+            <a:r>
+              <a:rPr lang="en-IN" b="1" dirty="0">
+                <a:solidFill>
+                  <a:srgbClr val="FFFF00"/>
+                </a:solidFill>
+                <a:hlinkClick r:id="rId2" action="ppaction://hlinksldjump">
+                  <a:extLst>
+                    <a:ext uri="{A12FA001-AC4F-418D-AE19-62706E023703}">
+                      <ahyp:hlinkClr xmlns:ahyp="http://schemas.microsoft.com/office/drawing/2018/hyperlinkcolor" val="tx"/>
+                    </a:ext>
+                  </a:extLst>
+                </a:hlinkClick>
+              </a:rPr>
+              <a:t>.</a:t>
+            </a:r>
+            <a:r>
+              <a:rPr lang="en-IN" b="1" dirty="0">
+                <a:solidFill>
+                  <a:srgbClr val="FFFF00"/>
+                </a:solidFill>
+                <a:effectLst>
+                  <a:outerShdw blurRad="38100" dist="38100" dir="2700000" algn="tl">
+                    <a:srgbClr val="000000">
+                      <a:alpha val="43137"/>
+                    </a:srgbClr>
+                  </a:outerShdw>
+                </a:effectLst>
+                <a:hlinkClick r:id="rId2" action="ppaction://hlinksldjump">
+                  <a:extLst>
+                    <a:ext uri="{A12FA001-AC4F-418D-AE19-62706E023703}">
+                      <ahyp:hlinkClr xmlns:ahyp="http://schemas.microsoft.com/office/drawing/2018/hyperlinkcolor" val="tx"/>
+                    </a:ext>
+                  </a:extLst>
+                </a:hlinkClick>
+              </a:rPr>
+              <a:t>html</a:t>
+            </a:r>
+            <a:r>
+              <a:rPr lang="en-IN" b="1" dirty="0">
+                <a:solidFill>
+                  <a:srgbClr val="FFFF00"/>
+                </a:solidFill>
+                <a:hlinkClick r:id="rId2" action="ppaction://hlinksldjump">
+                  <a:extLst>
+                    <a:ext uri="{A12FA001-AC4F-418D-AE19-62706E023703}">
+                      <ahyp:hlinkClr xmlns:ahyp="http://schemas.microsoft.com/office/drawing/2018/hyperlinkcolor" val="tx"/>
+                    </a:ext>
+                  </a:extLst>
+                </a:hlinkClick>
+              </a:rPr>
+              <a:t> </a:t>
+            </a:r>
+            <a:endParaRPr lang="en-IN" b="1" dirty="0">
+              <a:solidFill>
+                <a:srgbClr val="FFFF00"/>
+              </a:solidFill>
+            </a:endParaRPr>
           </a:p>
           <a:p>
             <a:pPr marL="0" indent="0">
@@ -12141,13 +13042,39 @@
               <a:t> </a:t>
             </a:r>
             <a:r>
-              <a:rPr lang="en-US" sz="2000" dirty="0" err="1"/>
-              <a:t>login.jsp</a:t>
-            </a:r>
-            <a:r>
-              <a:rPr lang="en-US" sz="2000" dirty="0"/>
-              <a:t> </a:t>
-            </a:r>
+              <a:rPr lang="en-US" b="1" dirty="0">
+                <a:solidFill>
+                  <a:srgbClr val="FFFF00"/>
+                </a:solidFill>
+                <a:effectLst>
+                  <a:outerShdw blurRad="38100" dist="38100" dir="2700000" algn="tl">
+                    <a:srgbClr val="000000">
+                      <a:alpha val="43137"/>
+                    </a:srgbClr>
+                  </a:outerShdw>
+                </a:effectLst>
+                <a:hlinkClick r:id="rId3" action="ppaction://hlinksldjump">
+                  <a:extLst>
+                    <a:ext uri="{A12FA001-AC4F-418D-AE19-62706E023703}">
+                      <ahyp:hlinkClr xmlns:ahyp="http://schemas.microsoft.com/office/drawing/2018/hyperlinkcolor" val="tx"/>
+                    </a:ext>
+                  </a:extLst>
+                </a:hlinkClick>
+              </a:rPr>
+              <a:t>login.jsp </a:t>
+            </a:r>
+            <a:endParaRPr lang="en-US" b="1" dirty="0">
+              <a:solidFill>
+                <a:srgbClr val="FFFF00"/>
+              </a:solidFill>
+              <a:effectLst>
+                <a:outerShdw blurRad="38100" dist="38100" dir="2700000" algn="tl">
+                  <a:srgbClr val="000000">
+                    <a:alpha val="43137"/>
+                  </a:srgbClr>
+                </a:outerShdw>
+              </a:effectLst>
+            </a:endParaRPr>
           </a:p>
           <a:p>
             <a:pPr marL="0" indent="0">
@@ -12161,15 +13088,7 @@
           <a:p>
             <a:r>
               <a:rPr lang="en-US" sz="2000" dirty="0"/>
-              <a:t>This code presents a simple user login system using HTML and JSP. The login details, including username and password, are collected from the login form (login.html). The entered data is then processed by the </a:t>
-            </a:r>
-            <a:r>
-              <a:rPr lang="en-US" sz="2000" dirty="0" err="1"/>
-              <a:t>login.jsp</a:t>
-            </a:r>
-            <a:r>
-              <a:rPr lang="en-US" sz="2000" dirty="0"/>
-              <a:t> servlet, which validates the user's credentials against the "users" table in the MySQL database. If the credentials are valid, the user is informed of the successful login. Otherwise, an error message is displayed, and the user is prompted to try logging in again.</a:t>
+              <a:t>This code presents a simple user login system using HTML and JSP. The login details, including username and password, are collected from the login form (login.html). The entered data is then processed by the login.jsp servlet, which validates the user's credentials against the "users" table in the MySQL database. If the credentials are valid, the user is informed of the successful login. Otherwise, an error message is displayed, and the user is prompted to try logging in again.</a:t>
             </a:r>
           </a:p>
         </p:txBody>
@@ -12220,7 +13139,7 @@
             </a:pPr>
             <a:r>
               <a:rPr lang="en-IN" dirty="0">
-                <a:hlinkClick r:id="rId2" action="ppaction://hlinksldjump"/>
+                <a:hlinkClick r:id="rId4" action="ppaction://hlinksldjump"/>
               </a:rPr>
               <a:t>Slide 17</a:t>
             </a:r>
@@ -12238,13 +13157,13 @@
   <p:clrMapOvr>
     <a:masterClrMapping/>
   </p:clrMapOvr>
-  <mc:AlternateContent xmlns:mc="http://schemas.openxmlformats.org/markup-compatibility/2006" xmlns:p15="http://schemas.microsoft.com/office/powerpoint/2012/main">
-    <mc:Choice Requires="p15">
+  <mc:AlternateContent xmlns:mc="http://schemas.openxmlformats.org/markup-compatibility/2006">
+    <mc:Choice xmlns:p15="http://schemas.microsoft.com/office/powerpoint/2012/main" Requires="p15">
       <p:transition xmlns:p14="http://schemas.microsoft.com/office/powerpoint/2010/main" spd="slow" p14:dur="1250">
         <p15:prstTrans prst="peelOff"/>
       </p:transition>
     </mc:Choice>
-    <mc:Fallback xmlns="">
+    <mc:Fallback>
       <p:transition spd="slow">
         <p:fade/>
       </p:transition>
@@ -12362,69 +13281,42 @@
               <a:t>Displaying Records In the </a:t>
             </a:r>
             <a:r>
-              <a:rPr lang="en-US" dirty="0" err="1"/>
-              <a:t>index.jsp</a:t>
+              <a:rPr lang="en-US" b="1" dirty="0">
+                <a:solidFill>
+                  <a:srgbClr val="FFFF00"/>
+                </a:solidFill>
+                <a:effectLst>
+                  <a:outerShdw blurRad="38100" dist="38100" dir="2700000" algn="tl">
+                    <a:srgbClr val="000000">
+                      <a:alpha val="43137"/>
+                    </a:srgbClr>
+                  </a:outerShdw>
+                </a:effectLst>
+                <a:hlinkClick r:id="rId2" action="ppaction://hlinksldjump">
+                  <a:extLst>
+                    <a:ext uri="{A12FA001-AC4F-418D-AE19-62706E023703}">
+                      <ahyp:hlinkClr xmlns:ahyp="http://schemas.microsoft.com/office/drawing/2018/hyperlinkcolor" val="tx"/>
+                    </a:ext>
+                  </a:extLst>
+                </a:hlinkClick>
+              </a:rPr>
+              <a:t>index.jsp </a:t>
             </a:r>
             <a:r>
               <a:rPr lang="en-US" dirty="0"/>
-              <a:t> file:</a:t>
-            </a:r>
-          </a:p>
-          <a:p>
+              <a:t>file:</a:t>
+            </a:r>
+          </a:p>
+          <a:p>
+            <a:pPr marL="0" indent="0">
+              <a:buNone/>
+            </a:pPr>
             <a:endParaRPr lang="en-US" dirty="0"/>
           </a:p>
           <a:p>
             <a:r>
               <a:rPr lang="en-US" dirty="0"/>
-              <a:t>In this code, the </a:t>
-            </a:r>
-            <a:r>
-              <a:rPr lang="en-US" dirty="0" err="1"/>
-              <a:t>index.jsp</a:t>
-            </a:r>
-            <a:r>
-              <a:rPr lang="en-US" dirty="0"/>
-              <a:t> page fetches all the records from the "person" table using the </a:t>
-            </a:r>
-            <a:r>
-              <a:rPr lang="en-US" dirty="0" err="1"/>
-              <a:t>ViewDao</a:t>
-            </a:r>
-            <a:r>
-              <a:rPr lang="en-US" dirty="0"/>
-              <a:t> class (not shown here). The retrieved records are displayed in a tabular format using JSP's &lt;</a:t>
-            </a:r>
-            <a:r>
-              <a:rPr lang="en-US" dirty="0" err="1"/>
-              <a:t>c:forEach</a:t>
-            </a:r>
-            <a:r>
-              <a:rPr lang="en-US" dirty="0"/>
-              <a:t>&gt; tag and Bootstrap to style the table. Each row in the table displays the "ID," "Name," and "Owner" columns, and an "Actions" column with "Edit" and "Delete" buttons that link to the corresponding </a:t>
-            </a:r>
-            <a:r>
-              <a:rPr lang="en-US" dirty="0" err="1"/>
-              <a:t>edit.jsp</a:t>
-            </a:r>
-            <a:r>
-              <a:rPr lang="en-US" dirty="0"/>
-              <a:t> and </a:t>
-            </a:r>
-            <a:r>
-              <a:rPr lang="en-US" dirty="0" err="1"/>
-              <a:t>delete.jsp</a:t>
-            </a:r>
-            <a:r>
-              <a:rPr lang="en-US" dirty="0"/>
-              <a:t> pages for the selected record. Additionally, there is an "Add New Record" button that redirects to the </a:t>
-            </a:r>
-            <a:r>
-              <a:rPr lang="en-US" dirty="0" err="1"/>
-              <a:t>add.jsp</a:t>
-            </a:r>
-            <a:r>
-              <a:rPr lang="en-US" dirty="0"/>
-              <a:t> page for adding new records.</a:t>
+              <a:t>In this code, the index.jsp page fetches all the records from the "person" table using the ViewDao class (not shown here). The retrieved records are displayed in a tabular format using JSP's &lt;c:forEach&gt; tag and Bootstrap to style the table. Each row in the table displays the "ID," "Name," and "Owner" columns, and an "Actions" column with "Edit" and "Delete" buttons that link to the corresponding edit.jsp and delete.jsp pages for the selected record. Additionally, there is an "Add New Record" button that redirects to the add.jsp page for adding new records.</a:t>
             </a:r>
           </a:p>
           <a:p>
@@ -12478,7 +13370,7 @@
             </a:pPr>
             <a:r>
               <a:rPr lang="en-US" dirty="0">
-                <a:hlinkClick r:id="rId2" action="ppaction://hlinksldjump"/>
+                <a:hlinkClick r:id="rId3" action="ppaction://hlinksldjump"/>
               </a:rPr>
               <a:t>Slide 19</a:t>
             </a:r>
@@ -12496,13 +13388,13 @@
   <p:clrMapOvr>
     <a:masterClrMapping/>
   </p:clrMapOvr>
-  <mc:AlternateContent xmlns:mc="http://schemas.openxmlformats.org/markup-compatibility/2006" xmlns:p15="http://schemas.microsoft.com/office/powerpoint/2012/main">
-    <mc:Choice Requires="p15">
+  <mc:AlternateContent xmlns:mc="http://schemas.openxmlformats.org/markup-compatibility/2006">
+    <mc:Choice xmlns:p15="http://schemas.microsoft.com/office/powerpoint/2012/main" Requires="p15">
       <p:transition xmlns:p14="http://schemas.microsoft.com/office/powerpoint/2010/main" spd="slow" p14:dur="1250">
         <p15:prstTrans prst="peelOff"/>
       </p:transition>
     </mc:Choice>
-    <mc:Fallback xmlns="">
+    <mc:Fallback>
       <p:transition spd="slow">
         <p:fade/>
       </p:transition>
@@ -12617,13 +13509,39 @@
           <a:lstStyle/>
           <a:p>
             <a:r>
-              <a:rPr lang="en-US" dirty="0" err="1"/>
-              <a:t>add.jsp</a:t>
-            </a:r>
-            <a:r>
-              <a:rPr lang="en-US" dirty="0"/>
-              <a:t> </a:t>
-            </a:r>
+              <a:rPr lang="en-US" b="1" dirty="0">
+                <a:solidFill>
+                  <a:srgbClr val="FFFF00"/>
+                </a:solidFill>
+                <a:effectLst>
+                  <a:outerShdw blurRad="38100" dist="38100" dir="2700000" algn="tl">
+                    <a:srgbClr val="000000">
+                      <a:alpha val="43137"/>
+                    </a:srgbClr>
+                  </a:outerShdw>
+                </a:effectLst>
+                <a:hlinkClick r:id="rId2" action="ppaction://hlinksldjump">
+                  <a:extLst>
+                    <a:ext uri="{A12FA001-AC4F-418D-AE19-62706E023703}">
+                      <ahyp:hlinkClr xmlns:ahyp="http://schemas.microsoft.com/office/drawing/2018/hyperlinkcolor" val="tx"/>
+                    </a:ext>
+                  </a:extLst>
+                </a:hlinkClick>
+              </a:rPr>
+              <a:t>add.jsp </a:t>
+            </a:r>
+            <a:endParaRPr lang="en-US" b="1" dirty="0">
+              <a:solidFill>
+                <a:srgbClr val="FFFF00"/>
+              </a:solidFill>
+              <a:effectLst>
+                <a:outerShdw blurRad="38100" dist="38100" dir="2700000" algn="tl">
+                  <a:srgbClr val="000000">
+                    <a:alpha val="43137"/>
+                  </a:srgbClr>
+                </a:outerShdw>
+              </a:effectLst>
+            </a:endParaRPr>
           </a:p>
           <a:p>
             <a:pPr marL="0" indent="0">
@@ -12643,52 +13561,64 @@
               <a:t>In this code, we have the </a:t>
             </a:r>
             <a:r>
-              <a:rPr lang="en-US" dirty="0" err="1"/>
+              <a:rPr lang="en-US" b="1" dirty="0">
+                <a:solidFill>
+                  <a:srgbClr val="FFFF00"/>
+                </a:solidFill>
+                <a:effectLst>
+                  <a:outerShdw blurRad="38100" dist="38100" dir="2700000" algn="tl">
+                    <a:srgbClr val="000000">
+                      <a:alpha val="43137"/>
+                    </a:srgbClr>
+                  </a:outerShdw>
+                </a:effectLst>
+                <a:hlinkClick r:id="rId3" action="ppaction://hlinksldjump">
+                  <a:extLst>
+                    <a:ext uri="{A12FA001-AC4F-418D-AE19-62706E023703}">
+                      <ahyp:hlinkClr xmlns:ahyp="http://schemas.microsoft.com/office/drawing/2018/hyperlinkcolor" val="tx"/>
+                    </a:ext>
+                  </a:extLst>
+                </a:hlinkClick>
+              </a:rPr>
               <a:t>AddController</a:t>
             </a:r>
             <a:r>
+              <a:rPr lang="en-US" b="1" dirty="0">
+                <a:solidFill>
+                  <a:srgbClr val="FFFF00"/>
+                </a:solidFill>
+              </a:rPr>
+              <a:t> </a:t>
+            </a:r>
+            <a:r>
               <a:rPr lang="en-US" dirty="0"/>
-              <a:t> servlet that handles the form submission from the </a:t>
-            </a:r>
-            <a:r>
-              <a:rPr lang="en-US" dirty="0" err="1"/>
-              <a:t>add.jsp</a:t>
+              <a:t>servlet that handles the form submission from the add.jsp page. The form in add.jsp collects data for adding a new record, including the "name" and "owner" fields. When the user submits the form, the AddController servlet retrieves the data, creates a Person object, and uses the </a:t>
+            </a:r>
+            <a:r>
+              <a:rPr lang="en-US" b="1" dirty="0">
+                <a:solidFill>
+                  <a:srgbClr val="FFFF00"/>
+                </a:solidFill>
+                <a:effectLst>
+                  <a:outerShdw blurRad="38100" dist="38100" dir="2700000" algn="tl">
+                    <a:srgbClr val="000000">
+                      <a:alpha val="43137"/>
+                    </a:srgbClr>
+                  </a:outerShdw>
+                </a:effectLst>
+                <a:hlinkClick r:id="rId4" action="ppaction://hlinksldjump">
+                  <a:extLst>
+                    <a:ext uri="{A12FA001-AC4F-418D-AE19-62706E023703}">
+                      <ahyp:hlinkClr xmlns:ahyp="http://schemas.microsoft.com/office/drawing/2018/hyperlinkcolor" val="tx"/>
+                    </a:ext>
+                  </a:extLst>
+                </a:hlinkClick>
+              </a:rPr>
+              <a:t>AddDao</a:t>
             </a:r>
             <a:r>
               <a:rPr lang="en-US" dirty="0"/>
-              <a:t> page. The form in </a:t>
-            </a:r>
-            <a:r>
-              <a:rPr lang="en-US" dirty="0" err="1"/>
-              <a:t>add.jsp</a:t>
-            </a:r>
-            <a:r>
-              <a:rPr lang="en-US" dirty="0"/>
-              <a:t> collects data for adding a new record, including the "name" and "owner" fields. When the user submits the form, the </a:t>
-            </a:r>
-            <a:r>
-              <a:rPr lang="en-US" dirty="0" err="1"/>
-              <a:t>AddController</a:t>
-            </a:r>
-            <a:r>
-              <a:rPr lang="en-US" dirty="0"/>
-              <a:t> servlet retrieves the data, creates a Person object, and uses the </a:t>
-            </a:r>
-            <a:r>
-              <a:rPr lang="en-US" dirty="0" err="1"/>
-              <a:t>AddDao</a:t>
-            </a:r>
-            <a:r>
-              <a:rPr lang="en-US" dirty="0"/>
-              <a:t> class to insert the data into the "person" table in the MySQL database. If the insertion is successful, the user is redirected to the </a:t>
-            </a:r>
-            <a:r>
-              <a:rPr lang="en-US" dirty="0" err="1"/>
-              <a:t>index.jsp</a:t>
-            </a:r>
-            <a:r>
-              <a:rPr lang="en-US" dirty="0"/>
-              <a:t> page displaying the list of records. If there is an error during insertion, an error message is displayed to the user.</a:t>
+              <a:t> class to insert the data into the "person" table in the MySQL database. If the insertion is successful, the user is redirected to the index.jsp page displaying the list of records. If there is an error during insertion, an error message is displayed to the user.</a:t>
             </a:r>
             <a:endParaRPr lang="en-IN" dirty="0"/>
           </a:p>
@@ -12740,7 +13670,7 @@
             </a:pPr>
             <a:r>
               <a:rPr lang="en-US" dirty="0">
-                <a:hlinkClick r:id="rId2" action="ppaction://hlinksldjump"/>
+                <a:hlinkClick r:id="rId5" action="ppaction://hlinksldjump"/>
               </a:rPr>
               <a:t>Slide 19</a:t>
             </a:r>
@@ -12758,13 +13688,13 @@
   <p:clrMapOvr>
     <a:masterClrMapping/>
   </p:clrMapOvr>
-  <mc:AlternateContent xmlns:mc="http://schemas.openxmlformats.org/markup-compatibility/2006" xmlns:p15="http://schemas.microsoft.com/office/powerpoint/2012/main">
-    <mc:Choice Requires="p15">
+  <mc:AlternateContent xmlns:mc="http://schemas.openxmlformats.org/markup-compatibility/2006">
+    <mc:Choice xmlns:p15="http://schemas.microsoft.com/office/powerpoint/2012/main" Requires="p15">
       <p:transition xmlns:p14="http://schemas.microsoft.com/office/powerpoint/2010/main" spd="slow" p14:dur="1250">
         <p15:prstTrans prst="peelOff"/>
       </p:transition>
     </mc:Choice>
-    <mc:Fallback xmlns="">
+    <mc:Fallback>
       <p:transition spd="slow">
         <p:fade/>
       </p:transition>
@@ -12883,13 +13813,39 @@
           <a:lstStyle/>
           <a:p>
             <a:r>
-              <a:rPr lang="en-US" dirty="0" err="1"/>
-              <a:t>edit.jsp</a:t>
-            </a:r>
-            <a:r>
-              <a:rPr lang="en-US" dirty="0"/>
-              <a:t> </a:t>
-            </a:r>
+              <a:rPr lang="en-US" b="1" dirty="0">
+                <a:solidFill>
+                  <a:srgbClr val="FFFF00"/>
+                </a:solidFill>
+                <a:effectLst>
+                  <a:outerShdw blurRad="38100" dist="38100" dir="2700000" algn="tl">
+                    <a:srgbClr val="000000">
+                      <a:alpha val="43137"/>
+                    </a:srgbClr>
+                  </a:outerShdw>
+                </a:effectLst>
+                <a:hlinkClick r:id="rId2" action="ppaction://hlinksldjump">
+                  <a:extLst>
+                    <a:ext uri="{A12FA001-AC4F-418D-AE19-62706E023703}">
+                      <ahyp:hlinkClr xmlns:ahyp="http://schemas.microsoft.com/office/drawing/2018/hyperlinkcolor" val="tx"/>
+                    </a:ext>
+                  </a:extLst>
+                </a:hlinkClick>
+              </a:rPr>
+              <a:t>edit.jsp </a:t>
+            </a:r>
+            <a:endParaRPr lang="en-US" b="1" dirty="0">
+              <a:solidFill>
+                <a:srgbClr val="FFFF00"/>
+              </a:solidFill>
+              <a:effectLst>
+                <a:outerShdw blurRad="38100" dist="38100" dir="2700000" algn="tl">
+                  <a:srgbClr val="000000">
+                    <a:alpha val="43137"/>
+                  </a:srgbClr>
+                </a:outerShdw>
+              </a:effectLst>
+            </a:endParaRPr>
           </a:p>
           <a:p>
             <a:pPr marL="0" indent="0">
@@ -12909,52 +13865,56 @@
               <a:t>In this code, we have the </a:t>
             </a:r>
             <a:r>
-              <a:rPr lang="en-US" dirty="0" err="1"/>
+              <a:rPr lang="en-US" b="1" dirty="0">
+                <a:solidFill>
+                  <a:srgbClr val="FFFF00"/>
+                </a:solidFill>
+                <a:effectLst>
+                  <a:outerShdw blurRad="38100" dist="38100" dir="2700000" algn="tl">
+                    <a:srgbClr val="000000">
+                      <a:alpha val="43137"/>
+                    </a:srgbClr>
+                  </a:outerShdw>
+                </a:effectLst>
+                <a:hlinkClick r:id="rId3" action="ppaction://hlinksldjump">
+                  <a:extLst>
+                    <a:ext uri="{A12FA001-AC4F-418D-AE19-62706E023703}">
+                      <ahyp:hlinkClr xmlns:ahyp="http://schemas.microsoft.com/office/drawing/2018/hyperlinkcolor" val="tx"/>
+                    </a:ext>
+                  </a:extLst>
+                </a:hlinkClick>
+              </a:rPr>
               <a:t>EditController</a:t>
             </a:r>
             <a:r>
               <a:rPr lang="en-US" dirty="0"/>
-              <a:t> servlet that handles the form submission from the </a:t>
-            </a:r>
-            <a:r>
-              <a:rPr lang="en-US" dirty="0" err="1"/>
-              <a:t>edit.jsp</a:t>
+              <a:t> servlet that handles the form submission from the edit.jsp page. The form in edit.jsp displays the existing data for a record, including the "name" and "owner" fields. The user can update the values and submit the form. The EditController servlet retrieves the updated data, creates a Person object, and uses the </a:t>
+            </a:r>
+            <a:r>
+              <a:rPr lang="en-US" b="1" dirty="0">
+                <a:solidFill>
+                  <a:srgbClr val="FFFF00"/>
+                </a:solidFill>
+                <a:effectLst>
+                  <a:outerShdw blurRad="38100" dist="38100" dir="2700000" algn="tl">
+                    <a:srgbClr val="000000">
+                      <a:alpha val="43137"/>
+                    </a:srgbClr>
+                  </a:outerShdw>
+                </a:effectLst>
+                <a:hlinkClick r:id="rId4" action="ppaction://hlinksldjump">
+                  <a:extLst>
+                    <a:ext uri="{A12FA001-AC4F-418D-AE19-62706E023703}">
+                      <ahyp:hlinkClr xmlns:ahyp="http://schemas.microsoft.com/office/drawing/2018/hyperlinkcolor" val="tx"/>
+                    </a:ext>
+                  </a:extLst>
+                </a:hlinkClick>
+              </a:rPr>
+              <a:t>EditDao</a:t>
             </a:r>
             <a:r>
               <a:rPr lang="en-US" dirty="0"/>
-              <a:t> page. The form in </a:t>
-            </a:r>
-            <a:r>
-              <a:rPr lang="en-US" dirty="0" err="1"/>
-              <a:t>edit.jsp</a:t>
-            </a:r>
-            <a:r>
-              <a:rPr lang="en-US" dirty="0"/>
-              <a:t> displays the existing data for a record, including the "name" and "owner" fields. The user can update the values and submit the form. The </a:t>
-            </a:r>
-            <a:r>
-              <a:rPr lang="en-US" dirty="0" err="1"/>
-              <a:t>EditController</a:t>
-            </a:r>
-            <a:r>
-              <a:rPr lang="en-US" dirty="0"/>
-              <a:t> servlet retrieves the updated data, creates a Person object, and uses the </a:t>
-            </a:r>
-            <a:r>
-              <a:rPr lang="en-US" dirty="0" err="1"/>
-              <a:t>EditDao</a:t>
-            </a:r>
-            <a:r>
-              <a:rPr lang="en-US" dirty="0"/>
-              <a:t> class to update the corresponding record in the "person" table in the MySQL database. If the update is successful, the user is redirected to the </a:t>
-            </a:r>
-            <a:r>
-              <a:rPr lang="en-US" dirty="0" err="1"/>
-              <a:t>index.jsp</a:t>
-            </a:r>
-            <a:r>
-              <a:rPr lang="en-US" dirty="0"/>
-              <a:t> page displaying the list of records. If there is an error during updating, an error message is displayed to the user.</a:t>
+              <a:t> class to update the corresponding record in the "person" table in the MySQL database. If the update is successful, the user is redirected to the index.jsp page displaying the list of records. If there is an error during updating, an error message is displayed to the user.</a:t>
             </a:r>
           </a:p>
           <a:p>
@@ -13008,13 +13968,13 @@
             </a:pPr>
             <a:r>
               <a:rPr lang="en-US" dirty="0">
-                <a:hlinkClick r:id="rId2" action="ppaction://hlinksldjump"/>
+                <a:hlinkClick r:id="rId5" action="ppaction://hlinksldjump"/>
               </a:rPr>
               <a:t>Slide</a:t>
             </a:r>
             <a:r>
               <a:rPr lang="en-US" dirty="0">
-                <a:hlinkClick r:id="rId3" action="ppaction://hlinksldjump"/>
+                <a:hlinkClick r:id="rId6" action="ppaction://hlinksldjump"/>
               </a:rPr>
               <a:t> 20</a:t>
             </a:r>
@@ -13032,13 +13992,13 @@
   <p:clrMapOvr>
     <a:masterClrMapping/>
   </p:clrMapOvr>
-  <mc:AlternateContent xmlns:mc="http://schemas.openxmlformats.org/markup-compatibility/2006" xmlns:p15="http://schemas.microsoft.com/office/powerpoint/2012/main">
-    <mc:Choice Requires="p15">
+  <mc:AlternateContent xmlns:mc="http://schemas.openxmlformats.org/markup-compatibility/2006">
+    <mc:Choice xmlns:p15="http://schemas.microsoft.com/office/powerpoint/2012/main" Requires="p15">
       <p:transition xmlns:p14="http://schemas.microsoft.com/office/powerpoint/2010/main" spd="slow" p14:dur="1250">
         <p15:prstTrans prst="peelOff"/>
       </p:transition>
     </mc:Choice>
-    <mc:Fallback xmlns="">
+    <mc:Fallback>
       <p:transition spd="slow">
         <p:fade/>
       </p:transition>
@@ -13050,257 +14010,27 @@
 <file path=ppt/slides/slide14.xml><?xml version="1.0" encoding="utf-8"?>
 <p:sld xmlns:a="http://schemas.openxmlformats.org/drawingml/2006/main" xmlns:r="http://schemas.openxmlformats.org/officeDocument/2006/relationships" xmlns:p="http://schemas.openxmlformats.org/presentationml/2006/main">
   <p:cSld>
-    <p:spTree>
-      <p:nvGrpSpPr>
-        <p:cNvPr id="1" name=""/>
-        <p:cNvGrpSpPr/>
-        <p:nvPr/>
-      </p:nvGrpSpPr>
-      <p:grpSpPr>
-        <a:xfrm>
-          <a:off x="0" y="0"/>
-          <a:ext cx="0" cy="0"/>
-          <a:chOff x="0" y="0"/>
-          <a:chExt cx="0" cy="0"/>
-        </a:xfrm>
-      </p:grpSpPr>
-      <p:sp>
-        <p:nvSpPr>
-          <p:cNvPr id="2" name="Title 1">
-            <a:extLst>
-              <a:ext uri="{FF2B5EF4-FFF2-40B4-BE49-F238E27FC236}">
-                <a16:creationId xmlns:a16="http://schemas.microsoft.com/office/drawing/2014/main" id="{11079BEA-2375-AA4C-80E6-6608703F5851}"/>
-              </a:ext>
-            </a:extLst>
-          </p:cNvPr>
-          <p:cNvSpPr>
-            <a:spLocks noGrp="1"/>
-          </p:cNvSpPr>
-          <p:nvPr>
-            <p:ph type="title"/>
-          </p:nvPr>
-        </p:nvSpPr>
-        <p:spPr/>
-        <p:txBody>
-          <a:bodyPr/>
-          <a:lstStyle/>
-          <a:p>
-            <a:r>
-              <a:rPr lang="en-IN" dirty="0"/>
-              <a:t>Deleting a Record</a:t>
-            </a:r>
-          </a:p>
-        </p:txBody>
-      </p:sp>
-      <p:sp>
-        <p:nvSpPr>
-          <p:cNvPr id="3" name="Content Placeholder 2">
-            <a:extLst>
-              <a:ext uri="{FF2B5EF4-FFF2-40B4-BE49-F238E27FC236}">
-                <a16:creationId xmlns:a16="http://schemas.microsoft.com/office/drawing/2014/main" id="{99B137AE-D67F-441E-3CCF-7C1AB7261264}"/>
-              </a:ext>
-            </a:extLst>
-          </p:cNvPr>
-          <p:cNvSpPr>
-            <a:spLocks noGrp="1"/>
-          </p:cNvSpPr>
-          <p:nvPr>
-            <p:ph idx="1"/>
-          </p:nvPr>
-        </p:nvSpPr>
-        <p:spPr>
-          <a:xfrm>
-            <a:off x="680322" y="2336874"/>
-            <a:ext cx="9613861" cy="4105025"/>
-          </a:xfrm>
-        </p:spPr>
-        <p:txBody>
-          <a:bodyPr>
-            <a:normAutofit fontScale="92500"/>
-          </a:bodyPr>
-          <a:lstStyle/>
-          <a:p>
-            <a:r>
-              <a:rPr lang="en-US" dirty="0" err="1"/>
-              <a:t>delete.jsp</a:t>
-            </a:r>
-            <a:r>
-              <a:rPr lang="en-US" dirty="0"/>
-              <a:t> </a:t>
-            </a:r>
-          </a:p>
-          <a:p>
-            <a:pPr marL="0" indent="0">
-              <a:buNone/>
-            </a:pPr>
-            <a:r>
-              <a:rPr lang="en-US" dirty="0"/>
-              <a:t>	(Form to delete a record)</a:t>
-            </a:r>
-          </a:p>
-          <a:p>
-            <a:endParaRPr lang="en-US" dirty="0"/>
-          </a:p>
-          <a:p>
-            <a:r>
-              <a:rPr lang="en-US" dirty="0"/>
-              <a:t>In this code, we have the </a:t>
-            </a:r>
-            <a:r>
-              <a:rPr lang="en-US" dirty="0" err="1"/>
-              <a:t>DeleteController</a:t>
-            </a:r>
-            <a:r>
-              <a:rPr lang="en-US" dirty="0"/>
-              <a:t> servlet that handles the form submission from the </a:t>
-            </a:r>
-            <a:r>
-              <a:rPr lang="en-US" dirty="0" err="1"/>
-              <a:t>delete.jsp</a:t>
-            </a:r>
-            <a:r>
-              <a:rPr lang="en-US" dirty="0"/>
-              <a:t> page. The </a:t>
-            </a:r>
-            <a:r>
-              <a:rPr lang="en-US" dirty="0" err="1"/>
-              <a:t>delete.jsp</a:t>
-            </a:r>
-            <a:r>
-              <a:rPr lang="en-US" dirty="0"/>
-              <a:t> page displays a confirmation message to the user, asking if they want to delete the record. If the user confirms the deletion, the form is submitted to the </a:t>
-            </a:r>
-            <a:r>
-              <a:rPr lang="en-US" dirty="0" err="1"/>
-              <a:t>DeleteController</a:t>
-            </a:r>
-            <a:r>
-              <a:rPr lang="en-US" dirty="0"/>
-              <a:t> servlet, which uses the </a:t>
-            </a:r>
-            <a:r>
-              <a:rPr lang="en-US" dirty="0" err="1"/>
-              <a:t>DeleteDao</a:t>
-            </a:r>
-            <a:r>
-              <a:rPr lang="en-US" dirty="0"/>
-              <a:t> class to delete the corresponding record from the "person" table in the MySQL database. If the deletion is successful, the user is redirected to the </a:t>
-            </a:r>
-            <a:r>
-              <a:rPr lang="en-US" dirty="0" err="1"/>
-              <a:t>index.jsp</a:t>
-            </a:r>
-            <a:r>
-              <a:rPr lang="en-US" dirty="0"/>
-              <a:t> page displaying the updated list of records. If there is an error during deletion, an error message is displayed to the user.</a:t>
-            </a:r>
-            <a:endParaRPr lang="en-IN" dirty="0"/>
-          </a:p>
-        </p:txBody>
-      </p:sp>
-      <p:sp>
-        <p:nvSpPr>
-          <p:cNvPr id="4" name="Rectangle: Rounded Corners 3">
-            <a:extLst>
-              <a:ext uri="{FF2B5EF4-FFF2-40B4-BE49-F238E27FC236}">
-                <a16:creationId xmlns:a16="http://schemas.microsoft.com/office/drawing/2014/main" id="{D566A3D1-4995-C6E1-6F11-CABD47A3E4E9}"/>
-              </a:ext>
-            </a:extLst>
-          </p:cNvPr>
-          <p:cNvSpPr/>
-          <p:nvPr/>
-        </p:nvSpPr>
-        <p:spPr>
-          <a:xfrm>
-            <a:off x="10828962" y="1026569"/>
-            <a:ext cx="1089061" cy="534256"/>
-          </a:xfrm>
-          <a:prstGeom prst="roundRect">
-            <a:avLst/>
-          </a:prstGeom>
-        </p:spPr>
-        <p:style>
-          <a:lnRef idx="2">
-            <a:schemeClr val="accent1">
-              <a:shade val="15000"/>
-            </a:schemeClr>
-          </a:lnRef>
-          <a:fillRef idx="1">
-            <a:schemeClr val="accent1"/>
-          </a:fillRef>
-          <a:effectRef idx="0">
-            <a:schemeClr val="accent1"/>
-          </a:effectRef>
-          <a:fontRef idx="minor">
-            <a:schemeClr val="lt1"/>
-          </a:fontRef>
-        </p:style>
-        <p:txBody>
-          <a:bodyPr rtlCol="0" anchor="ctr"/>
-          <a:lstStyle/>
-          <a:p>
-            <a:pPr marL="0" indent="0">
-              <a:buNone/>
-            </a:pPr>
-            <a:r>
-              <a:rPr lang="en-US" dirty="0">
-                <a:hlinkClick r:id="rId2" action="ppaction://hlinksldjump"/>
-              </a:rPr>
-              <a:t>Slide 19</a:t>
-            </a:r>
-            <a:endParaRPr lang="en-US" dirty="0"/>
-          </a:p>
-        </p:txBody>
-      </p:sp>
-    </p:spTree>
-    <p:extLst>
-      <p:ext uri="{BB962C8B-B14F-4D97-AF65-F5344CB8AC3E}">
-        <p14:creationId xmlns:p14="http://schemas.microsoft.com/office/powerpoint/2010/main" val="1971485057"/>
-      </p:ext>
-    </p:extLst>
-  </p:cSld>
-  <p:clrMapOvr>
-    <a:masterClrMapping/>
-  </p:clrMapOvr>
-  <mc:AlternateContent xmlns:mc="http://schemas.openxmlformats.org/markup-compatibility/2006" xmlns:p15="http://schemas.microsoft.com/office/powerpoint/2012/main">
-    <mc:Choice Requires="p15">
-      <p:transition xmlns:p14="http://schemas.microsoft.com/office/powerpoint/2010/main" spd="slow" p14:dur="1250">
-        <p15:prstTrans prst="peelOff"/>
-      </p:transition>
-    </mc:Choice>
-    <mc:Fallback xmlns="">
-      <p:transition spd="slow">
-        <p:fade/>
-      </p:transition>
-    </mc:Fallback>
-  </mc:AlternateContent>
-</p:sld>
-</file>
-
-<file path=ppt/slides/slide15.xml><?xml version="1.0" encoding="utf-8"?>
-<p:sld xmlns:a="http://schemas.openxmlformats.org/drawingml/2006/main" xmlns:r="http://schemas.openxmlformats.org/officeDocument/2006/relationships" xmlns:p="http://schemas.openxmlformats.org/presentationml/2006/main">
-  <p:cSld>
     <p:bg>
       <p:bgPr>
         <a:gradFill flip="none" rotWithShape="1">
           <a:gsLst>
             <a:gs pos="0">
-              <a:schemeClr val="accent5">
+              <a:schemeClr val="accent3">
                 <a:lumMod val="89000"/>
               </a:schemeClr>
             </a:gs>
-            <a:gs pos="0">
-              <a:schemeClr val="accent5">
+            <a:gs pos="23000">
+              <a:schemeClr val="accent3">
                 <a:lumMod val="89000"/>
               </a:schemeClr>
             </a:gs>
-            <a:gs pos="0">
-              <a:schemeClr val="accent5">
+            <a:gs pos="69000">
+              <a:schemeClr val="accent3">
                 <a:lumMod val="75000"/>
               </a:schemeClr>
             </a:gs>
             <a:gs pos="97000">
-              <a:schemeClr val="accent5">
+              <a:schemeClr val="accent3">
                 <a:lumMod val="70000"/>
               </a:schemeClr>
             </a:gs>
@@ -13332,7 +14062,7 @@
           <p:cNvPr id="2" name="Title 1">
             <a:extLst>
               <a:ext uri="{FF2B5EF4-FFF2-40B4-BE49-F238E27FC236}">
-                <a16:creationId xmlns:a16="http://schemas.microsoft.com/office/drawing/2014/main" id="{CD39935C-C697-797E-8A02-EF7AF0F97E6D}"/>
+                <a16:creationId xmlns:a16="http://schemas.microsoft.com/office/drawing/2014/main" id="{11079BEA-2375-AA4C-80E6-6608703F5851}"/>
               </a:ext>
             </a:extLst>
           </p:cNvPr>
@@ -13350,7 +14080,7 @@
           <a:p>
             <a:r>
               <a:rPr lang="en-IN" dirty="0"/>
-              <a:t>Conclusion</a:t>
+              <a:t>Deleting a Record</a:t>
             </a:r>
           </a:p>
         </p:txBody>
@@ -13360,7 +14090,7 @@
           <p:cNvPr id="3" name="Content Placeholder 2">
             <a:extLst>
               <a:ext uri="{FF2B5EF4-FFF2-40B4-BE49-F238E27FC236}">
-                <a16:creationId xmlns:a16="http://schemas.microsoft.com/office/drawing/2014/main" id="{6C77A535-5699-A311-9E9F-23425ECD3CEE}"/>
+                <a16:creationId xmlns:a16="http://schemas.microsoft.com/office/drawing/2014/main" id="{99B137AE-D67F-441E-3CCF-7C1AB7261264}"/>
               </a:ext>
             </a:extLst>
           </p:cNvPr>
@@ -13373,65 +14103,296 @@
         </p:nvSpPr>
         <p:spPr>
           <a:xfrm>
-            <a:off x="515936" y="2219219"/>
-            <a:ext cx="10220559" cy="5280917"/>
+            <a:off x="680322" y="2336874"/>
+            <a:ext cx="9613861" cy="4105025"/>
           </a:xfrm>
         </p:spPr>
         <p:txBody>
           <a:bodyPr>
-            <a:normAutofit/>
+            <a:normAutofit fontScale="92500"/>
           </a:bodyPr>
           <a:lstStyle/>
           <a:p>
-            <a:pPr>
-              <a:buFont typeface="Wingdings" panose="05000000000000000000" pitchFamily="2" charset="2"/>
-              <a:buChar char="Ø"/>
+            <a:r>
+              <a:rPr lang="en-US" b="1" dirty="0">
+                <a:solidFill>
+                  <a:srgbClr val="FFFF00"/>
+                </a:solidFill>
+                <a:effectLst>
+                  <a:outerShdw blurRad="38100" dist="38100" dir="2700000" algn="tl">
+                    <a:srgbClr val="000000">
+                      <a:alpha val="43137"/>
+                    </a:srgbClr>
+                  </a:outerShdw>
+                </a:effectLst>
+                <a:hlinkClick r:id="rId2" action="ppaction://hlinksldjump">
+                  <a:extLst>
+                    <a:ext uri="{A12FA001-AC4F-418D-AE19-62706E023703}">
+                      <ahyp:hlinkClr xmlns:ahyp="http://schemas.microsoft.com/office/drawing/2018/hyperlinkcolor" val="tx"/>
+                    </a:ext>
+                  </a:extLst>
+                </a:hlinkClick>
+              </a:rPr>
+              <a:t>delete.jsp </a:t>
+            </a:r>
+            <a:endParaRPr lang="en-US" b="1" dirty="0">
+              <a:solidFill>
+                <a:srgbClr val="FFFF00"/>
+              </a:solidFill>
+              <a:effectLst>
+                <a:outerShdw blurRad="38100" dist="38100" dir="2700000" algn="tl">
+                  <a:srgbClr val="000000">
+                    <a:alpha val="43137"/>
+                  </a:srgbClr>
+                </a:outerShdw>
+              </a:effectLst>
+            </a:endParaRPr>
+          </a:p>
+          <a:p>
+            <a:pPr marL="0" indent="0">
+              <a:buNone/>
             </a:pPr>
             <a:r>
-              <a:rPr lang="en-US" sz="1800" dirty="0"/>
-              <a:t>In conclusion, we have successfully demonstrated the process of building a Simple CRUD Web Application using Java Servlets and JSP. Throughout this presentation, we covered the key functionalities of the application, allowing users to register, log in, add, edit, and delete records in the database. CRUD operations (Create, Read, Update, Delete) are fundamental for managing data in a database, and our application effectively implements these operations.</a:t>
-            </a:r>
-          </a:p>
-          <a:p>
-            <a:pPr>
-              <a:buFont typeface="Wingdings" panose="05000000000000000000" pitchFamily="2" charset="2"/>
-              <a:buChar char="Ø"/>
+              <a:rPr lang="en-US" dirty="0"/>
+              <a:t>	(Form to delete a record)</a:t>
+            </a:r>
+          </a:p>
+          <a:p>
+            <a:pPr marL="0" indent="0">
+              <a:buNone/>
             </a:pPr>
-            <a:r>
-              <a:rPr lang="en-US" sz="1800" dirty="0"/>
-              <a:t>Java Servlets and JSP have proven to be a powerful combination for developing dynamic web applications. Servlets handle server-side requests and responses, while JSP enables us to generate dynamic HTML content. With the help of MySQL as the database management system and JDBC for database connectivity, we have seamlessly integrated the front-end and back-end components.</a:t>
-            </a:r>
-          </a:p>
-          <a:p>
-            <a:pPr>
-              <a:buFont typeface="Wingdings" panose="05000000000000000000" pitchFamily="2" charset="2"/>
-              <a:buChar char="Ø"/>
+            <a:endParaRPr lang="en-US" dirty="0"/>
+          </a:p>
+          <a:p>
+            <a:r>
+              <a:rPr lang="en-US" dirty="0"/>
+              <a:t>In this code, we have the </a:t>
+            </a:r>
+            <a:r>
+              <a:rPr lang="en-US" dirty="0" err="1"/>
+              <a:t>DeleteController</a:t>
+            </a:r>
+            <a:r>
+              <a:rPr lang="en-US" dirty="0"/>
+              <a:t> servlet that handles the form submission from the delete.jsp page. The delete.jsp page displays a confirmation message to the user, asking if they want to delete the record. If the user confirms the deletion, the form is submitted to the </a:t>
+            </a:r>
+            <a:r>
+              <a:rPr lang="en-US" dirty="0" err="1"/>
+              <a:t>DeleteController</a:t>
+            </a:r>
+            <a:r>
+              <a:rPr lang="en-US" dirty="0"/>
+              <a:t> servlet, which uses the </a:t>
+            </a:r>
+            <a:r>
+              <a:rPr lang="en-US" dirty="0" err="1"/>
+              <a:t>DeleteDao</a:t>
+            </a:r>
+            <a:r>
+              <a:rPr lang="en-US" dirty="0"/>
+              <a:t> class to delete the corresponding record from the "person" table in the MySQL database. If the deletion is successful, the user is redirected to the index.jsp page displaying the updated list of records. If there is an error during deletion, an error message is displayed to the user.</a:t>
+            </a:r>
+            <a:endParaRPr lang="en-IN" dirty="0"/>
+          </a:p>
+        </p:txBody>
+      </p:sp>
+      <p:sp>
+        <p:nvSpPr>
+          <p:cNvPr id="4" name="Rectangle: Rounded Corners 3">
+            <a:extLst>
+              <a:ext uri="{FF2B5EF4-FFF2-40B4-BE49-F238E27FC236}">
+                <a16:creationId xmlns:a16="http://schemas.microsoft.com/office/drawing/2014/main" id="{D566A3D1-4995-C6E1-6F11-CABD47A3E4E9}"/>
+              </a:ext>
+            </a:extLst>
+          </p:cNvPr>
+          <p:cNvSpPr/>
+          <p:nvPr/>
+        </p:nvSpPr>
+        <p:spPr>
+          <a:xfrm>
+            <a:off x="10828962" y="1026569"/>
+            <a:ext cx="1089061" cy="534256"/>
+          </a:xfrm>
+          <a:prstGeom prst="roundRect">
+            <a:avLst/>
+          </a:prstGeom>
+        </p:spPr>
+        <p:style>
+          <a:lnRef idx="2">
+            <a:schemeClr val="accent1">
+              <a:shade val="15000"/>
+            </a:schemeClr>
+          </a:lnRef>
+          <a:fillRef idx="1">
+            <a:schemeClr val="accent1"/>
+          </a:fillRef>
+          <a:effectRef idx="0">
+            <a:schemeClr val="accent1"/>
+          </a:effectRef>
+          <a:fontRef idx="minor">
+            <a:schemeClr val="lt1"/>
+          </a:fontRef>
+        </p:style>
+        <p:txBody>
+          <a:bodyPr rtlCol="0" anchor="ctr"/>
+          <a:lstStyle/>
+          <a:p>
+            <a:pPr marL="0" indent="0">
+              <a:buNone/>
             </a:pPr>
             <a:r>
-              <a:rPr lang="en-US" sz="1800" dirty="0"/>
-              <a:t>By following this presentation, developers can gain a solid foundation for building more complex web applications and extend this basic structure to cater to specific project requirements. The ability to manage data effectively and provide a user-friendly interface is crucial for modern web applications, and Java Servlets and JSP offer a reliable solution for achieving these goals. Thank you for joining us on this journey to create a Simple CRUD Web Application using Java Servlets and JSP.</a:t>
-            </a:r>
-            <a:endParaRPr lang="en-IN" sz="1800" dirty="0"/>
+              <a:rPr lang="en-US" dirty="0">
+                <a:hlinkClick r:id="rId3" action="ppaction://hlinksldjump"/>
+              </a:rPr>
+              <a:t>Slide 19</a:t>
+            </a:r>
+            <a:endParaRPr lang="en-US" dirty="0"/>
           </a:p>
         </p:txBody>
       </p:sp>
     </p:spTree>
     <p:extLst>
       <p:ext uri="{BB962C8B-B14F-4D97-AF65-F5344CB8AC3E}">
-        <p14:creationId xmlns:p14="http://schemas.microsoft.com/office/powerpoint/2010/main" val="3520839168"/>
+        <p14:creationId xmlns:p14="http://schemas.microsoft.com/office/powerpoint/2010/main" val="1971485057"/>
       </p:ext>
     </p:extLst>
   </p:cSld>
   <p:clrMapOvr>
     <a:masterClrMapping/>
   </p:clrMapOvr>
-  <mc:AlternateContent xmlns:mc="http://schemas.openxmlformats.org/markup-compatibility/2006" xmlns:p15="http://schemas.microsoft.com/office/powerpoint/2012/main">
-    <mc:Choice Requires="p15">
+  <mc:AlternateContent xmlns:mc="http://schemas.openxmlformats.org/markup-compatibility/2006">
+    <mc:Choice xmlns:p15="http://schemas.microsoft.com/office/powerpoint/2012/main" Requires="p15">
       <p:transition xmlns:p14="http://schemas.microsoft.com/office/powerpoint/2010/main" spd="slow" p14:dur="1250">
         <p15:prstTrans prst="peelOff"/>
       </p:transition>
     </mc:Choice>
-    <mc:Fallback xmlns="">
+    <mc:Fallback>
+      <p:transition spd="slow">
+        <p:fade/>
+      </p:transition>
+    </mc:Fallback>
+  </mc:AlternateContent>
+</p:sld>
+</file>
+
+<file path=ppt/slides/slide15.xml><?xml version="1.0" encoding="utf-8"?>
+<p:sld xmlns:a="http://schemas.openxmlformats.org/drawingml/2006/main" xmlns:r="http://schemas.openxmlformats.org/officeDocument/2006/relationships" xmlns:p="http://schemas.openxmlformats.org/presentationml/2006/main">
+  <p:cSld>
+    <p:spTree>
+      <p:nvGrpSpPr>
+        <p:cNvPr id="1" name=""/>
+        <p:cNvGrpSpPr/>
+        <p:nvPr/>
+      </p:nvGrpSpPr>
+      <p:grpSpPr>
+        <a:xfrm>
+          <a:off x="0" y="0"/>
+          <a:ext cx="0" cy="0"/>
+          <a:chOff x="0" y="0"/>
+          <a:chExt cx="0" cy="0"/>
+        </a:xfrm>
+      </p:grpSpPr>
+      <p:pic>
+        <p:nvPicPr>
+          <p:cNvPr id="3" name="Picture 2">
+            <a:extLst>
+              <a:ext uri="{FF2B5EF4-FFF2-40B4-BE49-F238E27FC236}">
+                <a16:creationId xmlns:a16="http://schemas.microsoft.com/office/drawing/2014/main" id="{B17C2C66-9095-BF26-76A9-08692A50E185}"/>
+              </a:ext>
+            </a:extLst>
+          </p:cNvPr>
+          <p:cNvPicPr>
+            <a:picLocks noChangeAspect="1"/>
+          </p:cNvPicPr>
+          <p:nvPr/>
+        </p:nvPicPr>
+        <p:blipFill rotWithShape="1">
+          <a:blip r:embed="rId2">
+            <a:extLst>
+              <a:ext uri="{28A0092B-C50C-407E-A947-70E740481C1C}">
+                <a14:useLocalDpi xmlns:a14="http://schemas.microsoft.com/office/drawing/2010/main" val="0"/>
+              </a:ext>
+            </a:extLst>
+          </a:blip>
+          <a:srcRect b="6947"/>
+          <a:stretch/>
+        </p:blipFill>
+        <p:spPr>
+          <a:xfrm>
+            <a:off x="0" y="0"/>
+            <a:ext cx="12192000" cy="6858000"/>
+          </a:xfrm>
+          <a:prstGeom prst="rect">
+            <a:avLst/>
+          </a:prstGeom>
+        </p:spPr>
+      </p:pic>
+      <p:sp>
+        <p:nvSpPr>
+          <p:cNvPr id="5" name="Isosceles Triangle 4">
+            <a:hlinkClick r:id="rId3" action="ppaction://hlinksldjump"/>
+            <a:extLst>
+              <a:ext uri="{FF2B5EF4-FFF2-40B4-BE49-F238E27FC236}">
+                <a16:creationId xmlns:a16="http://schemas.microsoft.com/office/drawing/2014/main" id="{6A01C09B-E647-B1EC-7BD2-33D0CBB789AB}"/>
+              </a:ext>
+            </a:extLst>
+          </p:cNvPr>
+          <p:cNvSpPr/>
+          <p:nvPr/>
+        </p:nvSpPr>
+        <p:spPr>
+          <a:xfrm rot="5340000">
+            <a:off x="11582089" y="5822640"/>
+            <a:ext cx="359685" cy="318589"/>
+          </a:xfrm>
+          <a:prstGeom prst="triangle">
+            <a:avLst>
+              <a:gd name="adj" fmla="val 56511"/>
+            </a:avLst>
+          </a:prstGeom>
+        </p:spPr>
+        <p:style>
+          <a:lnRef idx="2">
+            <a:schemeClr val="accent1">
+              <a:shade val="15000"/>
+            </a:schemeClr>
+          </a:lnRef>
+          <a:fillRef idx="1">
+            <a:schemeClr val="accent1"/>
+          </a:fillRef>
+          <a:effectRef idx="0">
+            <a:schemeClr val="accent1"/>
+          </a:effectRef>
+          <a:fontRef idx="minor">
+            <a:schemeClr val="lt1"/>
+          </a:fontRef>
+        </p:style>
+        <p:txBody>
+          <a:bodyPr rtlCol="0" anchor="ctr"/>
+          <a:lstStyle/>
+          <a:p>
+            <a:pPr algn="ctr"/>
+            <a:endParaRPr lang="en-IN"/>
+          </a:p>
+        </p:txBody>
+      </p:sp>
+    </p:spTree>
+    <p:extLst>
+      <p:ext uri="{BB962C8B-B14F-4D97-AF65-F5344CB8AC3E}">
+        <p14:creationId xmlns:p14="http://schemas.microsoft.com/office/powerpoint/2010/main" val="815218045"/>
+      </p:ext>
+    </p:extLst>
+  </p:cSld>
+  <p:clrMapOvr>
+    <a:masterClrMapping/>
+  </p:clrMapOvr>
+  <mc:AlternateContent xmlns:mc="http://schemas.openxmlformats.org/markup-compatibility/2006">
+    <mc:Choice xmlns:p15="http://schemas.microsoft.com/office/powerpoint/2012/main" Requires="p15">
+      <p:transition xmlns:p14="http://schemas.microsoft.com/office/powerpoint/2010/main" spd="slow" p14:dur="1250">
+        <p15:prstTrans prst="peelOff"/>
+      </p:transition>
+    </mc:Choice>
+    <mc:Fallback>
       <p:transition spd="slow">
         <p:fade/>
       </p:transition>
@@ -13462,7 +14423,7 @@
           <p:cNvPr id="3" name="Picture 2">
             <a:extLst>
               <a:ext uri="{FF2B5EF4-FFF2-40B4-BE49-F238E27FC236}">
-                <a16:creationId xmlns:a16="http://schemas.microsoft.com/office/drawing/2014/main" id="{B17C2C66-9095-BF26-76A9-08692A50E185}"/>
+                <a16:creationId xmlns:a16="http://schemas.microsoft.com/office/drawing/2014/main" id="{D18D0518-2BB2-B51B-FD8E-C670D3E935C1}"/>
               </a:ext>
             </a:extLst>
           </p:cNvPr>
@@ -13471,7 +14432,7 @@
           </p:cNvPicPr>
           <p:nvPr/>
         </p:nvPicPr>
-        <p:blipFill>
+        <p:blipFill rotWithShape="1">
           <a:blip r:embed="rId2">
             <a:extLst>
               <a:ext uri="{28A0092B-C50C-407E-A947-70E740481C1C}">
@@ -13479,9 +14440,8 @@
               </a:ext>
             </a:extLst>
           </a:blip>
-          <a:stretch>
-            <a:fillRect/>
-          </a:stretch>
+          <a:srcRect b="7368"/>
+          <a:stretch/>
         </p:blipFill>
         <p:spPr>
           <a:xfrm>
@@ -13495,11 +14455,11 @@
       </p:pic>
       <p:sp>
         <p:nvSpPr>
-          <p:cNvPr id="5" name="Isosceles Triangle 4">
+          <p:cNvPr id="4" name="Isosceles Triangle 3">
             <a:hlinkClick r:id="rId3" action="ppaction://hlinksldjump"/>
             <a:extLst>
               <a:ext uri="{FF2B5EF4-FFF2-40B4-BE49-F238E27FC236}">
-                <a16:creationId xmlns:a16="http://schemas.microsoft.com/office/drawing/2014/main" id="{6A01C09B-E647-B1EC-7BD2-33D0CBB789AB}"/>
+                <a16:creationId xmlns:a16="http://schemas.microsoft.com/office/drawing/2014/main" id="{65E706EF-24CE-723C-5982-EA756D048BBE}"/>
               </a:ext>
             </a:extLst>
           </p:cNvPr>
@@ -13545,20 +14505,20 @@
     </p:spTree>
     <p:extLst>
       <p:ext uri="{BB962C8B-B14F-4D97-AF65-F5344CB8AC3E}">
-        <p14:creationId xmlns:p14="http://schemas.microsoft.com/office/powerpoint/2010/main" val="815218045"/>
+        <p14:creationId xmlns:p14="http://schemas.microsoft.com/office/powerpoint/2010/main" val="1451976408"/>
       </p:ext>
     </p:extLst>
   </p:cSld>
   <p:clrMapOvr>
     <a:masterClrMapping/>
   </p:clrMapOvr>
-  <mc:AlternateContent xmlns:mc="http://schemas.openxmlformats.org/markup-compatibility/2006" xmlns:p15="http://schemas.microsoft.com/office/powerpoint/2012/main">
-    <mc:Choice Requires="p15">
+  <mc:AlternateContent xmlns:mc="http://schemas.openxmlformats.org/markup-compatibility/2006">
+    <mc:Choice xmlns:p15="http://schemas.microsoft.com/office/powerpoint/2012/main" Requires="p15">
       <p:transition xmlns:p14="http://schemas.microsoft.com/office/powerpoint/2010/main" spd="slow" p14:dur="1250">
         <p15:prstTrans prst="peelOff"/>
       </p:transition>
     </mc:Choice>
-    <mc:Fallback xmlns="">
+    <mc:Fallback>
       <p:transition spd="slow">
         <p:fade/>
       </p:transition>
@@ -13589,7 +14549,7 @@
           <p:cNvPr id="3" name="Picture 2">
             <a:extLst>
               <a:ext uri="{FF2B5EF4-FFF2-40B4-BE49-F238E27FC236}">
-                <a16:creationId xmlns:a16="http://schemas.microsoft.com/office/drawing/2014/main" id="{D18D0518-2BB2-B51B-FD8E-C670D3E935C1}"/>
+                <a16:creationId xmlns:a16="http://schemas.microsoft.com/office/drawing/2014/main" id="{5B1D34D2-7243-2887-8AE3-0786B17B6B70}"/>
               </a:ext>
             </a:extLst>
           </p:cNvPr>
@@ -13598,7 +14558,7 @@
           </p:cNvPicPr>
           <p:nvPr/>
         </p:nvPicPr>
-        <p:blipFill>
+        <p:blipFill rotWithShape="1">
           <a:blip r:embed="rId2">
             <a:extLst>
               <a:ext uri="{28A0092B-C50C-407E-A947-70E740481C1C}">
@@ -13606,9 +14566,8 @@
               </a:ext>
             </a:extLst>
           </a:blip>
-          <a:stretch>
-            <a:fillRect/>
-          </a:stretch>
+          <a:srcRect b="6666"/>
+          <a:stretch/>
         </p:blipFill>
         <p:spPr>
           <a:xfrm>
@@ -13626,7 +14585,7 @@
             <a:hlinkClick r:id="rId3" action="ppaction://hlinksldjump"/>
             <a:extLst>
               <a:ext uri="{FF2B5EF4-FFF2-40B4-BE49-F238E27FC236}">
-                <a16:creationId xmlns:a16="http://schemas.microsoft.com/office/drawing/2014/main" id="{65E706EF-24CE-723C-5982-EA756D048BBE}"/>
+                <a16:creationId xmlns:a16="http://schemas.microsoft.com/office/drawing/2014/main" id="{6CDF949D-1B5F-C285-1B6D-A4EBA32CCB3E}"/>
               </a:ext>
             </a:extLst>
           </p:cNvPr>
@@ -13672,20 +14631,20 @@
     </p:spTree>
     <p:extLst>
       <p:ext uri="{BB962C8B-B14F-4D97-AF65-F5344CB8AC3E}">
-        <p14:creationId xmlns:p14="http://schemas.microsoft.com/office/powerpoint/2010/main" val="1451976408"/>
+        <p14:creationId xmlns:p14="http://schemas.microsoft.com/office/powerpoint/2010/main" val="383509231"/>
       </p:ext>
     </p:extLst>
   </p:cSld>
   <p:clrMapOvr>
     <a:masterClrMapping/>
   </p:clrMapOvr>
-  <mc:AlternateContent xmlns:mc="http://schemas.openxmlformats.org/markup-compatibility/2006" xmlns:p15="http://schemas.microsoft.com/office/powerpoint/2012/main">
-    <mc:Choice Requires="p15">
+  <mc:AlternateContent xmlns:mc="http://schemas.openxmlformats.org/markup-compatibility/2006">
+    <mc:Choice xmlns:p15="http://schemas.microsoft.com/office/powerpoint/2012/main" Requires="p15">
       <p:transition xmlns:p14="http://schemas.microsoft.com/office/powerpoint/2010/main" spd="slow" p14:dur="1250">
         <p15:prstTrans prst="peelOff"/>
       </p:transition>
     </mc:Choice>
-    <mc:Fallback xmlns="">
+    <mc:Fallback>
       <p:transition spd="slow">
         <p:fade/>
       </p:transition>
@@ -13716,7 +14675,7 @@
           <p:cNvPr id="3" name="Picture 2">
             <a:extLst>
               <a:ext uri="{FF2B5EF4-FFF2-40B4-BE49-F238E27FC236}">
-                <a16:creationId xmlns:a16="http://schemas.microsoft.com/office/drawing/2014/main" id="{5B1D34D2-7243-2887-8AE3-0786B17B6B70}"/>
+                <a16:creationId xmlns:a16="http://schemas.microsoft.com/office/drawing/2014/main" id="{DBA1206A-E19B-F6A6-CD8F-76075A2F84CE}"/>
               </a:ext>
             </a:extLst>
           </p:cNvPr>
@@ -13725,7 +14684,7 @@
           </p:cNvPicPr>
           <p:nvPr/>
         </p:nvPicPr>
-        <p:blipFill>
+        <p:blipFill rotWithShape="1">
           <a:blip r:embed="rId2">
             <a:extLst>
               <a:ext uri="{28A0092B-C50C-407E-A947-70E740481C1C}">
@@ -13733,13 +14692,12 @@
               </a:ext>
             </a:extLst>
           </a:blip>
-          <a:stretch>
-            <a:fillRect/>
-          </a:stretch>
+          <a:srcRect b="6496"/>
+          <a:stretch/>
         </p:blipFill>
         <p:spPr>
           <a:xfrm>
-            <a:off x="0" y="0"/>
+            <a:off x="0" y="1"/>
             <a:ext cx="12192000" cy="6858000"/>
           </a:xfrm>
           <a:prstGeom prst="rect">
@@ -13753,7 +14711,7 @@
             <a:hlinkClick r:id="rId3" action="ppaction://hlinksldjump"/>
             <a:extLst>
               <a:ext uri="{FF2B5EF4-FFF2-40B4-BE49-F238E27FC236}">
-                <a16:creationId xmlns:a16="http://schemas.microsoft.com/office/drawing/2014/main" id="{6CDF949D-1B5F-C285-1B6D-A4EBA32CCB3E}"/>
+                <a16:creationId xmlns:a16="http://schemas.microsoft.com/office/drawing/2014/main" id="{1AAA0471-0139-B320-36AC-2478E75AB1CE}"/>
               </a:ext>
             </a:extLst>
           </p:cNvPr>
@@ -13761,14 +14719,12 @@
           <p:nvPr/>
         </p:nvSpPr>
         <p:spPr>
-          <a:xfrm rot="5340000">
-            <a:off x="11582089" y="5822640"/>
-            <a:ext cx="359685" cy="318589"/>
+          <a:xfrm rot="5400000">
+            <a:off x="11430000" y="5689600"/>
+            <a:ext cx="426720" cy="396240"/>
           </a:xfrm>
           <a:prstGeom prst="triangle">
-            <a:avLst>
-              <a:gd name="adj" fmla="val 56511"/>
-            </a:avLst>
+            <a:avLst/>
           </a:prstGeom>
         </p:spPr>
         <p:style>
@@ -13799,20 +14755,20 @@
     </p:spTree>
     <p:extLst>
       <p:ext uri="{BB962C8B-B14F-4D97-AF65-F5344CB8AC3E}">
-        <p14:creationId xmlns:p14="http://schemas.microsoft.com/office/powerpoint/2010/main" val="383509231"/>
+        <p14:creationId xmlns:p14="http://schemas.microsoft.com/office/powerpoint/2010/main" val="4001743051"/>
       </p:ext>
     </p:extLst>
   </p:cSld>
   <p:clrMapOvr>
     <a:masterClrMapping/>
   </p:clrMapOvr>
-  <mc:AlternateContent xmlns:mc="http://schemas.openxmlformats.org/markup-compatibility/2006" xmlns:p15="http://schemas.microsoft.com/office/powerpoint/2012/main">
-    <mc:Choice Requires="p15">
+  <mc:AlternateContent xmlns:mc="http://schemas.openxmlformats.org/markup-compatibility/2006">
+    <mc:Choice xmlns:p15="http://schemas.microsoft.com/office/powerpoint/2012/main" Requires="p15">
       <p:transition xmlns:p14="http://schemas.microsoft.com/office/powerpoint/2010/main" spd="slow" p14:dur="1250">
         <p15:prstTrans prst="peelOff"/>
       </p:transition>
     </mc:Choice>
-    <mc:Fallback xmlns="">
+    <mc:Fallback>
       <p:transition spd="slow">
         <p:fade/>
       </p:transition>
@@ -13852,7 +14808,7 @@
           </p:cNvPicPr>
           <p:nvPr/>
         </p:nvPicPr>
-        <p:blipFill>
+        <p:blipFill rotWithShape="1">
           <a:blip r:embed="rId2">
             <a:extLst>
               <a:ext uri="{28A0092B-C50C-407E-A947-70E740481C1C}">
@@ -13860,9 +14816,8 @@
               </a:ext>
             </a:extLst>
           </a:blip>
-          <a:stretch>
-            <a:fillRect/>
-          </a:stretch>
+          <a:srcRect b="7228"/>
+          <a:stretch/>
         </p:blipFill>
         <p:spPr>
           <a:xfrm>
@@ -13933,13 +14888,13 @@
   <p:clrMapOvr>
     <a:masterClrMapping/>
   </p:clrMapOvr>
-  <mc:AlternateContent xmlns:mc="http://schemas.openxmlformats.org/markup-compatibility/2006" xmlns:p15="http://schemas.microsoft.com/office/powerpoint/2012/main">
-    <mc:Choice Requires="p15">
+  <mc:AlternateContent xmlns:mc="http://schemas.openxmlformats.org/markup-compatibility/2006">
+    <mc:Choice xmlns:p15="http://schemas.microsoft.com/office/powerpoint/2012/main" Requires="p15">
       <p:transition xmlns:p14="http://schemas.microsoft.com/office/powerpoint/2010/main" spd="slow" p14:dur="1250">
         <p15:prstTrans prst="peelOff"/>
       </p:transition>
     </mc:Choice>
-    <mc:Fallback xmlns="">
+    <mc:Fallback>
       <p:transition spd="slow">
         <p:fade/>
       </p:transition>
@@ -14063,15 +15018,7 @@
             </a:pPr>
             <a:r>
               <a:rPr lang="en-US" dirty="0"/>
-              <a:t>We will be using Java Servlets and JSP (</a:t>
-            </a:r>
-            <a:r>
-              <a:rPr lang="en-US" dirty="0" err="1"/>
-              <a:t>JavaServer</a:t>
-            </a:r>
-            <a:r>
-              <a:rPr lang="en-US" dirty="0"/>
-              <a:t> Pages) as our primary technologies for this demonstration.</a:t>
+              <a:t>We will be using Java Servlets and JSP (JavaServer Pages) as our primary technologies for this demonstration.</a:t>
             </a:r>
           </a:p>
           <a:p>
@@ -14098,13 +15045,13 @@
   <p:clrMapOvr>
     <a:masterClrMapping/>
   </p:clrMapOvr>
-  <mc:AlternateContent xmlns:mc="http://schemas.openxmlformats.org/markup-compatibility/2006" xmlns:p15="http://schemas.microsoft.com/office/powerpoint/2012/main">
-    <mc:Choice Requires="p15">
+  <mc:AlternateContent xmlns:mc="http://schemas.openxmlformats.org/markup-compatibility/2006">
+    <mc:Choice xmlns:p15="http://schemas.microsoft.com/office/powerpoint/2012/main" Requires="p15">
       <p:transition xmlns:p14="http://schemas.microsoft.com/office/powerpoint/2010/main" spd="slow" p14:dur="1250">
         <p15:prstTrans prst="peelOff"/>
       </p:transition>
     </mc:Choice>
-    <mc:Fallback xmlns="">
+    <mc:Fallback>
       <p:transition spd="slow">
         <p:fade/>
       </p:transition>
@@ -14144,7 +15091,7 @@
           </p:cNvPicPr>
           <p:nvPr/>
         </p:nvPicPr>
-        <p:blipFill>
+        <p:blipFill rotWithShape="1">
           <a:blip r:embed="rId2">
             <a:extLst>
               <a:ext uri="{28A0092B-C50C-407E-A947-70E740481C1C}">
@@ -14152,9 +15099,8 @@
               </a:ext>
             </a:extLst>
           </a:blip>
-          <a:stretch>
-            <a:fillRect/>
-          </a:stretch>
+          <a:srcRect b="6807"/>
+          <a:stretch/>
         </p:blipFill>
         <p:spPr>
           <a:xfrm>
@@ -14225,13 +15171,13 @@
   <p:clrMapOvr>
     <a:masterClrMapping/>
   </p:clrMapOvr>
-  <mc:AlternateContent xmlns:mc="http://schemas.openxmlformats.org/markup-compatibility/2006" xmlns:p15="http://schemas.microsoft.com/office/powerpoint/2012/main">
-    <mc:Choice Requires="p15">
+  <mc:AlternateContent xmlns:mc="http://schemas.openxmlformats.org/markup-compatibility/2006">
+    <mc:Choice xmlns:p15="http://schemas.microsoft.com/office/powerpoint/2012/main" Requires="p15">
       <p:transition xmlns:p14="http://schemas.microsoft.com/office/powerpoint/2010/main" spd="slow" p14:dur="1250">
         <p15:prstTrans prst="peelOff"/>
       </p:transition>
     </mc:Choice>
-    <mc:Fallback xmlns="">
+    <mc:Fallback>
       <p:transition spd="slow">
         <p:fade/>
       </p:transition>
@@ -14271,7 +15217,7 @@
           </p:cNvPicPr>
           <p:nvPr/>
         </p:nvPicPr>
-        <p:blipFill>
+        <p:blipFill rotWithShape="1">
           <a:blip r:embed="rId2">
             <a:extLst>
               <a:ext uri="{28A0092B-C50C-407E-A947-70E740481C1C}">
@@ -14279,9 +15225,8 @@
               </a:ext>
             </a:extLst>
           </a:blip>
-          <a:stretch>
-            <a:fillRect/>
-          </a:stretch>
+          <a:srcRect b="6666"/>
+          <a:stretch/>
         </p:blipFill>
         <p:spPr>
           <a:xfrm>
@@ -14352,13 +15297,13 @@
   <p:clrMapOvr>
     <a:masterClrMapping/>
   </p:clrMapOvr>
-  <mc:AlternateContent xmlns:mc="http://schemas.openxmlformats.org/markup-compatibility/2006" xmlns:p15="http://schemas.microsoft.com/office/powerpoint/2012/main">
-    <mc:Choice Requires="p15">
+  <mc:AlternateContent xmlns:mc="http://schemas.openxmlformats.org/markup-compatibility/2006">
+    <mc:Choice xmlns:p15="http://schemas.microsoft.com/office/powerpoint/2012/main" Requires="p15">
       <p:transition xmlns:p14="http://schemas.microsoft.com/office/powerpoint/2010/main" spd="slow" p14:dur="1250">
         <p15:prstTrans prst="peelOff"/>
       </p:transition>
     </mc:Choice>
-    <mc:Fallback xmlns="">
+    <mc:Fallback>
       <p:transition spd="slow">
         <p:fade/>
       </p:transition>
@@ -14398,7 +15343,7 @@
           </p:cNvPicPr>
           <p:nvPr/>
         </p:nvPicPr>
-        <p:blipFill>
+        <p:blipFill rotWithShape="1">
           <a:blip r:embed="rId2">
             <a:extLst>
               <a:ext uri="{28A0092B-C50C-407E-A947-70E740481C1C}">
@@ -14406,9 +15351,8 @@
               </a:ext>
             </a:extLst>
           </a:blip>
-          <a:stretch>
-            <a:fillRect/>
-          </a:stretch>
+          <a:srcRect b="7508"/>
+          <a:stretch/>
         </p:blipFill>
         <p:spPr>
           <a:xfrm>
@@ -14479,13 +15423,13 @@
   <p:clrMapOvr>
     <a:masterClrMapping/>
   </p:clrMapOvr>
-  <mc:AlternateContent xmlns:mc="http://schemas.openxmlformats.org/markup-compatibility/2006" xmlns:p15="http://schemas.microsoft.com/office/powerpoint/2012/main">
-    <mc:Choice Requires="p15">
+  <mc:AlternateContent xmlns:mc="http://schemas.openxmlformats.org/markup-compatibility/2006">
+    <mc:Choice xmlns:p15="http://schemas.microsoft.com/office/powerpoint/2012/main" Requires="p15">
       <p:transition xmlns:p14="http://schemas.microsoft.com/office/powerpoint/2010/main" spd="slow" p14:dur="1250">
         <p15:prstTrans prst="peelOff"/>
       </p:transition>
     </mc:Choice>
-    <mc:Fallback xmlns="">
+    <mc:Fallback>
       <p:transition spd="slow">
         <p:fade/>
       </p:transition>
@@ -14703,6 +15647,129 @@
           </a:p>
         </p:txBody>
       </p:sp>
+      <p:grpSp>
+        <p:nvGrpSpPr>
+          <p:cNvPr id="22" name="Group 21">
+            <a:extLst>
+              <a:ext uri="{FF2B5EF4-FFF2-40B4-BE49-F238E27FC236}">
+                <a16:creationId xmlns:a16="http://schemas.microsoft.com/office/drawing/2014/main" id="{BFB4AF32-A4C4-9BC9-C108-E92F364124E0}"/>
+              </a:ext>
+            </a:extLst>
+          </p:cNvPr>
+          <p:cNvGrpSpPr/>
+          <p:nvPr/>
+        </p:nvGrpSpPr>
+        <p:grpSpPr>
+          <a:xfrm>
+            <a:off x="8977876" y="822862"/>
+            <a:ext cx="360" cy="360"/>
+            <a:chOff x="8977876" y="822862"/>
+            <a:chExt cx="360" cy="360"/>
+          </a:xfrm>
+        </p:grpSpPr>
+        <mc:AlternateContent xmlns:mc="http://schemas.openxmlformats.org/markup-compatibility/2006">
+          <mc:Choice xmlns:p14="http://schemas.microsoft.com/office/powerpoint/2010/main" Requires="p14">
+            <p:contentPart p14:bwMode="auto" r:id="rId4">
+              <p14:nvContentPartPr>
+                <p14:cNvPr id="20" name="Ink 19">
+                  <a:extLst>
+                    <a:ext uri="{FF2B5EF4-FFF2-40B4-BE49-F238E27FC236}">
+                      <a16:creationId xmlns:a16="http://schemas.microsoft.com/office/drawing/2014/main" id="{885AB09A-967A-C946-87BF-8B975E6841B1}"/>
+                    </a:ext>
+                  </a:extLst>
+                </p14:cNvPr>
+                <p14:cNvContentPartPr/>
+                <p14:nvPr/>
+              </p14:nvContentPartPr>
+              <p14:xfrm>
+                <a:off x="8977876" y="822862"/>
+                <a:ext cx="360" cy="360"/>
+              </p14:xfrm>
+            </p:contentPart>
+          </mc:Choice>
+          <mc:Fallback>
+            <p:pic>
+              <p:nvPicPr>
+                <p:cNvPr id="20" name="Ink 19">
+                  <a:extLst>
+                    <a:ext uri="{FF2B5EF4-FFF2-40B4-BE49-F238E27FC236}">
+                      <a16:creationId xmlns:a16="http://schemas.microsoft.com/office/drawing/2014/main" id="{885AB09A-967A-C946-87BF-8B975E6841B1}"/>
+                    </a:ext>
+                  </a:extLst>
+                </p:cNvPr>
+                <p:cNvPicPr/>
+                <p:nvPr/>
+              </p:nvPicPr>
+              <p:blipFill>
+                <a:blip r:embed="rId5"/>
+                <a:stretch>
+                  <a:fillRect/>
+                </a:stretch>
+              </p:blipFill>
+              <p:spPr>
+                <a:xfrm>
+                  <a:off x="8914876" y="759862"/>
+                  <a:ext cx="126000" cy="126000"/>
+                </a:xfrm>
+                <a:prstGeom prst="rect">
+                  <a:avLst/>
+                </a:prstGeom>
+              </p:spPr>
+            </p:pic>
+          </mc:Fallback>
+        </mc:AlternateContent>
+        <mc:AlternateContent xmlns:mc="http://schemas.openxmlformats.org/markup-compatibility/2006">
+          <mc:Choice xmlns:p14="http://schemas.microsoft.com/office/powerpoint/2010/main" Requires="p14">
+            <p:contentPart p14:bwMode="auto" r:id="rId6">
+              <p14:nvContentPartPr>
+                <p14:cNvPr id="21" name="Ink 20">
+                  <a:extLst>
+                    <a:ext uri="{FF2B5EF4-FFF2-40B4-BE49-F238E27FC236}">
+                      <a16:creationId xmlns:a16="http://schemas.microsoft.com/office/drawing/2014/main" id="{1D235BCE-9A85-D97F-7D2B-1335F2F9DF00}"/>
+                    </a:ext>
+                  </a:extLst>
+                </p14:cNvPr>
+                <p14:cNvContentPartPr/>
+                <p14:nvPr/>
+              </p14:nvContentPartPr>
+              <p14:xfrm>
+                <a:off x="8977876" y="822862"/>
+                <a:ext cx="360" cy="360"/>
+              </p14:xfrm>
+            </p:contentPart>
+          </mc:Choice>
+          <mc:Fallback>
+            <p:pic>
+              <p:nvPicPr>
+                <p:cNvPr id="21" name="Ink 20">
+                  <a:extLst>
+                    <a:ext uri="{FF2B5EF4-FFF2-40B4-BE49-F238E27FC236}">
+                      <a16:creationId xmlns:a16="http://schemas.microsoft.com/office/drawing/2014/main" id="{1D235BCE-9A85-D97F-7D2B-1335F2F9DF00}"/>
+                    </a:ext>
+                  </a:extLst>
+                </p:cNvPr>
+                <p:cNvPicPr/>
+                <p:nvPr/>
+              </p:nvPicPr>
+              <p:blipFill>
+                <a:blip r:embed="rId5"/>
+                <a:stretch>
+                  <a:fillRect/>
+                </a:stretch>
+              </p:blipFill>
+              <p:spPr>
+                <a:xfrm>
+                  <a:off x="8914876" y="759862"/>
+                  <a:ext cx="126000" cy="126000"/>
+                </a:xfrm>
+                <a:prstGeom prst="rect">
+                  <a:avLst/>
+                </a:prstGeom>
+              </p:spPr>
+            </p:pic>
+          </mc:Fallback>
+        </mc:AlternateContent>
+      </p:grpSp>
     </p:spTree>
     <p:extLst>
       <p:ext uri="{BB962C8B-B14F-4D97-AF65-F5344CB8AC3E}">
@@ -14713,6 +15780,1068 @@
   <p:clrMapOvr>
     <a:masterClrMapping/>
   </p:clrMapOvr>
+  <mc:AlternateContent xmlns:mc="http://schemas.openxmlformats.org/markup-compatibility/2006">
+    <mc:Choice xmlns:p15="http://schemas.microsoft.com/office/powerpoint/2012/main" Requires="p15">
+      <p:transition xmlns:p14="http://schemas.microsoft.com/office/powerpoint/2010/main" spd="slow" p14:dur="1250">
+        <p15:prstTrans prst="peelOff"/>
+      </p:transition>
+    </mc:Choice>
+    <mc:Fallback>
+      <p:transition spd="slow">
+        <p:fade/>
+      </p:transition>
+    </mc:Fallback>
+  </mc:AlternateContent>
+</p:sld>
+</file>
+
+<file path=ppt/slides/slide24.xml><?xml version="1.0" encoding="utf-8"?>
+<p:sld xmlns:a="http://schemas.openxmlformats.org/drawingml/2006/main" xmlns:r="http://schemas.openxmlformats.org/officeDocument/2006/relationships" xmlns:p="http://schemas.openxmlformats.org/presentationml/2006/main">
+  <p:cSld>
+    <p:spTree>
+      <p:nvGrpSpPr>
+        <p:cNvPr id="1" name=""/>
+        <p:cNvGrpSpPr/>
+        <p:nvPr/>
+      </p:nvGrpSpPr>
+      <p:grpSpPr>
+        <a:xfrm>
+          <a:off x="0" y="0"/>
+          <a:ext cx="0" cy="0"/>
+          <a:chOff x="0" y="0"/>
+          <a:chExt cx="0" cy="0"/>
+        </a:xfrm>
+      </p:grpSpPr>
+      <p:pic>
+        <p:nvPicPr>
+          <p:cNvPr id="3" name="Picture 2">
+            <a:extLst>
+              <a:ext uri="{FF2B5EF4-FFF2-40B4-BE49-F238E27FC236}">
+                <a16:creationId xmlns:a16="http://schemas.microsoft.com/office/drawing/2014/main" id="{3C6B702E-F09B-CA4F-EF00-50E7F635F404}"/>
+              </a:ext>
+            </a:extLst>
+          </p:cNvPr>
+          <p:cNvPicPr>
+            <a:picLocks noChangeAspect="1"/>
+          </p:cNvPicPr>
+          <p:nvPr/>
+        </p:nvPicPr>
+        <p:blipFill rotWithShape="1">
+          <a:blip r:embed="rId2">
+            <a:extLst>
+              <a:ext uri="{28A0092B-C50C-407E-A947-70E740481C1C}">
+                <a14:useLocalDpi xmlns:a14="http://schemas.microsoft.com/office/drawing/2010/main" val="0"/>
+              </a:ext>
+            </a:extLst>
+          </a:blip>
+          <a:srcRect b="7508"/>
+          <a:stretch/>
+        </p:blipFill>
+        <p:spPr>
+          <a:xfrm>
+            <a:off x="0" y="0"/>
+            <a:ext cx="12192000" cy="6858000"/>
+          </a:xfrm>
+          <a:prstGeom prst="rect">
+            <a:avLst/>
+          </a:prstGeom>
+        </p:spPr>
+      </p:pic>
+      <p:sp>
+        <p:nvSpPr>
+          <p:cNvPr id="4" name="Isosceles Triangle 3">
+            <a:hlinkClick r:id="rId3" action="ppaction://hlinksldjump"/>
+            <a:extLst>
+              <a:ext uri="{FF2B5EF4-FFF2-40B4-BE49-F238E27FC236}">
+                <a16:creationId xmlns:a16="http://schemas.microsoft.com/office/drawing/2014/main" id="{FC530E9F-FF1F-9A0B-624F-FAE6590F5DEF}"/>
+              </a:ext>
+            </a:extLst>
+          </p:cNvPr>
+          <p:cNvSpPr/>
+          <p:nvPr/>
+        </p:nvSpPr>
+        <p:spPr>
+          <a:xfrm rot="5400000">
+            <a:off x="11226800" y="5811520"/>
+            <a:ext cx="426720" cy="406400"/>
+          </a:xfrm>
+          <a:prstGeom prst="triangle">
+            <a:avLst/>
+          </a:prstGeom>
+        </p:spPr>
+        <p:style>
+          <a:lnRef idx="2">
+            <a:schemeClr val="accent1">
+              <a:shade val="15000"/>
+            </a:schemeClr>
+          </a:lnRef>
+          <a:fillRef idx="1">
+            <a:schemeClr val="accent1"/>
+          </a:fillRef>
+          <a:effectRef idx="0">
+            <a:schemeClr val="accent1"/>
+          </a:effectRef>
+          <a:fontRef idx="minor">
+            <a:schemeClr val="lt1"/>
+          </a:fontRef>
+        </p:style>
+        <p:txBody>
+          <a:bodyPr rtlCol="0" anchor="ctr"/>
+          <a:lstStyle/>
+          <a:p>
+            <a:pPr algn="ctr"/>
+            <a:endParaRPr lang="en-IN"/>
+          </a:p>
+        </p:txBody>
+      </p:sp>
+    </p:spTree>
+    <p:extLst>
+      <p:ext uri="{BB962C8B-B14F-4D97-AF65-F5344CB8AC3E}">
+        <p14:creationId xmlns:p14="http://schemas.microsoft.com/office/powerpoint/2010/main" val="2970161433"/>
+      </p:ext>
+    </p:extLst>
+  </p:cSld>
+  <p:clrMapOvr>
+    <a:masterClrMapping/>
+  </p:clrMapOvr>
+  <mc:AlternateContent xmlns:mc="http://schemas.openxmlformats.org/markup-compatibility/2006">
+    <mc:Choice xmlns:p15="http://schemas.microsoft.com/office/powerpoint/2012/main" Requires="p15">
+      <p:transition xmlns:p14="http://schemas.microsoft.com/office/powerpoint/2010/main" spd="slow" p14:dur="1250">
+        <p15:prstTrans prst="peelOff"/>
+      </p:transition>
+    </mc:Choice>
+    <mc:Fallback>
+      <p:transition spd="slow">
+        <p:fade/>
+      </p:transition>
+    </mc:Fallback>
+  </mc:AlternateContent>
+</p:sld>
+</file>
+
+<file path=ppt/slides/slide25.xml><?xml version="1.0" encoding="utf-8"?>
+<p:sld xmlns:a="http://schemas.openxmlformats.org/drawingml/2006/main" xmlns:r="http://schemas.openxmlformats.org/officeDocument/2006/relationships" xmlns:p="http://schemas.openxmlformats.org/presentationml/2006/main">
+  <p:cSld>
+    <p:spTree>
+      <p:nvGrpSpPr>
+        <p:cNvPr id="1" name=""/>
+        <p:cNvGrpSpPr/>
+        <p:nvPr/>
+      </p:nvGrpSpPr>
+      <p:grpSpPr>
+        <a:xfrm>
+          <a:off x="0" y="0"/>
+          <a:ext cx="0" cy="0"/>
+          <a:chOff x="0" y="0"/>
+          <a:chExt cx="0" cy="0"/>
+        </a:xfrm>
+      </p:grpSpPr>
+      <p:pic>
+        <p:nvPicPr>
+          <p:cNvPr id="3" name="Picture 2">
+            <a:extLst>
+              <a:ext uri="{FF2B5EF4-FFF2-40B4-BE49-F238E27FC236}">
+                <a16:creationId xmlns:a16="http://schemas.microsoft.com/office/drawing/2014/main" id="{A497A2D8-0454-16C6-AD3A-84FB25199D79}"/>
+              </a:ext>
+            </a:extLst>
+          </p:cNvPr>
+          <p:cNvPicPr>
+            <a:picLocks noChangeAspect="1"/>
+          </p:cNvPicPr>
+          <p:nvPr/>
+        </p:nvPicPr>
+        <p:blipFill rotWithShape="1">
+          <a:blip r:embed="rId2">
+            <a:extLst>
+              <a:ext uri="{28A0092B-C50C-407E-A947-70E740481C1C}">
+                <a14:useLocalDpi xmlns:a14="http://schemas.microsoft.com/office/drawing/2010/main" val="0"/>
+              </a:ext>
+            </a:extLst>
+          </a:blip>
+          <a:srcRect b="7930"/>
+          <a:stretch/>
+        </p:blipFill>
+        <p:spPr>
+          <a:xfrm>
+            <a:off x="0" y="0"/>
+            <a:ext cx="12192000" cy="6858000"/>
+          </a:xfrm>
+          <a:prstGeom prst="rect">
+            <a:avLst/>
+          </a:prstGeom>
+        </p:spPr>
+      </p:pic>
+      <p:sp>
+        <p:nvSpPr>
+          <p:cNvPr id="5" name="Isosceles Triangle 4">
+            <a:hlinkClick r:id="rId3" action="ppaction://hlinksldjump"/>
+            <a:extLst>
+              <a:ext uri="{FF2B5EF4-FFF2-40B4-BE49-F238E27FC236}">
+                <a16:creationId xmlns:a16="http://schemas.microsoft.com/office/drawing/2014/main" id="{5BF5D01A-F880-28C0-4038-DA7217F2CC8D}"/>
+              </a:ext>
+            </a:extLst>
+          </p:cNvPr>
+          <p:cNvSpPr/>
+          <p:nvPr/>
+        </p:nvSpPr>
+        <p:spPr>
+          <a:xfrm rot="5400000">
+            <a:off x="11374120" y="5811520"/>
+            <a:ext cx="477520" cy="386080"/>
+          </a:xfrm>
+          <a:prstGeom prst="triangle">
+            <a:avLst/>
+          </a:prstGeom>
+        </p:spPr>
+        <p:style>
+          <a:lnRef idx="2">
+            <a:schemeClr val="accent1">
+              <a:shade val="15000"/>
+            </a:schemeClr>
+          </a:lnRef>
+          <a:fillRef idx="1">
+            <a:schemeClr val="accent1"/>
+          </a:fillRef>
+          <a:effectRef idx="0">
+            <a:schemeClr val="accent1"/>
+          </a:effectRef>
+          <a:fontRef idx="minor">
+            <a:schemeClr val="lt1"/>
+          </a:fontRef>
+        </p:style>
+        <p:txBody>
+          <a:bodyPr rtlCol="0" anchor="ctr"/>
+          <a:lstStyle/>
+          <a:p>
+            <a:pPr algn="ctr"/>
+            <a:endParaRPr lang="en-IN"/>
+          </a:p>
+        </p:txBody>
+      </p:sp>
+    </p:spTree>
+    <p:extLst>
+      <p:ext uri="{BB962C8B-B14F-4D97-AF65-F5344CB8AC3E}">
+        <p14:creationId xmlns:p14="http://schemas.microsoft.com/office/powerpoint/2010/main" val="4274640932"/>
+      </p:ext>
+    </p:extLst>
+  </p:cSld>
+  <p:clrMapOvr>
+    <a:masterClrMapping/>
+  </p:clrMapOvr>
+  <mc:AlternateContent xmlns:mc="http://schemas.openxmlformats.org/markup-compatibility/2006">
+    <mc:Choice xmlns:p15="http://schemas.microsoft.com/office/powerpoint/2012/main" Requires="p15">
+      <p:transition xmlns:p14="http://schemas.microsoft.com/office/powerpoint/2010/main" spd="slow" p14:dur="1250">
+        <p15:prstTrans prst="peelOff"/>
+      </p:transition>
+    </mc:Choice>
+    <mc:Fallback>
+      <p:transition spd="slow">
+        <p:fade/>
+      </p:transition>
+    </mc:Fallback>
+  </mc:AlternateContent>
+</p:sld>
+</file>
+
+<file path=ppt/slides/slide26.xml><?xml version="1.0" encoding="utf-8"?>
+<p:sld xmlns:a="http://schemas.openxmlformats.org/drawingml/2006/main" xmlns:r="http://schemas.openxmlformats.org/officeDocument/2006/relationships" xmlns:p="http://schemas.openxmlformats.org/presentationml/2006/main">
+  <p:cSld>
+    <p:spTree>
+      <p:nvGrpSpPr>
+        <p:cNvPr id="1" name=""/>
+        <p:cNvGrpSpPr/>
+        <p:nvPr/>
+      </p:nvGrpSpPr>
+      <p:grpSpPr>
+        <a:xfrm>
+          <a:off x="0" y="0"/>
+          <a:ext cx="0" cy="0"/>
+          <a:chOff x="0" y="0"/>
+          <a:chExt cx="0" cy="0"/>
+        </a:xfrm>
+      </p:grpSpPr>
+      <p:sp>
+        <p:nvSpPr>
+          <p:cNvPr id="3" name="TextBox 2">
+            <a:extLst>
+              <a:ext uri="{FF2B5EF4-FFF2-40B4-BE49-F238E27FC236}">
+                <a16:creationId xmlns:a16="http://schemas.microsoft.com/office/drawing/2014/main" id="{BD5740E9-B868-1624-7126-79BDD4B7BD8F}"/>
+              </a:ext>
+            </a:extLst>
+          </p:cNvPr>
+          <p:cNvSpPr txBox="1"/>
+          <p:nvPr/>
+        </p:nvSpPr>
+        <p:spPr>
+          <a:xfrm>
+            <a:off x="863600" y="1371600"/>
+            <a:ext cx="10464800" cy="4524315"/>
+          </a:xfrm>
+          <a:prstGeom prst="rect">
+            <a:avLst/>
+          </a:prstGeom>
+          <a:noFill/>
+        </p:spPr>
+        <p:txBody>
+          <a:bodyPr wrap="square" rtlCol="0">
+            <a:spAutoFit/>
+          </a:bodyPr>
+          <a:lstStyle/>
+          <a:p>
+            <a:r>
+              <a:rPr lang="en-IN" sz="2400" dirty="0"/>
+              <a:t>&lt;form action="</a:t>
+            </a:r>
+            <a:r>
+              <a:rPr lang="en-IN" sz="2400" dirty="0" err="1"/>
+              <a:t>registration.jsp</a:t>
+            </a:r>
+            <a:r>
+              <a:rPr lang="en-IN" sz="2400" dirty="0"/>
+              <a:t>" method="POST"&gt;</a:t>
+            </a:r>
+          </a:p>
+          <a:p>
+            <a:pPr lvl="1"/>
+            <a:r>
+              <a:rPr lang="en-IN" sz="2400" dirty="0"/>
+              <a:t>  &lt;label for="username"&gt;Username:&lt;/label&gt;</a:t>
+            </a:r>
+          </a:p>
+          <a:p>
+            <a:pPr lvl="1"/>
+            <a:r>
+              <a:rPr lang="en-IN" sz="2400" dirty="0"/>
+              <a:t>  &lt;input type="text" id="username" name="username" required&gt;&lt;</a:t>
+            </a:r>
+            <a:r>
+              <a:rPr lang="en-IN" sz="2400" dirty="0" err="1"/>
+              <a:t>br</a:t>
+            </a:r>
+            <a:r>
+              <a:rPr lang="en-IN" sz="2400" dirty="0"/>
+              <a:t>&gt;</a:t>
+            </a:r>
+          </a:p>
+          <a:p>
+            <a:r>
+              <a:rPr lang="en-IN" sz="2400" dirty="0"/>
+              <a:t>  </a:t>
+            </a:r>
+          </a:p>
+          <a:p>
+            <a:pPr lvl="1"/>
+            <a:r>
+              <a:rPr lang="en-IN" sz="2400" dirty="0"/>
+              <a:t>  &lt;label for="email"&gt;Email:&lt;/label&gt;</a:t>
+            </a:r>
+          </a:p>
+          <a:p>
+            <a:pPr lvl="1"/>
+            <a:r>
+              <a:rPr lang="en-IN" sz="2400" dirty="0"/>
+              <a:t>  &lt;input type="email" id="email" name="email" required&gt;&lt;</a:t>
+            </a:r>
+            <a:r>
+              <a:rPr lang="en-IN" sz="2400" dirty="0" err="1"/>
+              <a:t>br</a:t>
+            </a:r>
+            <a:r>
+              <a:rPr lang="en-IN" sz="2400" dirty="0"/>
+              <a:t>&gt;</a:t>
+            </a:r>
+          </a:p>
+          <a:p>
+            <a:r>
+              <a:rPr lang="en-IN" sz="2400" dirty="0"/>
+              <a:t>  </a:t>
+            </a:r>
+          </a:p>
+          <a:p>
+            <a:pPr lvl="1"/>
+            <a:r>
+              <a:rPr lang="en-IN" sz="2400" dirty="0"/>
+              <a:t>  &lt;label for="password"&gt;Password:&lt;/label&gt;</a:t>
+            </a:r>
+          </a:p>
+          <a:p>
+            <a:pPr lvl="1"/>
+            <a:r>
+              <a:rPr lang="en-IN" sz="2400" dirty="0"/>
+              <a:t>  &lt;input type="password" id="password" name="password" required&gt;&lt;</a:t>
+            </a:r>
+            <a:r>
+              <a:rPr lang="en-IN" sz="2400" dirty="0" err="1"/>
+              <a:t>br</a:t>
+            </a:r>
+            <a:r>
+              <a:rPr lang="en-IN" sz="2400" dirty="0"/>
+              <a:t>&gt;</a:t>
+            </a:r>
+          </a:p>
+          <a:p>
+            <a:r>
+              <a:rPr lang="en-IN" sz="2400" dirty="0"/>
+              <a:t>  </a:t>
+            </a:r>
+          </a:p>
+          <a:p>
+            <a:r>
+              <a:rPr lang="en-IN" sz="2400" dirty="0"/>
+              <a:t>  	&lt;input type="submit" value="Register"&gt;</a:t>
+            </a:r>
+          </a:p>
+          <a:p>
+            <a:r>
+              <a:rPr lang="en-IN" sz="2400" dirty="0"/>
+              <a:t>&lt;/form&gt;</a:t>
+            </a:r>
+          </a:p>
+        </p:txBody>
+      </p:sp>
+      <p:sp>
+        <p:nvSpPr>
+          <p:cNvPr id="4" name="TextBox 3">
+            <a:extLst>
+              <a:ext uri="{FF2B5EF4-FFF2-40B4-BE49-F238E27FC236}">
+                <a16:creationId xmlns:a16="http://schemas.microsoft.com/office/drawing/2014/main" id="{D8EB35B0-A26B-1D2A-F155-F8839C319119}"/>
+              </a:ext>
+            </a:extLst>
+          </p:cNvPr>
+          <p:cNvSpPr txBox="1"/>
+          <p:nvPr/>
+        </p:nvSpPr>
+        <p:spPr>
+          <a:xfrm>
+            <a:off x="2336800" y="558801"/>
+            <a:ext cx="5376334" cy="523220"/>
+          </a:xfrm>
+          <a:prstGeom prst="rect">
+            <a:avLst/>
+          </a:prstGeom>
+          <a:noFill/>
+        </p:spPr>
+        <p:txBody>
+          <a:bodyPr wrap="square" rtlCol="0">
+            <a:spAutoFit/>
+          </a:bodyPr>
+          <a:lstStyle/>
+          <a:p>
+            <a:r>
+              <a:rPr lang="en-IN" sz="2800" b="1" spc="300" dirty="0">
+                <a:solidFill>
+                  <a:schemeClr val="tx2">
+                    <a:lumMod val="10000"/>
+                  </a:schemeClr>
+                </a:solidFill>
+                <a:effectLst>
+                  <a:outerShdw blurRad="38100" dist="38100" dir="2700000" algn="tl">
+                    <a:srgbClr val="000000">
+                      <a:alpha val="43137"/>
+                    </a:srgbClr>
+                  </a:outerShdw>
+                </a:effectLst>
+                <a:highlight>
+                  <a:srgbClr val="FFFF00"/>
+                </a:highlight>
+                <a:latin typeface="Cascadia Mono SemiBold" panose="020B0609020000020004" pitchFamily="49" charset="0"/>
+                <a:ea typeface="Cascadia Mono SemiBold" panose="020B0609020000020004" pitchFamily="49" charset="0"/>
+                <a:cs typeface="Cascadia Mono SemiBold" panose="020B0609020000020004" pitchFamily="49" charset="0"/>
+              </a:rPr>
+              <a:t>Registration.html</a:t>
+            </a:r>
+          </a:p>
+        </p:txBody>
+      </p:sp>
+      <p:sp>
+        <p:nvSpPr>
+          <p:cNvPr id="5" name="Isosceles Triangle 4">
+            <a:hlinkClick r:id="rId2" action="ppaction://hlinksldjump"/>
+            <a:extLst>
+              <a:ext uri="{FF2B5EF4-FFF2-40B4-BE49-F238E27FC236}">
+                <a16:creationId xmlns:a16="http://schemas.microsoft.com/office/drawing/2014/main" id="{79723EFC-17A0-CB68-0ED9-BC154A570476}"/>
+              </a:ext>
+            </a:extLst>
+          </p:cNvPr>
+          <p:cNvSpPr/>
+          <p:nvPr/>
+        </p:nvSpPr>
+        <p:spPr>
+          <a:xfrm rot="5400000">
+            <a:off x="11159067" y="6129867"/>
+            <a:ext cx="448733" cy="304800"/>
+          </a:xfrm>
+          <a:prstGeom prst="triangle">
+            <a:avLst/>
+          </a:prstGeom>
+        </p:spPr>
+        <p:style>
+          <a:lnRef idx="2">
+            <a:schemeClr val="accent1">
+              <a:shade val="15000"/>
+            </a:schemeClr>
+          </a:lnRef>
+          <a:fillRef idx="1">
+            <a:schemeClr val="accent1"/>
+          </a:fillRef>
+          <a:effectRef idx="0">
+            <a:schemeClr val="accent1"/>
+          </a:effectRef>
+          <a:fontRef idx="minor">
+            <a:schemeClr val="lt1"/>
+          </a:fontRef>
+        </p:style>
+        <p:txBody>
+          <a:bodyPr rtlCol="0" anchor="ctr"/>
+          <a:lstStyle/>
+          <a:p>
+            <a:pPr algn="ctr"/>
+            <a:endParaRPr lang="en-IN"/>
+          </a:p>
+        </p:txBody>
+      </p:sp>
+    </p:spTree>
+    <p:extLst>
+      <p:ext uri="{BB962C8B-B14F-4D97-AF65-F5344CB8AC3E}">
+        <p14:creationId xmlns:p14="http://schemas.microsoft.com/office/powerpoint/2010/main" val="1914489674"/>
+      </p:ext>
+    </p:extLst>
+  </p:cSld>
+  <p:clrMapOvr>
+    <a:masterClrMapping/>
+  </p:clrMapOvr>
+  <mc:AlternateContent xmlns:mc="http://schemas.openxmlformats.org/markup-compatibility/2006">
+    <mc:Choice xmlns:p15="http://schemas.microsoft.com/office/powerpoint/2012/main" Requires="p15">
+      <p:transition xmlns:p14="http://schemas.microsoft.com/office/powerpoint/2010/main" spd="slow" p14:dur="1250">
+        <p15:prstTrans prst="peelOff"/>
+      </p:transition>
+    </mc:Choice>
+    <mc:Fallback>
+      <p:transition spd="slow">
+        <p:fade/>
+      </p:transition>
+    </mc:Fallback>
+  </mc:AlternateContent>
+</p:sld>
+</file>
+
+<file path=ppt/slides/slide27.xml><?xml version="1.0" encoding="utf-8"?>
+<p:sld xmlns:a="http://schemas.openxmlformats.org/drawingml/2006/main" xmlns:r="http://schemas.openxmlformats.org/officeDocument/2006/relationships" xmlns:p="http://schemas.openxmlformats.org/presentationml/2006/main">
+  <p:cSld>
+    <p:spTree>
+      <p:nvGrpSpPr>
+        <p:cNvPr id="1" name=""/>
+        <p:cNvGrpSpPr/>
+        <p:nvPr/>
+      </p:nvGrpSpPr>
+      <p:grpSpPr>
+        <a:xfrm>
+          <a:off x="0" y="0"/>
+          <a:ext cx="0" cy="0"/>
+          <a:chOff x="0" y="0"/>
+          <a:chExt cx="0" cy="0"/>
+        </a:xfrm>
+      </p:grpSpPr>
+      <p:pic>
+        <p:nvPicPr>
+          <p:cNvPr id="5" name="Picture 4">
+            <a:extLst>
+              <a:ext uri="{FF2B5EF4-FFF2-40B4-BE49-F238E27FC236}">
+                <a16:creationId xmlns:a16="http://schemas.microsoft.com/office/drawing/2014/main" id="{AE992203-6C29-EFC5-F250-5D5AA22C7C24}"/>
+              </a:ext>
+            </a:extLst>
+          </p:cNvPr>
+          <p:cNvPicPr>
+            <a:picLocks noChangeAspect="1"/>
+          </p:cNvPicPr>
+          <p:nvPr/>
+        </p:nvPicPr>
+        <p:blipFill rotWithShape="1">
+          <a:blip r:embed="rId2"/>
+          <a:srcRect t="11717" r="42121" b="13401"/>
+          <a:stretch/>
+        </p:blipFill>
+        <p:spPr>
+          <a:xfrm>
+            <a:off x="877455" y="110836"/>
+            <a:ext cx="9261699" cy="6747163"/>
+          </a:xfrm>
+          <a:prstGeom prst="rect">
+            <a:avLst/>
+          </a:prstGeom>
+          <a:ln>
+            <a:noFill/>
+          </a:ln>
+          <a:effectLst>
+            <a:softEdge rad="112500"/>
+          </a:effectLst>
+        </p:spPr>
+      </p:pic>
+      <p:sp>
+        <p:nvSpPr>
+          <p:cNvPr id="6" name="Isosceles Triangle 5">
+            <a:hlinkClick r:id="rId3" action="ppaction://hlinksldjump"/>
+            <a:extLst>
+              <a:ext uri="{FF2B5EF4-FFF2-40B4-BE49-F238E27FC236}">
+                <a16:creationId xmlns:a16="http://schemas.microsoft.com/office/drawing/2014/main" id="{2823B5EA-D69B-2A59-03A9-7971DC13513E}"/>
+              </a:ext>
+            </a:extLst>
+          </p:cNvPr>
+          <p:cNvSpPr/>
+          <p:nvPr/>
+        </p:nvSpPr>
+        <p:spPr>
+          <a:xfrm rot="5400000">
+            <a:off x="11464636" y="6273801"/>
+            <a:ext cx="378691" cy="290945"/>
+          </a:xfrm>
+          <a:prstGeom prst="triangle">
+            <a:avLst/>
+          </a:prstGeom>
+        </p:spPr>
+        <p:style>
+          <a:lnRef idx="2">
+            <a:schemeClr val="accent1">
+              <a:shade val="15000"/>
+            </a:schemeClr>
+          </a:lnRef>
+          <a:fillRef idx="1">
+            <a:schemeClr val="accent1"/>
+          </a:fillRef>
+          <a:effectRef idx="0">
+            <a:schemeClr val="accent1"/>
+          </a:effectRef>
+          <a:fontRef idx="minor">
+            <a:schemeClr val="lt1"/>
+          </a:fontRef>
+        </p:style>
+        <p:txBody>
+          <a:bodyPr rtlCol="0" anchor="ctr"/>
+          <a:lstStyle/>
+          <a:p>
+            <a:pPr algn="ctr"/>
+            <a:endParaRPr lang="en-IN"/>
+          </a:p>
+        </p:txBody>
+      </p:sp>
+    </p:spTree>
+    <p:extLst>
+      <p:ext uri="{BB962C8B-B14F-4D97-AF65-F5344CB8AC3E}">
+        <p14:creationId xmlns:p14="http://schemas.microsoft.com/office/powerpoint/2010/main" val="679876646"/>
+      </p:ext>
+    </p:extLst>
+  </p:cSld>
+  <p:clrMapOvr>
+    <a:masterClrMapping/>
+  </p:clrMapOvr>
+  <mc:AlternateContent xmlns:mc="http://schemas.openxmlformats.org/markup-compatibility/2006">
+    <mc:Choice xmlns:p15="http://schemas.microsoft.com/office/powerpoint/2012/main" Requires="p15">
+      <p:transition xmlns:p14="http://schemas.microsoft.com/office/powerpoint/2010/main" spd="slow" p14:dur="1250">
+        <p15:prstTrans prst="peelOff"/>
+      </p:transition>
+    </mc:Choice>
+    <mc:Fallback>
+      <p:transition spd="slow">
+        <p:fade/>
+      </p:transition>
+    </mc:Fallback>
+  </mc:AlternateContent>
+</p:sld>
+</file>
+
+<file path=ppt/slides/slide28.xml><?xml version="1.0" encoding="utf-8"?>
+<p:sld xmlns:a="http://schemas.openxmlformats.org/drawingml/2006/main" xmlns:r="http://schemas.openxmlformats.org/officeDocument/2006/relationships" xmlns:p="http://schemas.openxmlformats.org/presentationml/2006/main">
+  <p:cSld>
+    <p:bg>
+      <p:bgPr>
+        <a:gradFill flip="none" rotWithShape="1">
+          <a:gsLst>
+            <a:gs pos="0">
+              <a:schemeClr val="accent5">
+                <a:lumMod val="89000"/>
+              </a:schemeClr>
+            </a:gs>
+            <a:gs pos="23000">
+              <a:schemeClr val="accent5">
+                <a:lumMod val="89000"/>
+              </a:schemeClr>
+            </a:gs>
+            <a:gs pos="69000">
+              <a:schemeClr val="accent5">
+                <a:lumMod val="75000"/>
+              </a:schemeClr>
+            </a:gs>
+            <a:gs pos="97000">
+              <a:schemeClr val="accent5">
+                <a:lumMod val="70000"/>
+              </a:schemeClr>
+            </a:gs>
+          </a:gsLst>
+          <a:path path="circle">
+            <a:fillToRect l="50000" t="50000" r="50000" b="50000"/>
+          </a:path>
+          <a:tileRect/>
+        </a:gradFill>
+        <a:effectLst/>
+      </p:bgPr>
+    </p:bg>
+    <p:spTree>
+      <p:nvGrpSpPr>
+        <p:cNvPr id="1" name=""/>
+        <p:cNvGrpSpPr/>
+        <p:nvPr/>
+      </p:nvGrpSpPr>
+      <p:grpSpPr>
+        <a:xfrm>
+          <a:off x="0" y="0"/>
+          <a:ext cx="0" cy="0"/>
+          <a:chOff x="0" y="0"/>
+          <a:chExt cx="0" cy="0"/>
+        </a:xfrm>
+      </p:grpSpPr>
+      <p:pic>
+        <p:nvPicPr>
+          <p:cNvPr id="3" name="Picture 2">
+            <a:extLst>
+              <a:ext uri="{FF2B5EF4-FFF2-40B4-BE49-F238E27FC236}">
+                <a16:creationId xmlns:a16="http://schemas.microsoft.com/office/drawing/2014/main" id="{8541B72F-5AD5-D17F-7F95-A04AD926C54A}"/>
+              </a:ext>
+            </a:extLst>
+          </p:cNvPr>
+          <p:cNvPicPr>
+            <a:picLocks noChangeAspect="1"/>
+          </p:cNvPicPr>
+          <p:nvPr/>
+        </p:nvPicPr>
+        <p:blipFill rotWithShape="1">
+          <a:blip r:embed="rId2"/>
+          <a:srcRect t="25818" r="35568" b="29939"/>
+          <a:stretch/>
+        </p:blipFill>
+        <p:spPr>
+          <a:xfrm>
+            <a:off x="1119569" y="2236122"/>
+            <a:ext cx="8689449" cy="3868650"/>
+          </a:xfrm>
+          <a:prstGeom prst="rect">
+            <a:avLst/>
+          </a:prstGeom>
+          <a:ln>
+            <a:noFill/>
+          </a:ln>
+          <a:effectLst>
+            <a:softEdge rad="112500"/>
+          </a:effectLst>
+        </p:spPr>
+      </p:pic>
+      <p:sp>
+        <p:nvSpPr>
+          <p:cNvPr id="8" name="Title 7">
+            <a:extLst>
+              <a:ext uri="{FF2B5EF4-FFF2-40B4-BE49-F238E27FC236}">
+                <a16:creationId xmlns:a16="http://schemas.microsoft.com/office/drawing/2014/main" id="{2EA84B3C-C303-0759-72C9-ED6D5A8718D0}"/>
+              </a:ext>
+            </a:extLst>
+          </p:cNvPr>
+          <p:cNvSpPr>
+            <a:spLocks noGrp="1"/>
+          </p:cNvSpPr>
+          <p:nvPr>
+            <p:ph type="title"/>
+          </p:nvPr>
+        </p:nvSpPr>
+        <p:spPr>
+          <a:xfrm>
+            <a:off x="1503680" y="753228"/>
+            <a:ext cx="8790502" cy="1080938"/>
+          </a:xfrm>
+        </p:spPr>
+        <p:txBody>
+          <a:bodyPr/>
+          <a:lstStyle/>
+          <a:p>
+            <a:r>
+              <a:rPr lang="en-IN" dirty="0"/>
+              <a:t>Login.html</a:t>
+            </a:r>
+          </a:p>
+        </p:txBody>
+      </p:sp>
+      <p:sp>
+        <p:nvSpPr>
+          <p:cNvPr id="9" name="Isosceles Triangle 8">
+            <a:hlinkClick r:id="rId3" action="ppaction://hlinksldjump"/>
+            <a:extLst>
+              <a:ext uri="{FF2B5EF4-FFF2-40B4-BE49-F238E27FC236}">
+                <a16:creationId xmlns:a16="http://schemas.microsoft.com/office/drawing/2014/main" id="{7E79B83B-48D5-1F01-2E0D-D88BCA5BFA58}"/>
+              </a:ext>
+            </a:extLst>
+          </p:cNvPr>
+          <p:cNvSpPr/>
+          <p:nvPr/>
+        </p:nvSpPr>
+        <p:spPr>
+          <a:xfrm rot="5400000">
+            <a:off x="11369040" y="5985164"/>
+            <a:ext cx="497840" cy="405477"/>
+          </a:xfrm>
+          <a:prstGeom prst="triangle">
+            <a:avLst/>
+          </a:prstGeom>
+        </p:spPr>
+        <p:style>
+          <a:lnRef idx="2">
+            <a:schemeClr val="accent1">
+              <a:shade val="15000"/>
+            </a:schemeClr>
+          </a:lnRef>
+          <a:fillRef idx="1">
+            <a:schemeClr val="accent1"/>
+          </a:fillRef>
+          <a:effectRef idx="0">
+            <a:schemeClr val="accent1"/>
+          </a:effectRef>
+          <a:fontRef idx="minor">
+            <a:schemeClr val="lt1"/>
+          </a:fontRef>
+        </p:style>
+        <p:txBody>
+          <a:bodyPr rtlCol="0" anchor="ctr"/>
+          <a:lstStyle/>
+          <a:p>
+            <a:pPr algn="ctr"/>
+            <a:endParaRPr lang="en-IN"/>
+          </a:p>
+        </p:txBody>
+      </p:sp>
+    </p:spTree>
+    <p:extLst>
+      <p:ext uri="{BB962C8B-B14F-4D97-AF65-F5344CB8AC3E}">
+        <p14:creationId xmlns:p14="http://schemas.microsoft.com/office/powerpoint/2010/main" val="163953269"/>
+      </p:ext>
+    </p:extLst>
+  </p:cSld>
+  <p:clrMapOvr>
+    <a:masterClrMapping/>
+  </p:clrMapOvr>
+  <mc:AlternateContent xmlns:mc="http://schemas.openxmlformats.org/markup-compatibility/2006">
+    <mc:Choice xmlns:p15="http://schemas.microsoft.com/office/powerpoint/2012/main" Requires="p15">
+      <p:transition xmlns:p14="http://schemas.microsoft.com/office/powerpoint/2010/main" spd="slow" p14:dur="1250">
+        <p15:prstTrans prst="peelOff"/>
+      </p:transition>
+    </mc:Choice>
+    <mc:Fallback>
+      <p:transition spd="slow">
+        <p:fade/>
+      </p:transition>
+    </mc:Fallback>
+  </mc:AlternateContent>
+</p:sld>
+</file>
+
+<file path=ppt/slides/slide29.xml><?xml version="1.0" encoding="utf-8"?>
+<p:sld xmlns:a="http://schemas.openxmlformats.org/drawingml/2006/main" xmlns:r="http://schemas.openxmlformats.org/officeDocument/2006/relationships" xmlns:p="http://schemas.openxmlformats.org/presentationml/2006/main">
+  <p:cSld>
+    <p:bg>
+      <p:bgPr>
+        <a:gradFill flip="none" rotWithShape="1">
+          <a:gsLst>
+            <a:gs pos="0">
+              <a:schemeClr val="accent5">
+                <a:lumMod val="89000"/>
+              </a:schemeClr>
+            </a:gs>
+            <a:gs pos="23000">
+              <a:schemeClr val="accent5">
+                <a:lumMod val="89000"/>
+              </a:schemeClr>
+            </a:gs>
+            <a:gs pos="69000">
+              <a:schemeClr val="accent5">
+                <a:lumMod val="75000"/>
+              </a:schemeClr>
+            </a:gs>
+            <a:gs pos="97000">
+              <a:schemeClr val="accent5">
+                <a:lumMod val="70000"/>
+              </a:schemeClr>
+            </a:gs>
+          </a:gsLst>
+          <a:path path="circle">
+            <a:fillToRect l="50000" t="50000" r="50000" b="50000"/>
+          </a:path>
+          <a:tileRect/>
+        </a:gradFill>
+        <a:effectLst/>
+      </p:bgPr>
+    </p:bg>
+    <p:spTree>
+      <p:nvGrpSpPr>
+        <p:cNvPr id="1" name=""/>
+        <p:cNvGrpSpPr/>
+        <p:nvPr/>
+      </p:nvGrpSpPr>
+      <p:grpSpPr>
+        <a:xfrm>
+          <a:off x="0" y="0"/>
+          <a:ext cx="0" cy="0"/>
+          <a:chOff x="0" y="0"/>
+          <a:chExt cx="0" cy="0"/>
+        </a:xfrm>
+      </p:grpSpPr>
+      <p:pic>
+        <p:nvPicPr>
+          <p:cNvPr id="4" name="Picture 3">
+            <a:extLst>
+              <a:ext uri="{FF2B5EF4-FFF2-40B4-BE49-F238E27FC236}">
+                <a16:creationId xmlns:a16="http://schemas.microsoft.com/office/drawing/2014/main" id="{1BDDE50A-E8CF-2F91-9237-68BD1759B2DD}"/>
+              </a:ext>
+            </a:extLst>
+          </p:cNvPr>
+          <p:cNvPicPr>
+            <a:picLocks noChangeAspect="1"/>
+          </p:cNvPicPr>
+          <p:nvPr/>
+        </p:nvPicPr>
+        <p:blipFill rotWithShape="1">
+          <a:blip r:embed="rId2"/>
+          <a:srcRect t="9480" r="30916" b="10519"/>
+          <a:stretch/>
+        </p:blipFill>
+        <p:spPr>
+          <a:xfrm>
+            <a:off x="782320" y="594360"/>
+            <a:ext cx="9682480" cy="6339840"/>
+          </a:xfrm>
+          <a:prstGeom prst="rect">
+            <a:avLst/>
+          </a:prstGeom>
+          <a:ln>
+            <a:noFill/>
+          </a:ln>
+          <a:effectLst>
+            <a:softEdge rad="112500"/>
+          </a:effectLst>
+        </p:spPr>
+      </p:pic>
+      <p:sp>
+        <p:nvSpPr>
+          <p:cNvPr id="5" name="Isosceles Triangle 4">
+            <a:hlinkClick r:id="rId3" action="ppaction://hlinksldjump"/>
+            <a:extLst>
+              <a:ext uri="{FF2B5EF4-FFF2-40B4-BE49-F238E27FC236}">
+                <a16:creationId xmlns:a16="http://schemas.microsoft.com/office/drawing/2014/main" id="{8BAD6C30-5DD9-B136-0144-7C74F4B04DE0}"/>
+              </a:ext>
+            </a:extLst>
+          </p:cNvPr>
+          <p:cNvSpPr/>
+          <p:nvPr/>
+        </p:nvSpPr>
+        <p:spPr>
+          <a:xfrm rot="5400000">
+            <a:off x="11440160" y="6106160"/>
+            <a:ext cx="406400" cy="365760"/>
+          </a:xfrm>
+          <a:prstGeom prst="triangle">
+            <a:avLst/>
+          </a:prstGeom>
+        </p:spPr>
+        <p:style>
+          <a:lnRef idx="2">
+            <a:schemeClr val="accent1">
+              <a:shade val="15000"/>
+            </a:schemeClr>
+          </a:lnRef>
+          <a:fillRef idx="1">
+            <a:schemeClr val="accent1"/>
+          </a:fillRef>
+          <a:effectRef idx="0">
+            <a:schemeClr val="accent1"/>
+          </a:effectRef>
+          <a:fontRef idx="minor">
+            <a:schemeClr val="lt1"/>
+          </a:fontRef>
+        </p:style>
+        <p:txBody>
+          <a:bodyPr rtlCol="0" anchor="ctr"/>
+          <a:lstStyle/>
+          <a:p>
+            <a:pPr algn="ctr"/>
+            <a:endParaRPr lang="en-IN"/>
+          </a:p>
+        </p:txBody>
+      </p:sp>
+      <p:sp>
+        <p:nvSpPr>
+          <p:cNvPr id="7" name="TextBox 6">
+            <a:extLst>
+              <a:ext uri="{FF2B5EF4-FFF2-40B4-BE49-F238E27FC236}">
+                <a16:creationId xmlns:a16="http://schemas.microsoft.com/office/drawing/2014/main" id="{331F16C6-07EE-4B8B-10FB-BFD5DC73655E}"/>
+              </a:ext>
+            </a:extLst>
+          </p:cNvPr>
+          <p:cNvSpPr txBox="1"/>
+          <p:nvPr/>
+        </p:nvSpPr>
+        <p:spPr>
+          <a:xfrm>
+            <a:off x="3628724" y="71140"/>
+            <a:ext cx="2271562" cy="523220"/>
+          </a:xfrm>
+          <a:prstGeom prst="rect">
+            <a:avLst/>
+          </a:prstGeom>
+          <a:noFill/>
+        </p:spPr>
+        <p:txBody>
+          <a:bodyPr wrap="square" rtlCol="0">
+            <a:spAutoFit/>
+          </a:bodyPr>
+          <a:lstStyle/>
+          <a:p>
+            <a:r>
+              <a:rPr lang="en-IN" sz="2800" b="1" spc="300" dirty="0">
+                <a:solidFill>
+                  <a:schemeClr val="bg1"/>
+                </a:solidFill>
+                <a:effectLst>
+                  <a:outerShdw blurRad="38100" dist="38100" dir="2700000" algn="tl">
+                    <a:srgbClr val="000000">
+                      <a:alpha val="43137"/>
+                    </a:srgbClr>
+                  </a:outerShdw>
+                </a:effectLst>
+                <a:highlight>
+                  <a:srgbClr val="FFFF00"/>
+                </a:highlight>
+              </a:rPr>
+              <a:t>Login.jsp</a:t>
+            </a:r>
+          </a:p>
+        </p:txBody>
+      </p:sp>
+    </p:spTree>
+    <p:extLst>
+      <p:ext uri="{BB962C8B-B14F-4D97-AF65-F5344CB8AC3E}">
+        <p14:creationId xmlns:p14="http://schemas.microsoft.com/office/powerpoint/2010/main" val="1011671892"/>
+      </p:ext>
+    </p:extLst>
+  </p:cSld>
+  <p:clrMapOvr>
+    <a:masterClrMapping/>
+  </p:clrMapOvr>
+  <mc:AlternateContent xmlns:mc="http://schemas.openxmlformats.org/markup-compatibility/2006">
+    <mc:Choice xmlns:p15="http://schemas.microsoft.com/office/powerpoint/2012/main" Requires="p15">
+      <p:transition xmlns:p14="http://schemas.microsoft.com/office/powerpoint/2010/main" spd="slow" p14:dur="1250">
+        <p15:prstTrans prst="peelOff"/>
+      </p:transition>
+    </mc:Choice>
+    <mc:Fallback>
+      <p:transition spd="slow">
+        <p:fade/>
+      </p:transition>
+    </mc:Fallback>
+  </mc:AlternateContent>
 </p:sld>
 </file>
 
@@ -14875,15 +17004,7 @@
             </a:pPr>
             <a:r>
               <a:rPr lang="en-US" sz="2400" dirty="0"/>
-              <a:t>2.JSP (</a:t>
-            </a:r>
-            <a:r>
-              <a:rPr lang="en-US" sz="2400" dirty="0" err="1"/>
-              <a:t>JavaServer</a:t>
-            </a:r>
-            <a:r>
-              <a:rPr lang="en-US" sz="2400" dirty="0"/>
-              <a:t> Pages):</a:t>
+              <a:t>2.JSP (JavaServer Pages):</a:t>
             </a:r>
           </a:p>
           <a:p>
@@ -14922,13 +17043,1893 @@
   <p:clrMapOvr>
     <a:masterClrMapping/>
   </p:clrMapOvr>
-  <mc:AlternateContent xmlns:mc="http://schemas.openxmlformats.org/markup-compatibility/2006" xmlns:p15="http://schemas.microsoft.com/office/powerpoint/2012/main">
-    <mc:Choice Requires="p15">
+  <mc:AlternateContent xmlns:mc="http://schemas.openxmlformats.org/markup-compatibility/2006">
+    <mc:Choice xmlns:p15="http://schemas.microsoft.com/office/powerpoint/2012/main" Requires="p15">
       <p:transition xmlns:p14="http://schemas.microsoft.com/office/powerpoint/2010/main" spd="slow" p14:dur="1250">
         <p15:prstTrans prst="peelOff"/>
       </p:transition>
     </mc:Choice>
-    <mc:Fallback xmlns="">
+    <mc:Fallback>
+      <p:transition spd="slow">
+        <p:fade/>
+      </p:transition>
+    </mc:Fallback>
+  </mc:AlternateContent>
+</p:sld>
+</file>
+
+<file path=ppt/slides/slide30.xml><?xml version="1.0" encoding="utf-8"?>
+<p:sld xmlns:a="http://schemas.openxmlformats.org/drawingml/2006/main" xmlns:r="http://schemas.openxmlformats.org/officeDocument/2006/relationships" xmlns:p="http://schemas.openxmlformats.org/presentationml/2006/main">
+  <p:cSld>
+    <p:bg>
+      <p:bgPr>
+        <a:gradFill flip="none" rotWithShape="1">
+          <a:gsLst>
+            <a:gs pos="0">
+              <a:schemeClr val="accent4">
+                <a:lumMod val="89000"/>
+              </a:schemeClr>
+            </a:gs>
+            <a:gs pos="23000">
+              <a:schemeClr val="accent4">
+                <a:lumMod val="89000"/>
+              </a:schemeClr>
+            </a:gs>
+            <a:gs pos="69000">
+              <a:schemeClr val="accent4">
+                <a:lumMod val="75000"/>
+              </a:schemeClr>
+            </a:gs>
+            <a:gs pos="97000">
+              <a:schemeClr val="accent4">
+                <a:lumMod val="70000"/>
+              </a:schemeClr>
+            </a:gs>
+          </a:gsLst>
+          <a:path path="circle">
+            <a:fillToRect l="50000" t="50000" r="50000" b="50000"/>
+          </a:path>
+          <a:tileRect/>
+        </a:gradFill>
+        <a:effectLst/>
+      </p:bgPr>
+    </p:bg>
+    <p:spTree>
+      <p:nvGrpSpPr>
+        <p:cNvPr id="1" name=""/>
+        <p:cNvGrpSpPr/>
+        <p:nvPr/>
+      </p:nvGrpSpPr>
+      <p:grpSpPr>
+        <a:xfrm>
+          <a:off x="0" y="0"/>
+          <a:ext cx="0" cy="0"/>
+          <a:chOff x="0" y="0"/>
+          <a:chExt cx="0" cy="0"/>
+        </a:xfrm>
+      </p:grpSpPr>
+      <p:pic>
+        <p:nvPicPr>
+          <p:cNvPr id="3" name="Picture 2">
+            <a:extLst>
+              <a:ext uri="{FF2B5EF4-FFF2-40B4-BE49-F238E27FC236}">
+                <a16:creationId xmlns:a16="http://schemas.microsoft.com/office/drawing/2014/main" id="{795F6B5C-65AA-0875-33C6-FB5C4D819F47}"/>
+              </a:ext>
+            </a:extLst>
+          </p:cNvPr>
+          <p:cNvPicPr>
+            <a:picLocks noChangeAspect="1"/>
+          </p:cNvPicPr>
+          <p:nvPr/>
+        </p:nvPicPr>
+        <p:blipFill rotWithShape="1">
+          <a:blip r:embed="rId2"/>
+          <a:srcRect l="-833" t="7704" r="40666" b="10962"/>
+          <a:stretch/>
+        </p:blipFill>
+        <p:spPr>
+          <a:xfrm>
+            <a:off x="883920" y="71120"/>
+            <a:ext cx="8696960" cy="6715760"/>
+          </a:xfrm>
+          <a:prstGeom prst="rect">
+            <a:avLst/>
+          </a:prstGeom>
+          <a:ln>
+            <a:noFill/>
+          </a:ln>
+          <a:effectLst>
+            <a:outerShdw blurRad="292100" dist="139700" dir="2700000" algn="tl" rotWithShape="0">
+              <a:srgbClr val="333333">
+                <a:alpha val="65000"/>
+              </a:srgbClr>
+            </a:outerShdw>
+          </a:effectLst>
+        </p:spPr>
+      </p:pic>
+      <p:sp>
+        <p:nvSpPr>
+          <p:cNvPr id="4" name="Isosceles Triangle 3">
+            <a:hlinkClick r:id="rId3" action="ppaction://hlinksldjump"/>
+            <a:extLst>
+              <a:ext uri="{FF2B5EF4-FFF2-40B4-BE49-F238E27FC236}">
+                <a16:creationId xmlns:a16="http://schemas.microsoft.com/office/drawing/2014/main" id="{B0DFF5BF-E19D-19F1-20D1-365CDC56C2E0}"/>
+              </a:ext>
+            </a:extLst>
+          </p:cNvPr>
+          <p:cNvSpPr/>
+          <p:nvPr/>
+        </p:nvSpPr>
+        <p:spPr>
+          <a:xfrm rot="5400000">
+            <a:off x="11501120" y="6167120"/>
+            <a:ext cx="416560" cy="426720"/>
+          </a:xfrm>
+          <a:prstGeom prst="triangle">
+            <a:avLst/>
+          </a:prstGeom>
+        </p:spPr>
+        <p:style>
+          <a:lnRef idx="2">
+            <a:schemeClr val="accent1">
+              <a:shade val="15000"/>
+            </a:schemeClr>
+          </a:lnRef>
+          <a:fillRef idx="1">
+            <a:schemeClr val="accent1"/>
+          </a:fillRef>
+          <a:effectRef idx="0">
+            <a:schemeClr val="accent1"/>
+          </a:effectRef>
+          <a:fontRef idx="minor">
+            <a:schemeClr val="lt1"/>
+          </a:fontRef>
+        </p:style>
+        <p:txBody>
+          <a:bodyPr rtlCol="0" anchor="ctr"/>
+          <a:lstStyle/>
+          <a:p>
+            <a:pPr algn="ctr"/>
+            <a:endParaRPr lang="en-IN"/>
+          </a:p>
+        </p:txBody>
+      </p:sp>
+      <p:sp>
+        <p:nvSpPr>
+          <p:cNvPr id="5" name="TextBox 4">
+            <a:extLst>
+              <a:ext uri="{FF2B5EF4-FFF2-40B4-BE49-F238E27FC236}">
+                <a16:creationId xmlns:a16="http://schemas.microsoft.com/office/drawing/2014/main" id="{081021BC-2003-3C6F-7318-428A6F6D1FE8}"/>
+              </a:ext>
+            </a:extLst>
+          </p:cNvPr>
+          <p:cNvSpPr txBox="1"/>
+          <p:nvPr/>
+        </p:nvSpPr>
+        <p:spPr>
+          <a:xfrm>
+            <a:off x="6689558" y="654519"/>
+            <a:ext cx="2367815" cy="523220"/>
+          </a:xfrm>
+          <a:prstGeom prst="rect">
+            <a:avLst/>
+          </a:prstGeom>
+          <a:noFill/>
+        </p:spPr>
+        <p:txBody>
+          <a:bodyPr wrap="square" rtlCol="0">
+            <a:spAutoFit/>
+          </a:bodyPr>
+          <a:lstStyle/>
+          <a:p>
+            <a:r>
+              <a:rPr lang="en-IN" sz="2800" b="1" spc="300" dirty="0">
+                <a:solidFill>
+                  <a:schemeClr val="bg1"/>
+                </a:solidFill>
+                <a:effectLst>
+                  <a:outerShdw blurRad="38100" dist="38100" dir="2700000" algn="tl">
+                    <a:srgbClr val="000000">
+                      <a:alpha val="43137"/>
+                    </a:srgbClr>
+                  </a:outerShdw>
+                </a:effectLst>
+                <a:highlight>
+                  <a:srgbClr val="FFFF00"/>
+                </a:highlight>
+              </a:rPr>
+              <a:t>  Index.jsp  </a:t>
+            </a:r>
+          </a:p>
+        </p:txBody>
+      </p:sp>
+    </p:spTree>
+    <p:extLst>
+      <p:ext uri="{BB962C8B-B14F-4D97-AF65-F5344CB8AC3E}">
+        <p14:creationId xmlns:p14="http://schemas.microsoft.com/office/powerpoint/2010/main" val="1947774746"/>
+      </p:ext>
+    </p:extLst>
+  </p:cSld>
+  <p:clrMapOvr>
+    <a:masterClrMapping/>
+  </p:clrMapOvr>
+  <mc:AlternateContent xmlns:mc="http://schemas.openxmlformats.org/markup-compatibility/2006">
+    <mc:Choice xmlns:p15="http://schemas.microsoft.com/office/powerpoint/2012/main" Requires="p15">
+      <p:transition xmlns:p14="http://schemas.microsoft.com/office/powerpoint/2010/main" spd="slow" p14:dur="1250">
+        <p15:prstTrans prst="peelOff"/>
+      </p:transition>
+    </mc:Choice>
+    <mc:Fallback>
+      <p:transition spd="slow">
+        <p:fade/>
+      </p:transition>
+    </mc:Fallback>
+  </mc:AlternateContent>
+</p:sld>
+</file>
+
+<file path=ppt/slides/slide31.xml><?xml version="1.0" encoding="utf-8"?>
+<p:sld xmlns:a="http://schemas.openxmlformats.org/drawingml/2006/main" xmlns:r="http://schemas.openxmlformats.org/officeDocument/2006/relationships" xmlns:p="http://schemas.openxmlformats.org/presentationml/2006/main">
+  <p:cSld>
+    <p:bg>
+      <p:bgPr>
+        <a:gradFill flip="none" rotWithShape="1">
+          <a:gsLst>
+            <a:gs pos="0">
+              <a:schemeClr val="accent3">
+                <a:lumMod val="89000"/>
+              </a:schemeClr>
+            </a:gs>
+            <a:gs pos="23000">
+              <a:schemeClr val="accent3">
+                <a:lumMod val="89000"/>
+              </a:schemeClr>
+            </a:gs>
+            <a:gs pos="69000">
+              <a:schemeClr val="accent3">
+                <a:lumMod val="75000"/>
+              </a:schemeClr>
+            </a:gs>
+            <a:gs pos="97000">
+              <a:schemeClr val="accent3">
+                <a:lumMod val="70000"/>
+              </a:schemeClr>
+            </a:gs>
+          </a:gsLst>
+          <a:path path="circle">
+            <a:fillToRect l="50000" t="50000" r="50000" b="50000"/>
+          </a:path>
+          <a:tileRect/>
+        </a:gradFill>
+        <a:effectLst/>
+      </p:bgPr>
+    </p:bg>
+    <p:spTree>
+      <p:nvGrpSpPr>
+        <p:cNvPr id="1" name=""/>
+        <p:cNvGrpSpPr/>
+        <p:nvPr/>
+      </p:nvGrpSpPr>
+      <p:grpSpPr>
+        <a:xfrm>
+          <a:off x="0" y="0"/>
+          <a:ext cx="0" cy="0"/>
+          <a:chOff x="0" y="0"/>
+          <a:chExt cx="0" cy="0"/>
+        </a:xfrm>
+      </p:grpSpPr>
+      <p:pic>
+        <p:nvPicPr>
+          <p:cNvPr id="5" name="Picture 4">
+            <a:extLst>
+              <a:ext uri="{FF2B5EF4-FFF2-40B4-BE49-F238E27FC236}">
+                <a16:creationId xmlns:a16="http://schemas.microsoft.com/office/drawing/2014/main" id="{6E0D764B-AEF3-073E-F436-F3C9F9E1D6FF}"/>
+              </a:ext>
+            </a:extLst>
+          </p:cNvPr>
+          <p:cNvPicPr>
+            <a:picLocks noChangeAspect="1"/>
+          </p:cNvPicPr>
+          <p:nvPr/>
+        </p:nvPicPr>
+        <p:blipFill rotWithShape="1">
+          <a:blip r:embed="rId2"/>
+          <a:srcRect t="9927" r="24750" b="10963"/>
+          <a:stretch/>
+        </p:blipFill>
+        <p:spPr>
+          <a:xfrm>
+            <a:off x="457200" y="822960"/>
+            <a:ext cx="9621520" cy="5923280"/>
+          </a:xfrm>
+          <a:prstGeom prst="rect">
+            <a:avLst/>
+          </a:prstGeom>
+        </p:spPr>
+      </p:pic>
+      <p:sp>
+        <p:nvSpPr>
+          <p:cNvPr id="6" name="Isosceles Triangle 5">
+            <a:hlinkClick r:id="rId3" action="ppaction://hlinksldjump"/>
+            <a:extLst>
+              <a:ext uri="{FF2B5EF4-FFF2-40B4-BE49-F238E27FC236}">
+                <a16:creationId xmlns:a16="http://schemas.microsoft.com/office/drawing/2014/main" id="{8585E8A8-7BC2-DB93-816A-9615AF97FE3C}"/>
+              </a:ext>
+            </a:extLst>
+          </p:cNvPr>
+          <p:cNvSpPr/>
+          <p:nvPr/>
+        </p:nvSpPr>
+        <p:spPr>
+          <a:xfrm rot="5400000">
+            <a:off x="11460480" y="6141720"/>
+            <a:ext cx="375920" cy="416560"/>
+          </a:xfrm>
+          <a:prstGeom prst="triangle">
+            <a:avLst/>
+          </a:prstGeom>
+        </p:spPr>
+        <p:style>
+          <a:lnRef idx="2">
+            <a:schemeClr val="accent1">
+              <a:shade val="15000"/>
+            </a:schemeClr>
+          </a:lnRef>
+          <a:fillRef idx="1">
+            <a:schemeClr val="accent1"/>
+          </a:fillRef>
+          <a:effectRef idx="0">
+            <a:schemeClr val="accent1"/>
+          </a:effectRef>
+          <a:fontRef idx="minor">
+            <a:schemeClr val="lt1"/>
+          </a:fontRef>
+        </p:style>
+        <p:txBody>
+          <a:bodyPr rtlCol="0" anchor="ctr"/>
+          <a:lstStyle/>
+          <a:p>
+            <a:pPr algn="ctr"/>
+            <a:endParaRPr lang="en-IN"/>
+          </a:p>
+        </p:txBody>
+      </p:sp>
+      <p:sp>
+        <p:nvSpPr>
+          <p:cNvPr id="7" name="TextBox 6">
+            <a:extLst>
+              <a:ext uri="{FF2B5EF4-FFF2-40B4-BE49-F238E27FC236}">
+                <a16:creationId xmlns:a16="http://schemas.microsoft.com/office/drawing/2014/main" id="{3D7112EE-9C60-4665-9764-A0CA12C58E95}"/>
+              </a:ext>
+            </a:extLst>
+          </p:cNvPr>
+          <p:cNvSpPr txBox="1"/>
+          <p:nvPr/>
+        </p:nvSpPr>
+        <p:spPr>
+          <a:xfrm>
+            <a:off x="3677652" y="179137"/>
+            <a:ext cx="2600960" cy="523220"/>
+          </a:xfrm>
+          <a:prstGeom prst="rect">
+            <a:avLst/>
+          </a:prstGeom>
+          <a:noFill/>
+        </p:spPr>
+        <p:txBody>
+          <a:bodyPr wrap="square" rtlCol="0">
+            <a:spAutoFit/>
+          </a:bodyPr>
+          <a:lstStyle/>
+          <a:p>
+            <a:r>
+              <a:rPr lang="en-IN" sz="2800" b="1" spc="300" dirty="0">
+                <a:solidFill>
+                  <a:schemeClr val="bg1"/>
+                </a:solidFill>
+                <a:effectLst>
+                  <a:outerShdw blurRad="38100" dist="38100" dir="2700000" algn="tl">
+                    <a:srgbClr val="000000">
+                      <a:alpha val="43137"/>
+                    </a:srgbClr>
+                  </a:outerShdw>
+                </a:effectLst>
+                <a:highlight>
+                  <a:srgbClr val="FFFF00"/>
+                </a:highlight>
+              </a:rPr>
+              <a:t>Add.jsp</a:t>
+            </a:r>
+          </a:p>
+        </p:txBody>
+      </p:sp>
+    </p:spTree>
+    <p:extLst>
+      <p:ext uri="{BB962C8B-B14F-4D97-AF65-F5344CB8AC3E}">
+        <p14:creationId xmlns:p14="http://schemas.microsoft.com/office/powerpoint/2010/main" val="1928556171"/>
+      </p:ext>
+    </p:extLst>
+  </p:cSld>
+  <p:clrMapOvr>
+    <a:masterClrMapping/>
+  </p:clrMapOvr>
+  <mc:AlternateContent xmlns:mc="http://schemas.openxmlformats.org/markup-compatibility/2006">
+    <mc:Choice xmlns:p15="http://schemas.microsoft.com/office/powerpoint/2012/main" Requires="p15">
+      <p:transition xmlns:p14="http://schemas.microsoft.com/office/powerpoint/2010/main" spd="slow" p14:dur="1250">
+        <p15:prstTrans prst="peelOff"/>
+      </p:transition>
+    </mc:Choice>
+    <mc:Fallback>
+      <p:transition spd="slow">
+        <p:fade/>
+      </p:transition>
+    </mc:Fallback>
+  </mc:AlternateContent>
+</p:sld>
+</file>
+
+<file path=ppt/slides/slide32.xml><?xml version="1.0" encoding="utf-8"?>
+<p:sld xmlns:a="http://schemas.openxmlformats.org/drawingml/2006/main" xmlns:r="http://schemas.openxmlformats.org/officeDocument/2006/relationships" xmlns:p="http://schemas.openxmlformats.org/presentationml/2006/main">
+  <p:cSld>
+    <p:bg>
+      <p:bgPr>
+        <a:gradFill flip="none" rotWithShape="1">
+          <a:gsLst>
+            <a:gs pos="0">
+              <a:schemeClr val="accent3">
+                <a:lumMod val="89000"/>
+              </a:schemeClr>
+            </a:gs>
+            <a:gs pos="23000">
+              <a:schemeClr val="accent3">
+                <a:lumMod val="89000"/>
+              </a:schemeClr>
+            </a:gs>
+            <a:gs pos="69000">
+              <a:schemeClr val="accent3">
+                <a:lumMod val="75000"/>
+              </a:schemeClr>
+            </a:gs>
+            <a:gs pos="97000">
+              <a:schemeClr val="accent3">
+                <a:lumMod val="70000"/>
+              </a:schemeClr>
+            </a:gs>
+          </a:gsLst>
+          <a:path path="circle">
+            <a:fillToRect l="50000" t="50000" r="50000" b="50000"/>
+          </a:path>
+          <a:tileRect/>
+        </a:gradFill>
+        <a:effectLst/>
+      </p:bgPr>
+    </p:bg>
+    <p:spTree>
+      <p:nvGrpSpPr>
+        <p:cNvPr id="1" name=""/>
+        <p:cNvGrpSpPr/>
+        <p:nvPr/>
+      </p:nvGrpSpPr>
+      <p:grpSpPr>
+        <a:xfrm>
+          <a:off x="0" y="0"/>
+          <a:ext cx="0" cy="0"/>
+          <a:chOff x="0" y="0"/>
+          <a:chExt cx="0" cy="0"/>
+        </a:xfrm>
+      </p:grpSpPr>
+      <p:pic>
+        <p:nvPicPr>
+          <p:cNvPr id="3" name="Picture 2">
+            <a:extLst>
+              <a:ext uri="{FF2B5EF4-FFF2-40B4-BE49-F238E27FC236}">
+                <a16:creationId xmlns:a16="http://schemas.microsoft.com/office/drawing/2014/main" id="{A21A4FF6-5DBF-8636-07DB-7DD1FC026AAF}"/>
+              </a:ext>
+            </a:extLst>
+          </p:cNvPr>
+          <p:cNvPicPr>
+            <a:picLocks noChangeAspect="1"/>
+          </p:cNvPicPr>
+          <p:nvPr/>
+        </p:nvPicPr>
+        <p:blipFill rotWithShape="1">
+          <a:blip r:embed="rId2"/>
+          <a:srcRect t="9037" r="30584" b="10560"/>
+          <a:stretch/>
+        </p:blipFill>
+        <p:spPr>
+          <a:xfrm>
+            <a:off x="944880" y="690880"/>
+            <a:ext cx="8991600" cy="6167120"/>
+          </a:xfrm>
+          <a:prstGeom prst="rect">
+            <a:avLst/>
+          </a:prstGeom>
+        </p:spPr>
+      </p:pic>
+      <p:sp>
+        <p:nvSpPr>
+          <p:cNvPr id="4" name="TextBox 3">
+            <a:extLst>
+              <a:ext uri="{FF2B5EF4-FFF2-40B4-BE49-F238E27FC236}">
+                <a16:creationId xmlns:a16="http://schemas.microsoft.com/office/drawing/2014/main" id="{79096BDD-6A7E-4ED6-5F4F-9B5064E536A5}"/>
+              </a:ext>
+            </a:extLst>
+          </p:cNvPr>
+          <p:cNvSpPr txBox="1"/>
+          <p:nvPr/>
+        </p:nvSpPr>
+        <p:spPr>
+          <a:xfrm>
+            <a:off x="3353870" y="229215"/>
+            <a:ext cx="3779520" cy="461665"/>
+          </a:xfrm>
+          <a:prstGeom prst="rect">
+            <a:avLst/>
+          </a:prstGeom>
+          <a:noFill/>
+        </p:spPr>
+        <p:txBody>
+          <a:bodyPr wrap="square" rtlCol="0">
+            <a:spAutoFit/>
+          </a:bodyPr>
+          <a:lstStyle/>
+          <a:p>
+            <a:r>
+              <a:rPr lang="en-IN" sz="2400" b="1" spc="300" dirty="0">
+                <a:solidFill>
+                  <a:schemeClr val="bg1"/>
+                </a:solidFill>
+                <a:effectLst>
+                  <a:outerShdw blurRad="38100" dist="38100" dir="2700000" algn="tl">
+                    <a:srgbClr val="000000">
+                      <a:alpha val="43137"/>
+                    </a:srgbClr>
+                  </a:outerShdw>
+                </a:effectLst>
+                <a:highlight>
+                  <a:srgbClr val="FFFF00"/>
+                </a:highlight>
+              </a:rPr>
+              <a:t>AddController.java</a:t>
+            </a:r>
+          </a:p>
+        </p:txBody>
+      </p:sp>
+      <p:sp>
+        <p:nvSpPr>
+          <p:cNvPr id="5" name="Isosceles Triangle 4">
+            <a:hlinkClick r:id="rId3" action="ppaction://hlinksldjump"/>
+            <a:extLst>
+              <a:ext uri="{FF2B5EF4-FFF2-40B4-BE49-F238E27FC236}">
+                <a16:creationId xmlns:a16="http://schemas.microsoft.com/office/drawing/2014/main" id="{1F451D74-7E04-3A46-A5F3-3A5FECA9E026}"/>
+              </a:ext>
+            </a:extLst>
+          </p:cNvPr>
+          <p:cNvSpPr/>
+          <p:nvPr/>
+        </p:nvSpPr>
+        <p:spPr>
+          <a:xfrm rot="5400000">
+            <a:off x="11391900" y="6235700"/>
+            <a:ext cx="457200" cy="469900"/>
+          </a:xfrm>
+          <a:prstGeom prst="triangle">
+            <a:avLst/>
+          </a:prstGeom>
+        </p:spPr>
+        <p:style>
+          <a:lnRef idx="2">
+            <a:schemeClr val="accent1">
+              <a:shade val="15000"/>
+            </a:schemeClr>
+          </a:lnRef>
+          <a:fillRef idx="1">
+            <a:schemeClr val="accent1"/>
+          </a:fillRef>
+          <a:effectRef idx="0">
+            <a:schemeClr val="accent1"/>
+          </a:effectRef>
+          <a:fontRef idx="minor">
+            <a:schemeClr val="lt1"/>
+          </a:fontRef>
+        </p:style>
+        <p:txBody>
+          <a:bodyPr rtlCol="0" anchor="ctr"/>
+          <a:lstStyle/>
+          <a:p>
+            <a:pPr algn="ctr"/>
+            <a:endParaRPr lang="en-IN"/>
+          </a:p>
+        </p:txBody>
+      </p:sp>
+    </p:spTree>
+    <p:extLst>
+      <p:ext uri="{BB962C8B-B14F-4D97-AF65-F5344CB8AC3E}">
+        <p14:creationId xmlns:p14="http://schemas.microsoft.com/office/powerpoint/2010/main" val="2764716348"/>
+      </p:ext>
+    </p:extLst>
+  </p:cSld>
+  <p:clrMapOvr>
+    <a:masterClrMapping/>
+  </p:clrMapOvr>
+  <mc:AlternateContent xmlns:mc="http://schemas.openxmlformats.org/markup-compatibility/2006">
+    <mc:Choice xmlns:p15="http://schemas.microsoft.com/office/powerpoint/2012/main" Requires="p15">
+      <p:transition xmlns:p14="http://schemas.microsoft.com/office/powerpoint/2010/main" spd="slow" p14:dur="1250">
+        <p15:prstTrans prst="peelOff"/>
+      </p:transition>
+    </mc:Choice>
+    <mc:Fallback>
+      <p:transition spd="slow">
+        <p:fade/>
+      </p:transition>
+    </mc:Fallback>
+  </mc:AlternateContent>
+</p:sld>
+</file>
+
+<file path=ppt/slides/slide33.xml><?xml version="1.0" encoding="utf-8"?>
+<p:sld xmlns:a="http://schemas.openxmlformats.org/drawingml/2006/main" xmlns:r="http://schemas.openxmlformats.org/officeDocument/2006/relationships" xmlns:p="http://schemas.openxmlformats.org/presentationml/2006/main">
+  <p:cSld>
+    <p:bg>
+      <p:bgPr>
+        <a:gradFill flip="none" rotWithShape="1">
+          <a:gsLst>
+            <a:gs pos="0">
+              <a:schemeClr val="accent3">
+                <a:lumMod val="89000"/>
+              </a:schemeClr>
+            </a:gs>
+            <a:gs pos="23000">
+              <a:schemeClr val="accent3">
+                <a:lumMod val="89000"/>
+              </a:schemeClr>
+            </a:gs>
+            <a:gs pos="69000">
+              <a:schemeClr val="accent3">
+                <a:lumMod val="75000"/>
+              </a:schemeClr>
+            </a:gs>
+            <a:gs pos="97000">
+              <a:schemeClr val="accent3">
+                <a:lumMod val="70000"/>
+              </a:schemeClr>
+            </a:gs>
+          </a:gsLst>
+          <a:path path="circle">
+            <a:fillToRect l="50000" t="50000" r="50000" b="50000"/>
+          </a:path>
+          <a:tileRect/>
+        </a:gradFill>
+        <a:effectLst/>
+      </p:bgPr>
+    </p:bg>
+    <p:spTree>
+      <p:nvGrpSpPr>
+        <p:cNvPr id="1" name=""/>
+        <p:cNvGrpSpPr/>
+        <p:nvPr/>
+      </p:nvGrpSpPr>
+      <p:grpSpPr>
+        <a:xfrm>
+          <a:off x="0" y="0"/>
+          <a:ext cx="0" cy="0"/>
+          <a:chOff x="0" y="0"/>
+          <a:chExt cx="0" cy="0"/>
+        </a:xfrm>
+      </p:grpSpPr>
+      <p:pic>
+        <p:nvPicPr>
+          <p:cNvPr id="3" name="Picture 2">
+            <a:extLst>
+              <a:ext uri="{FF2B5EF4-FFF2-40B4-BE49-F238E27FC236}">
+                <a16:creationId xmlns:a16="http://schemas.microsoft.com/office/drawing/2014/main" id="{AA3625B3-AB39-A953-84A2-596684A33E11}"/>
+              </a:ext>
+            </a:extLst>
+          </p:cNvPr>
+          <p:cNvPicPr>
+            <a:picLocks noChangeAspect="1"/>
+          </p:cNvPicPr>
+          <p:nvPr/>
+        </p:nvPicPr>
+        <p:blipFill rotWithShape="1">
+          <a:blip r:embed="rId2"/>
+          <a:srcRect t="8704" r="34375" b="11111"/>
+          <a:stretch/>
+        </p:blipFill>
+        <p:spPr>
+          <a:xfrm>
+            <a:off x="876300" y="673100"/>
+            <a:ext cx="8775700" cy="6045200"/>
+          </a:xfrm>
+          <a:prstGeom prst="rect">
+            <a:avLst/>
+          </a:prstGeom>
+          <a:solidFill>
+            <a:srgbClr val="FFFFFF">
+              <a:shade val="85000"/>
+            </a:srgbClr>
+          </a:solidFill>
+          <a:ln w="88900" cap="sq">
+            <a:solidFill>
+              <a:srgbClr val="FFFFFF"/>
+            </a:solidFill>
+            <a:miter lim="800000"/>
+          </a:ln>
+          <a:effectLst>
+            <a:outerShdw blurRad="55000" dist="18000" dir="5400000" algn="tl" rotWithShape="0">
+              <a:srgbClr val="000000">
+                <a:alpha val="40000"/>
+              </a:srgbClr>
+            </a:outerShdw>
+          </a:effectLst>
+          <a:scene3d>
+            <a:camera prst="orthographicFront"/>
+            <a:lightRig rig="twoPt" dir="t">
+              <a:rot lat="0" lon="0" rev="7200000"/>
+            </a:lightRig>
+          </a:scene3d>
+          <a:sp3d>
+            <a:bevelT w="25400" h="19050"/>
+            <a:contourClr>
+              <a:srgbClr val="FFFFFF"/>
+            </a:contourClr>
+          </a:sp3d>
+        </p:spPr>
+      </p:pic>
+      <p:sp>
+        <p:nvSpPr>
+          <p:cNvPr id="4" name="Isosceles Triangle 3">
+            <a:hlinkClick r:id="rId3" action="ppaction://hlinksldjump"/>
+            <a:extLst>
+              <a:ext uri="{FF2B5EF4-FFF2-40B4-BE49-F238E27FC236}">
+                <a16:creationId xmlns:a16="http://schemas.microsoft.com/office/drawing/2014/main" id="{3323ECC4-A8D6-96CC-6274-4494E737E437}"/>
+              </a:ext>
+            </a:extLst>
+          </p:cNvPr>
+          <p:cNvSpPr/>
+          <p:nvPr/>
+        </p:nvSpPr>
+        <p:spPr>
+          <a:xfrm rot="5400000">
+            <a:off x="11137900" y="5892800"/>
+            <a:ext cx="533400" cy="558800"/>
+          </a:xfrm>
+          <a:prstGeom prst="triangle">
+            <a:avLst/>
+          </a:prstGeom>
+        </p:spPr>
+        <p:style>
+          <a:lnRef idx="2">
+            <a:schemeClr val="accent1">
+              <a:shade val="15000"/>
+            </a:schemeClr>
+          </a:lnRef>
+          <a:fillRef idx="1">
+            <a:schemeClr val="accent1"/>
+          </a:fillRef>
+          <a:effectRef idx="0">
+            <a:schemeClr val="accent1"/>
+          </a:effectRef>
+          <a:fontRef idx="minor">
+            <a:schemeClr val="lt1"/>
+          </a:fontRef>
+        </p:style>
+        <p:txBody>
+          <a:bodyPr rtlCol="0" anchor="ctr"/>
+          <a:lstStyle/>
+          <a:p>
+            <a:pPr algn="ctr"/>
+            <a:endParaRPr lang="en-IN"/>
+          </a:p>
+        </p:txBody>
+      </p:sp>
+      <p:sp>
+        <p:nvSpPr>
+          <p:cNvPr id="5" name="TextBox 4">
+            <a:extLst>
+              <a:ext uri="{FF2B5EF4-FFF2-40B4-BE49-F238E27FC236}">
+                <a16:creationId xmlns:a16="http://schemas.microsoft.com/office/drawing/2014/main" id="{4D39861A-4920-3454-AA32-C27805821CC3}"/>
+              </a:ext>
+            </a:extLst>
+          </p:cNvPr>
+          <p:cNvSpPr txBox="1"/>
+          <p:nvPr/>
+        </p:nvSpPr>
+        <p:spPr>
+          <a:xfrm>
+            <a:off x="3540827" y="69248"/>
+            <a:ext cx="3581400" cy="523220"/>
+          </a:xfrm>
+          <a:prstGeom prst="rect">
+            <a:avLst/>
+          </a:prstGeom>
+          <a:noFill/>
+        </p:spPr>
+        <p:txBody>
+          <a:bodyPr wrap="square" rtlCol="0">
+            <a:spAutoFit/>
+          </a:bodyPr>
+          <a:lstStyle/>
+          <a:p>
+            <a:r>
+              <a:rPr lang="en-IN" sz="2800" b="1" dirty="0">
+                <a:solidFill>
+                  <a:schemeClr val="bg1"/>
+                </a:solidFill>
+                <a:effectLst>
+                  <a:outerShdw blurRad="38100" dist="38100" dir="2700000" algn="tl">
+                    <a:srgbClr val="000000">
+                      <a:alpha val="43137"/>
+                    </a:srgbClr>
+                  </a:outerShdw>
+                </a:effectLst>
+                <a:highlight>
+                  <a:srgbClr val="FFFF00"/>
+                </a:highlight>
+              </a:rPr>
+              <a:t>addDao.java</a:t>
+            </a:r>
+          </a:p>
+        </p:txBody>
+      </p:sp>
+    </p:spTree>
+    <p:extLst>
+      <p:ext uri="{BB962C8B-B14F-4D97-AF65-F5344CB8AC3E}">
+        <p14:creationId xmlns:p14="http://schemas.microsoft.com/office/powerpoint/2010/main" val="1149470523"/>
+      </p:ext>
+    </p:extLst>
+  </p:cSld>
+  <p:clrMapOvr>
+    <a:masterClrMapping/>
+  </p:clrMapOvr>
+  <mc:AlternateContent xmlns:mc="http://schemas.openxmlformats.org/markup-compatibility/2006">
+    <mc:Choice xmlns:p15="http://schemas.microsoft.com/office/powerpoint/2012/main" Requires="p15">
+      <p:transition xmlns:p14="http://schemas.microsoft.com/office/powerpoint/2010/main" spd="slow" p14:dur="1250">
+        <p15:prstTrans prst="peelOff"/>
+      </p:transition>
+    </mc:Choice>
+    <mc:Fallback>
+      <p:transition spd="slow">
+        <p:fade/>
+      </p:transition>
+    </mc:Fallback>
+  </mc:AlternateContent>
+</p:sld>
+</file>
+
+<file path=ppt/slides/slide34.xml><?xml version="1.0" encoding="utf-8"?>
+<p:sld xmlns:a="http://schemas.openxmlformats.org/drawingml/2006/main" xmlns:r="http://schemas.openxmlformats.org/officeDocument/2006/relationships" xmlns:p="http://schemas.openxmlformats.org/presentationml/2006/main">
+  <p:cSld>
+    <p:bg>
+      <p:bgPr>
+        <a:gradFill flip="none" rotWithShape="1">
+          <a:gsLst>
+            <a:gs pos="0">
+              <a:schemeClr val="accent1">
+                <a:lumMod val="89000"/>
+              </a:schemeClr>
+            </a:gs>
+            <a:gs pos="23000">
+              <a:schemeClr val="accent1">
+                <a:lumMod val="89000"/>
+              </a:schemeClr>
+            </a:gs>
+            <a:gs pos="69000">
+              <a:schemeClr val="accent1">
+                <a:lumMod val="75000"/>
+              </a:schemeClr>
+            </a:gs>
+            <a:gs pos="97000">
+              <a:schemeClr val="accent1">
+                <a:lumMod val="70000"/>
+              </a:schemeClr>
+            </a:gs>
+          </a:gsLst>
+          <a:path path="circle">
+            <a:fillToRect l="50000" t="50000" r="50000" b="50000"/>
+          </a:path>
+          <a:tileRect/>
+        </a:gradFill>
+        <a:effectLst/>
+      </p:bgPr>
+    </p:bg>
+    <p:spTree>
+      <p:nvGrpSpPr>
+        <p:cNvPr id="1" name=""/>
+        <p:cNvGrpSpPr/>
+        <p:nvPr/>
+      </p:nvGrpSpPr>
+      <p:grpSpPr>
+        <a:xfrm>
+          <a:off x="0" y="0"/>
+          <a:ext cx="0" cy="0"/>
+          <a:chOff x="0" y="0"/>
+          <a:chExt cx="0" cy="0"/>
+        </a:xfrm>
+      </p:grpSpPr>
+      <p:pic>
+        <p:nvPicPr>
+          <p:cNvPr id="5" name="Picture 4">
+            <a:extLst>
+              <a:ext uri="{FF2B5EF4-FFF2-40B4-BE49-F238E27FC236}">
+                <a16:creationId xmlns:a16="http://schemas.microsoft.com/office/drawing/2014/main" id="{2AED99A8-9BF7-3B00-6B03-F32550D7F79E}"/>
+              </a:ext>
+            </a:extLst>
+          </p:cNvPr>
+          <p:cNvPicPr>
+            <a:picLocks noChangeAspect="1"/>
+          </p:cNvPicPr>
+          <p:nvPr/>
+        </p:nvPicPr>
+        <p:blipFill rotWithShape="1">
+          <a:blip r:embed="rId2"/>
+          <a:srcRect t="9122" r="36921" b="9615"/>
+          <a:stretch/>
+        </p:blipFill>
+        <p:spPr>
+          <a:xfrm>
+            <a:off x="1126156" y="683393"/>
+            <a:ext cx="8576109" cy="6063915"/>
+          </a:xfrm>
+          <a:prstGeom prst="rect">
+            <a:avLst/>
+          </a:prstGeom>
+        </p:spPr>
+      </p:pic>
+      <p:sp>
+        <p:nvSpPr>
+          <p:cNvPr id="6" name="TextBox 5">
+            <a:extLst>
+              <a:ext uri="{FF2B5EF4-FFF2-40B4-BE49-F238E27FC236}">
+                <a16:creationId xmlns:a16="http://schemas.microsoft.com/office/drawing/2014/main" id="{A6BDD5BD-FA92-6FA4-E2D5-F18AE9471479}"/>
+              </a:ext>
+            </a:extLst>
+          </p:cNvPr>
+          <p:cNvSpPr txBox="1"/>
+          <p:nvPr/>
+        </p:nvSpPr>
+        <p:spPr>
+          <a:xfrm>
+            <a:off x="3850105" y="160173"/>
+            <a:ext cx="2396689" cy="523220"/>
+          </a:xfrm>
+          <a:prstGeom prst="rect">
+            <a:avLst/>
+          </a:prstGeom>
+          <a:noFill/>
+        </p:spPr>
+        <p:txBody>
+          <a:bodyPr wrap="square" rtlCol="0">
+            <a:spAutoFit/>
+          </a:bodyPr>
+          <a:lstStyle/>
+          <a:p>
+            <a:r>
+              <a:rPr lang="en-IN" sz="2800" b="1" dirty="0" err="1">
+                <a:solidFill>
+                  <a:schemeClr val="bg1"/>
+                </a:solidFill>
+                <a:highlight>
+                  <a:srgbClr val="FFFF00"/>
+                </a:highlight>
+              </a:rPr>
+              <a:t>edit.jsp</a:t>
+            </a:r>
+            <a:endParaRPr lang="en-IN" sz="2800" b="1" dirty="0">
+              <a:solidFill>
+                <a:schemeClr val="bg1"/>
+              </a:solidFill>
+              <a:highlight>
+                <a:srgbClr val="FFFF00"/>
+              </a:highlight>
+            </a:endParaRPr>
+          </a:p>
+        </p:txBody>
+      </p:sp>
+      <p:sp>
+        <p:nvSpPr>
+          <p:cNvPr id="7" name="Isosceles Triangle 6">
+            <a:hlinkClick r:id="rId3" action="ppaction://hlinksldjump"/>
+            <a:extLst>
+              <a:ext uri="{FF2B5EF4-FFF2-40B4-BE49-F238E27FC236}">
+                <a16:creationId xmlns:a16="http://schemas.microsoft.com/office/drawing/2014/main" id="{47C63698-4DC8-FBAD-6F96-E04200B2E670}"/>
+              </a:ext>
+            </a:extLst>
+          </p:cNvPr>
+          <p:cNvSpPr/>
+          <p:nvPr/>
+        </p:nvSpPr>
+        <p:spPr>
+          <a:xfrm rot="5400000">
+            <a:off x="11300059" y="6169794"/>
+            <a:ext cx="404261" cy="385010"/>
+          </a:xfrm>
+          <a:prstGeom prst="triangle">
+            <a:avLst/>
+          </a:prstGeom>
+        </p:spPr>
+        <p:style>
+          <a:lnRef idx="2">
+            <a:schemeClr val="accent1">
+              <a:shade val="15000"/>
+            </a:schemeClr>
+          </a:lnRef>
+          <a:fillRef idx="1">
+            <a:schemeClr val="accent1"/>
+          </a:fillRef>
+          <a:effectRef idx="0">
+            <a:schemeClr val="accent1"/>
+          </a:effectRef>
+          <a:fontRef idx="minor">
+            <a:schemeClr val="lt1"/>
+          </a:fontRef>
+        </p:style>
+        <p:txBody>
+          <a:bodyPr rtlCol="0" anchor="ctr"/>
+          <a:lstStyle/>
+          <a:p>
+            <a:pPr algn="ctr"/>
+            <a:endParaRPr lang="en-IN"/>
+          </a:p>
+        </p:txBody>
+      </p:sp>
+    </p:spTree>
+    <p:extLst>
+      <p:ext uri="{BB962C8B-B14F-4D97-AF65-F5344CB8AC3E}">
+        <p14:creationId xmlns:p14="http://schemas.microsoft.com/office/powerpoint/2010/main" val="267303538"/>
+      </p:ext>
+    </p:extLst>
+  </p:cSld>
+  <p:clrMapOvr>
+    <a:masterClrMapping/>
+  </p:clrMapOvr>
+  <mc:AlternateContent xmlns:mc="http://schemas.openxmlformats.org/markup-compatibility/2006">
+    <mc:Choice xmlns:p15="http://schemas.microsoft.com/office/powerpoint/2012/main" Requires="p15">
+      <p:transition xmlns:p14="http://schemas.microsoft.com/office/powerpoint/2010/main" spd="slow" p14:dur="1250">
+        <p15:prstTrans prst="peelOff"/>
+      </p:transition>
+    </mc:Choice>
+    <mc:Fallback>
+      <p:transition spd="slow">
+        <p:fade/>
+      </p:transition>
+    </mc:Fallback>
+  </mc:AlternateContent>
+</p:sld>
+</file>
+
+<file path=ppt/slides/slide35.xml><?xml version="1.0" encoding="utf-8"?>
+<p:sld xmlns:a="http://schemas.openxmlformats.org/drawingml/2006/main" xmlns:r="http://schemas.openxmlformats.org/officeDocument/2006/relationships" xmlns:p="http://schemas.openxmlformats.org/presentationml/2006/main">
+  <p:cSld>
+    <p:bg>
+      <p:bgPr>
+        <a:gradFill flip="none" rotWithShape="1">
+          <a:gsLst>
+            <a:gs pos="0">
+              <a:schemeClr val="accent1">
+                <a:lumMod val="89000"/>
+              </a:schemeClr>
+            </a:gs>
+            <a:gs pos="23000">
+              <a:schemeClr val="accent1">
+                <a:lumMod val="89000"/>
+              </a:schemeClr>
+            </a:gs>
+            <a:gs pos="69000">
+              <a:schemeClr val="accent1">
+                <a:lumMod val="75000"/>
+              </a:schemeClr>
+            </a:gs>
+            <a:gs pos="97000">
+              <a:schemeClr val="accent1">
+                <a:lumMod val="70000"/>
+              </a:schemeClr>
+            </a:gs>
+          </a:gsLst>
+          <a:path path="circle">
+            <a:fillToRect l="50000" t="50000" r="50000" b="50000"/>
+          </a:path>
+          <a:tileRect/>
+        </a:gradFill>
+        <a:effectLst/>
+      </p:bgPr>
+    </p:bg>
+    <p:spTree>
+      <p:nvGrpSpPr>
+        <p:cNvPr id="1" name=""/>
+        <p:cNvGrpSpPr/>
+        <p:nvPr/>
+      </p:nvGrpSpPr>
+      <p:grpSpPr>
+        <a:xfrm>
+          <a:off x="0" y="0"/>
+          <a:ext cx="0" cy="0"/>
+          <a:chOff x="0" y="0"/>
+          <a:chExt cx="0" cy="0"/>
+        </a:xfrm>
+      </p:grpSpPr>
+      <p:pic>
+        <p:nvPicPr>
+          <p:cNvPr id="3" name="Picture 2">
+            <a:extLst>
+              <a:ext uri="{FF2B5EF4-FFF2-40B4-BE49-F238E27FC236}">
+                <a16:creationId xmlns:a16="http://schemas.microsoft.com/office/drawing/2014/main" id="{71B6AC68-4970-2F57-903C-1447732A1E8B}"/>
+              </a:ext>
+            </a:extLst>
+          </p:cNvPr>
+          <p:cNvPicPr>
+            <a:picLocks noChangeAspect="1"/>
+          </p:cNvPicPr>
+          <p:nvPr/>
+        </p:nvPicPr>
+        <p:blipFill rotWithShape="1">
+          <a:blip r:embed="rId2"/>
+          <a:srcRect t="9123" r="53579" b="16491"/>
+          <a:stretch/>
+        </p:blipFill>
+        <p:spPr>
+          <a:xfrm>
+            <a:off x="1164657" y="654518"/>
+            <a:ext cx="7449954" cy="6112041"/>
+          </a:xfrm>
+          <a:prstGeom prst="rect">
+            <a:avLst/>
+          </a:prstGeom>
+        </p:spPr>
+      </p:pic>
+      <p:sp>
+        <p:nvSpPr>
+          <p:cNvPr id="4" name="TextBox 3">
+            <a:extLst>
+              <a:ext uri="{FF2B5EF4-FFF2-40B4-BE49-F238E27FC236}">
+                <a16:creationId xmlns:a16="http://schemas.microsoft.com/office/drawing/2014/main" id="{3ECC6D5F-B90F-6CDE-ECA2-1B925BCD504B}"/>
+              </a:ext>
+            </a:extLst>
+          </p:cNvPr>
+          <p:cNvSpPr txBox="1"/>
+          <p:nvPr/>
+        </p:nvSpPr>
+        <p:spPr>
+          <a:xfrm>
+            <a:off x="3022332" y="91441"/>
+            <a:ext cx="3282215" cy="461665"/>
+          </a:xfrm>
+          <a:prstGeom prst="rect">
+            <a:avLst/>
+          </a:prstGeom>
+          <a:noFill/>
+        </p:spPr>
+        <p:txBody>
+          <a:bodyPr wrap="square" rtlCol="0">
+            <a:spAutoFit/>
+          </a:bodyPr>
+          <a:lstStyle/>
+          <a:p>
+            <a:r>
+              <a:rPr lang="en-IN" sz="2400" b="1" dirty="0">
+                <a:solidFill>
+                  <a:schemeClr val="bg1"/>
+                </a:solidFill>
+                <a:highlight>
+                  <a:srgbClr val="FFFF00"/>
+                </a:highlight>
+              </a:rPr>
+              <a:t>EditController</a:t>
+            </a:r>
+            <a:r>
+              <a:rPr lang="en-IN" b="1" dirty="0">
+                <a:solidFill>
+                  <a:schemeClr val="bg1"/>
+                </a:solidFill>
+                <a:highlight>
+                  <a:srgbClr val="FFFF00"/>
+                </a:highlight>
+              </a:rPr>
+              <a:t>.</a:t>
+            </a:r>
+            <a:r>
+              <a:rPr lang="en-IN" sz="2400" b="1" dirty="0">
+                <a:solidFill>
+                  <a:schemeClr val="bg1"/>
+                </a:solidFill>
+                <a:highlight>
+                  <a:srgbClr val="FFFF00"/>
+                </a:highlight>
+              </a:rPr>
+              <a:t>java</a:t>
+            </a:r>
+            <a:endParaRPr lang="en-IN" b="1" dirty="0">
+              <a:solidFill>
+                <a:schemeClr val="bg1"/>
+              </a:solidFill>
+              <a:highlight>
+                <a:srgbClr val="FFFF00"/>
+              </a:highlight>
+            </a:endParaRPr>
+          </a:p>
+        </p:txBody>
+      </p:sp>
+      <p:sp>
+        <p:nvSpPr>
+          <p:cNvPr id="5" name="Isosceles Triangle 4">
+            <a:hlinkClick r:id="rId3" action="ppaction://hlinksldjump"/>
+            <a:extLst>
+              <a:ext uri="{FF2B5EF4-FFF2-40B4-BE49-F238E27FC236}">
+                <a16:creationId xmlns:a16="http://schemas.microsoft.com/office/drawing/2014/main" id="{4E9B4B52-8382-08BE-592A-6E7351310E1C}"/>
+              </a:ext>
+            </a:extLst>
+          </p:cNvPr>
+          <p:cNvSpPr/>
+          <p:nvPr/>
+        </p:nvSpPr>
+        <p:spPr>
+          <a:xfrm rot="5400000">
+            <a:off x="11328935" y="6246796"/>
+            <a:ext cx="385010" cy="336884"/>
+          </a:xfrm>
+          <a:prstGeom prst="triangle">
+            <a:avLst/>
+          </a:prstGeom>
+        </p:spPr>
+        <p:style>
+          <a:lnRef idx="2">
+            <a:schemeClr val="accent1">
+              <a:shade val="15000"/>
+            </a:schemeClr>
+          </a:lnRef>
+          <a:fillRef idx="1">
+            <a:schemeClr val="accent1"/>
+          </a:fillRef>
+          <a:effectRef idx="0">
+            <a:schemeClr val="accent1"/>
+          </a:effectRef>
+          <a:fontRef idx="minor">
+            <a:schemeClr val="lt1"/>
+          </a:fontRef>
+        </p:style>
+        <p:txBody>
+          <a:bodyPr rtlCol="0" anchor="ctr"/>
+          <a:lstStyle/>
+          <a:p>
+            <a:pPr algn="ctr"/>
+            <a:endParaRPr lang="en-IN"/>
+          </a:p>
+        </p:txBody>
+      </p:sp>
+    </p:spTree>
+    <p:extLst>
+      <p:ext uri="{BB962C8B-B14F-4D97-AF65-F5344CB8AC3E}">
+        <p14:creationId xmlns:p14="http://schemas.microsoft.com/office/powerpoint/2010/main" val="2808076821"/>
+      </p:ext>
+    </p:extLst>
+  </p:cSld>
+  <p:clrMapOvr>
+    <a:masterClrMapping/>
+  </p:clrMapOvr>
+  <mc:AlternateContent xmlns:mc="http://schemas.openxmlformats.org/markup-compatibility/2006">
+    <mc:Choice xmlns:p15="http://schemas.microsoft.com/office/powerpoint/2012/main" Requires="p15">
+      <p:transition xmlns:p14="http://schemas.microsoft.com/office/powerpoint/2010/main" spd="slow" p14:dur="1250">
+        <p15:prstTrans prst="peelOff"/>
+      </p:transition>
+    </mc:Choice>
+    <mc:Fallback>
+      <p:transition spd="slow">
+        <p:fade/>
+      </p:transition>
+    </mc:Fallback>
+  </mc:AlternateContent>
+</p:sld>
+</file>
+
+<file path=ppt/slides/slide36.xml><?xml version="1.0" encoding="utf-8"?>
+<p:sld xmlns:a="http://schemas.openxmlformats.org/drawingml/2006/main" xmlns:r="http://schemas.openxmlformats.org/officeDocument/2006/relationships" xmlns:p="http://schemas.openxmlformats.org/presentationml/2006/main">
+  <p:cSld>
+    <p:bg>
+      <p:bgPr>
+        <a:gradFill flip="none" rotWithShape="1">
+          <a:gsLst>
+            <a:gs pos="0">
+              <a:schemeClr val="accent1">
+                <a:lumMod val="89000"/>
+              </a:schemeClr>
+            </a:gs>
+            <a:gs pos="23000">
+              <a:schemeClr val="accent1">
+                <a:lumMod val="89000"/>
+              </a:schemeClr>
+            </a:gs>
+            <a:gs pos="69000">
+              <a:schemeClr val="accent1">
+                <a:lumMod val="75000"/>
+              </a:schemeClr>
+            </a:gs>
+            <a:gs pos="97000">
+              <a:schemeClr val="accent1">
+                <a:lumMod val="70000"/>
+              </a:schemeClr>
+            </a:gs>
+          </a:gsLst>
+          <a:path path="circle">
+            <a:fillToRect l="50000" t="50000" r="50000" b="50000"/>
+          </a:path>
+          <a:tileRect/>
+        </a:gradFill>
+        <a:effectLst/>
+      </p:bgPr>
+    </p:bg>
+    <p:spTree>
+      <p:nvGrpSpPr>
+        <p:cNvPr id="1" name=""/>
+        <p:cNvGrpSpPr/>
+        <p:nvPr/>
+      </p:nvGrpSpPr>
+      <p:grpSpPr>
+        <a:xfrm>
+          <a:off x="0" y="0"/>
+          <a:ext cx="0" cy="0"/>
+          <a:chOff x="0" y="0"/>
+          <a:chExt cx="0" cy="0"/>
+        </a:xfrm>
+      </p:grpSpPr>
+      <p:pic>
+        <p:nvPicPr>
+          <p:cNvPr id="3" name="Picture 2">
+            <a:extLst>
+              <a:ext uri="{FF2B5EF4-FFF2-40B4-BE49-F238E27FC236}">
+                <a16:creationId xmlns:a16="http://schemas.microsoft.com/office/drawing/2014/main" id="{6330EB83-0FFC-85DF-0B03-067FD3D72777}"/>
+              </a:ext>
+            </a:extLst>
+          </p:cNvPr>
+          <p:cNvPicPr>
+            <a:picLocks noChangeAspect="1"/>
+          </p:cNvPicPr>
+          <p:nvPr/>
+        </p:nvPicPr>
+        <p:blipFill rotWithShape="1">
+          <a:blip r:embed="rId2"/>
+          <a:srcRect t="10245" r="32895" b="10316"/>
+          <a:stretch/>
+        </p:blipFill>
+        <p:spPr>
+          <a:xfrm>
+            <a:off x="1029903" y="943276"/>
+            <a:ext cx="8884117" cy="5842536"/>
+          </a:xfrm>
+          <a:prstGeom prst="rect">
+            <a:avLst/>
+          </a:prstGeom>
+        </p:spPr>
+      </p:pic>
+      <p:sp>
+        <p:nvSpPr>
+          <p:cNvPr id="4" name="TextBox 3">
+            <a:extLst>
+              <a:ext uri="{FF2B5EF4-FFF2-40B4-BE49-F238E27FC236}">
+                <a16:creationId xmlns:a16="http://schemas.microsoft.com/office/drawing/2014/main" id="{C26DE7DE-639D-0D41-FD99-69283A8C2A17}"/>
+              </a:ext>
+            </a:extLst>
+          </p:cNvPr>
+          <p:cNvSpPr txBox="1"/>
+          <p:nvPr/>
+        </p:nvSpPr>
+        <p:spPr>
+          <a:xfrm>
+            <a:off x="3291840" y="279133"/>
+            <a:ext cx="3551722" cy="523220"/>
+          </a:xfrm>
+          <a:prstGeom prst="rect">
+            <a:avLst/>
+          </a:prstGeom>
+          <a:noFill/>
+        </p:spPr>
+        <p:txBody>
+          <a:bodyPr wrap="square" rtlCol="0">
+            <a:spAutoFit/>
+          </a:bodyPr>
+          <a:lstStyle/>
+          <a:p>
+            <a:pPr algn="ctr"/>
+            <a:r>
+              <a:rPr lang="en-IN" sz="2800" b="1" dirty="0">
+                <a:solidFill>
+                  <a:schemeClr val="bg1"/>
+                </a:solidFill>
+                <a:effectLst>
+                  <a:outerShdw blurRad="38100" dist="38100" dir="2700000" algn="tl">
+                    <a:srgbClr val="000000">
+                      <a:alpha val="43137"/>
+                    </a:srgbClr>
+                  </a:outerShdw>
+                </a:effectLst>
+                <a:highlight>
+                  <a:srgbClr val="FFFF00"/>
+                </a:highlight>
+              </a:rPr>
+              <a:t>editDao.Java</a:t>
+            </a:r>
+          </a:p>
+        </p:txBody>
+      </p:sp>
+      <p:sp>
+        <p:nvSpPr>
+          <p:cNvPr id="5" name="Isosceles Triangle 4">
+            <a:hlinkClick r:id="rId3" action="ppaction://hlinksldjump"/>
+            <a:extLst>
+              <a:ext uri="{FF2B5EF4-FFF2-40B4-BE49-F238E27FC236}">
+                <a16:creationId xmlns:a16="http://schemas.microsoft.com/office/drawing/2014/main" id="{F8B44335-61ED-2DA5-A78E-0D6AB9DA22DF}"/>
+              </a:ext>
+            </a:extLst>
+          </p:cNvPr>
+          <p:cNvSpPr/>
+          <p:nvPr/>
+        </p:nvSpPr>
+        <p:spPr>
+          <a:xfrm rot="5400000">
+            <a:off x="11275995" y="6208295"/>
+            <a:ext cx="404261" cy="375385"/>
+          </a:xfrm>
+          <a:prstGeom prst="triangle">
+            <a:avLst/>
+          </a:prstGeom>
+        </p:spPr>
+        <p:style>
+          <a:lnRef idx="2">
+            <a:schemeClr val="accent1">
+              <a:shade val="15000"/>
+            </a:schemeClr>
+          </a:lnRef>
+          <a:fillRef idx="1">
+            <a:schemeClr val="accent1"/>
+          </a:fillRef>
+          <a:effectRef idx="0">
+            <a:schemeClr val="accent1"/>
+          </a:effectRef>
+          <a:fontRef idx="minor">
+            <a:schemeClr val="lt1"/>
+          </a:fontRef>
+        </p:style>
+        <p:txBody>
+          <a:bodyPr rtlCol="0" anchor="ctr"/>
+          <a:lstStyle/>
+          <a:p>
+            <a:pPr algn="ctr"/>
+            <a:endParaRPr lang="en-IN"/>
+          </a:p>
+        </p:txBody>
+      </p:sp>
+    </p:spTree>
+    <p:extLst>
+      <p:ext uri="{BB962C8B-B14F-4D97-AF65-F5344CB8AC3E}">
+        <p14:creationId xmlns:p14="http://schemas.microsoft.com/office/powerpoint/2010/main" val="691258262"/>
+      </p:ext>
+    </p:extLst>
+  </p:cSld>
+  <p:clrMapOvr>
+    <a:masterClrMapping/>
+  </p:clrMapOvr>
+  <mc:AlternateContent xmlns:mc="http://schemas.openxmlformats.org/markup-compatibility/2006">
+    <mc:Choice xmlns:p15="http://schemas.microsoft.com/office/powerpoint/2012/main" Requires="p15">
+      <p:transition xmlns:p14="http://schemas.microsoft.com/office/powerpoint/2010/main" spd="slow" p14:dur="1250">
+        <p15:prstTrans prst="peelOff"/>
+      </p:transition>
+    </mc:Choice>
+    <mc:Fallback>
+      <p:transition spd="slow">
+        <p:fade/>
+      </p:transition>
+    </mc:Fallback>
+  </mc:AlternateContent>
+</p:sld>
+</file>
+
+<file path=ppt/slides/slide37.xml><?xml version="1.0" encoding="utf-8"?>
+<p:sld xmlns:a="http://schemas.openxmlformats.org/drawingml/2006/main" xmlns:r="http://schemas.openxmlformats.org/officeDocument/2006/relationships" xmlns:p="http://schemas.openxmlformats.org/presentationml/2006/main">
+  <p:cSld>
+    <p:bg>
+      <p:bgPr>
+        <a:gradFill flip="none" rotWithShape="1">
+          <a:gsLst>
+            <a:gs pos="0">
+              <a:schemeClr val="accent3">
+                <a:lumMod val="89000"/>
+              </a:schemeClr>
+            </a:gs>
+            <a:gs pos="23000">
+              <a:schemeClr val="accent3">
+                <a:lumMod val="89000"/>
+              </a:schemeClr>
+            </a:gs>
+            <a:gs pos="69000">
+              <a:schemeClr val="accent3">
+                <a:lumMod val="75000"/>
+              </a:schemeClr>
+            </a:gs>
+            <a:gs pos="97000">
+              <a:schemeClr val="accent3">
+                <a:lumMod val="70000"/>
+              </a:schemeClr>
+            </a:gs>
+          </a:gsLst>
+          <a:path path="circle">
+            <a:fillToRect l="50000" t="50000" r="50000" b="50000"/>
+          </a:path>
+          <a:tileRect/>
+        </a:gradFill>
+        <a:effectLst/>
+      </p:bgPr>
+    </p:bg>
+    <p:spTree>
+      <p:nvGrpSpPr>
+        <p:cNvPr id="1" name=""/>
+        <p:cNvGrpSpPr/>
+        <p:nvPr/>
+      </p:nvGrpSpPr>
+      <p:grpSpPr>
+        <a:xfrm>
+          <a:off x="0" y="0"/>
+          <a:ext cx="0" cy="0"/>
+          <a:chOff x="0" y="0"/>
+          <a:chExt cx="0" cy="0"/>
+        </a:xfrm>
+      </p:grpSpPr>
+      <p:pic>
+        <p:nvPicPr>
+          <p:cNvPr id="3" name="Picture 2">
+            <a:extLst>
+              <a:ext uri="{FF2B5EF4-FFF2-40B4-BE49-F238E27FC236}">
+                <a16:creationId xmlns:a16="http://schemas.microsoft.com/office/drawing/2014/main" id="{32B3CB86-1249-0CEF-F967-5326B43563F3}"/>
+              </a:ext>
+            </a:extLst>
+          </p:cNvPr>
+          <p:cNvPicPr>
+            <a:picLocks noChangeAspect="1"/>
+          </p:cNvPicPr>
+          <p:nvPr/>
+        </p:nvPicPr>
+        <p:blipFill rotWithShape="1">
+          <a:blip r:embed="rId2"/>
+          <a:srcRect t="9123" r="33210" b="12000"/>
+          <a:stretch/>
+        </p:blipFill>
+        <p:spPr>
+          <a:xfrm>
+            <a:off x="1020277" y="885524"/>
+            <a:ext cx="8874494" cy="5861786"/>
+          </a:xfrm>
+          <a:prstGeom prst="rect">
+            <a:avLst/>
+          </a:prstGeom>
+        </p:spPr>
+      </p:pic>
+      <p:sp>
+        <p:nvSpPr>
+          <p:cNvPr id="4" name="Isosceles Triangle 3">
+            <a:hlinkClick r:id="rId3" action="ppaction://hlinksldjump"/>
+            <a:extLst>
+              <a:ext uri="{FF2B5EF4-FFF2-40B4-BE49-F238E27FC236}">
+                <a16:creationId xmlns:a16="http://schemas.microsoft.com/office/drawing/2014/main" id="{F06AD87D-6986-D344-B4C3-2EF608F5229A}"/>
+              </a:ext>
+            </a:extLst>
+          </p:cNvPr>
+          <p:cNvSpPr/>
+          <p:nvPr/>
+        </p:nvSpPr>
+        <p:spPr>
+          <a:xfrm rot="5400000">
+            <a:off x="11242307" y="6208295"/>
+            <a:ext cx="433137" cy="413886"/>
+          </a:xfrm>
+          <a:prstGeom prst="triangle">
+            <a:avLst/>
+          </a:prstGeom>
+        </p:spPr>
+        <p:style>
+          <a:lnRef idx="2">
+            <a:schemeClr val="accent1">
+              <a:shade val="15000"/>
+            </a:schemeClr>
+          </a:lnRef>
+          <a:fillRef idx="1">
+            <a:schemeClr val="accent1"/>
+          </a:fillRef>
+          <a:effectRef idx="0">
+            <a:schemeClr val="accent1"/>
+          </a:effectRef>
+          <a:fontRef idx="minor">
+            <a:schemeClr val="lt1"/>
+          </a:fontRef>
+        </p:style>
+        <p:txBody>
+          <a:bodyPr rtlCol="0" anchor="ctr"/>
+          <a:lstStyle/>
+          <a:p>
+            <a:pPr algn="ctr"/>
+            <a:endParaRPr lang="en-IN"/>
+          </a:p>
+        </p:txBody>
+      </p:sp>
+      <p:sp>
+        <p:nvSpPr>
+          <p:cNvPr id="5" name="TextBox 4">
+            <a:extLst>
+              <a:ext uri="{FF2B5EF4-FFF2-40B4-BE49-F238E27FC236}">
+                <a16:creationId xmlns:a16="http://schemas.microsoft.com/office/drawing/2014/main" id="{A8035E0C-96B9-ABAE-3638-B506DF13A954}"/>
+              </a:ext>
+            </a:extLst>
+          </p:cNvPr>
+          <p:cNvSpPr txBox="1"/>
+          <p:nvPr/>
+        </p:nvSpPr>
+        <p:spPr>
+          <a:xfrm>
+            <a:off x="2675823" y="235818"/>
+            <a:ext cx="3060834" cy="523220"/>
+          </a:xfrm>
+          <a:prstGeom prst="rect">
+            <a:avLst/>
+          </a:prstGeom>
+          <a:noFill/>
+        </p:spPr>
+        <p:txBody>
+          <a:bodyPr wrap="square" rtlCol="0">
+            <a:spAutoFit/>
+          </a:bodyPr>
+          <a:lstStyle/>
+          <a:p>
+            <a:pPr algn="ctr"/>
+            <a:r>
+              <a:rPr lang="en-IN" sz="2800" b="1" dirty="0">
+                <a:solidFill>
+                  <a:schemeClr val="bg1"/>
+                </a:solidFill>
+                <a:effectLst>
+                  <a:outerShdw blurRad="38100" dist="38100" dir="2700000" algn="tl">
+                    <a:srgbClr val="000000">
+                      <a:alpha val="43137"/>
+                    </a:srgbClr>
+                  </a:outerShdw>
+                </a:effectLst>
+                <a:highlight>
+                  <a:srgbClr val="FFFF00"/>
+                </a:highlight>
+              </a:rPr>
+              <a:t>delete</a:t>
+            </a:r>
+            <a:r>
+              <a:rPr lang="en-IN" sz="2000" b="1" dirty="0">
+                <a:solidFill>
+                  <a:schemeClr val="bg1"/>
+                </a:solidFill>
+                <a:effectLst>
+                  <a:outerShdw blurRad="38100" dist="38100" dir="2700000" algn="tl">
+                    <a:srgbClr val="000000">
+                      <a:alpha val="43137"/>
+                    </a:srgbClr>
+                  </a:outerShdw>
+                </a:effectLst>
+                <a:highlight>
+                  <a:srgbClr val="FFFF00"/>
+                </a:highlight>
+              </a:rPr>
+              <a:t>.</a:t>
+            </a:r>
+            <a:r>
+              <a:rPr lang="en-IN" sz="2800" b="1" dirty="0">
+                <a:solidFill>
+                  <a:schemeClr val="bg1"/>
+                </a:solidFill>
+                <a:effectLst>
+                  <a:outerShdw blurRad="38100" dist="38100" dir="2700000" algn="tl">
+                    <a:srgbClr val="000000">
+                      <a:alpha val="43137"/>
+                    </a:srgbClr>
+                  </a:outerShdw>
+                </a:effectLst>
+                <a:highlight>
+                  <a:srgbClr val="FFFF00"/>
+                </a:highlight>
+              </a:rPr>
+              <a:t>jsp</a:t>
+            </a:r>
+            <a:endParaRPr lang="en-IN" sz="2000" b="1" dirty="0">
+              <a:solidFill>
+                <a:schemeClr val="bg1"/>
+              </a:solidFill>
+              <a:effectLst>
+                <a:outerShdw blurRad="38100" dist="38100" dir="2700000" algn="tl">
+                  <a:srgbClr val="000000">
+                    <a:alpha val="43137"/>
+                  </a:srgbClr>
+                </a:outerShdw>
+              </a:effectLst>
+              <a:highlight>
+                <a:srgbClr val="FFFF00"/>
+              </a:highlight>
+            </a:endParaRPr>
+          </a:p>
+        </p:txBody>
+      </p:sp>
+    </p:spTree>
+    <p:extLst>
+      <p:ext uri="{BB962C8B-B14F-4D97-AF65-F5344CB8AC3E}">
+        <p14:creationId xmlns:p14="http://schemas.microsoft.com/office/powerpoint/2010/main" val="2506744926"/>
+      </p:ext>
+    </p:extLst>
+  </p:cSld>
+  <p:clrMapOvr>
+    <a:masterClrMapping/>
+  </p:clrMapOvr>
+  <mc:AlternateContent xmlns:mc="http://schemas.openxmlformats.org/markup-compatibility/2006">
+    <mc:Choice xmlns:p15="http://schemas.microsoft.com/office/powerpoint/2012/main" Requires="p15">
+      <p:transition xmlns:p14="http://schemas.microsoft.com/office/powerpoint/2010/main" spd="slow" p14:dur="1250">
+        <p15:prstTrans prst="peelOff"/>
+      </p:transition>
+    </mc:Choice>
+    <mc:Fallback>
+      <p:transition spd="slow">
+        <p:fade/>
+      </p:transition>
+    </mc:Fallback>
+  </mc:AlternateContent>
+</p:sld>
+</file>
+
+<file path=ppt/slides/slide38.xml><?xml version="1.0" encoding="utf-8"?>
+<p:sld xmlns:a="http://schemas.openxmlformats.org/drawingml/2006/main" xmlns:r="http://schemas.openxmlformats.org/officeDocument/2006/relationships" xmlns:p="http://schemas.openxmlformats.org/presentationml/2006/main">
+  <p:cSld>
+    <p:bg>
+      <p:bgPr>
+        <a:gradFill flip="none" rotWithShape="1">
+          <a:gsLst>
+            <a:gs pos="0">
+              <a:schemeClr val="accent5">
+                <a:lumMod val="89000"/>
+              </a:schemeClr>
+            </a:gs>
+            <a:gs pos="0">
+              <a:schemeClr val="accent5">
+                <a:lumMod val="89000"/>
+              </a:schemeClr>
+            </a:gs>
+            <a:gs pos="0">
+              <a:schemeClr val="accent5">
+                <a:lumMod val="75000"/>
+              </a:schemeClr>
+            </a:gs>
+            <a:gs pos="97000">
+              <a:schemeClr val="accent5">
+                <a:lumMod val="70000"/>
+              </a:schemeClr>
+            </a:gs>
+          </a:gsLst>
+          <a:path path="circle">
+            <a:fillToRect l="50000" t="50000" r="50000" b="50000"/>
+          </a:path>
+          <a:tileRect/>
+        </a:gradFill>
+        <a:effectLst/>
+      </p:bgPr>
+    </p:bg>
+    <p:spTree>
+      <p:nvGrpSpPr>
+        <p:cNvPr id="1" name=""/>
+        <p:cNvGrpSpPr/>
+        <p:nvPr/>
+      </p:nvGrpSpPr>
+      <p:grpSpPr>
+        <a:xfrm>
+          <a:off x="0" y="0"/>
+          <a:ext cx="0" cy="0"/>
+          <a:chOff x="0" y="0"/>
+          <a:chExt cx="0" cy="0"/>
+        </a:xfrm>
+      </p:grpSpPr>
+      <p:sp>
+        <p:nvSpPr>
+          <p:cNvPr id="2" name="Title 1">
+            <a:extLst>
+              <a:ext uri="{FF2B5EF4-FFF2-40B4-BE49-F238E27FC236}">
+                <a16:creationId xmlns:a16="http://schemas.microsoft.com/office/drawing/2014/main" id="{CD39935C-C697-797E-8A02-EF7AF0F97E6D}"/>
+              </a:ext>
+            </a:extLst>
+          </p:cNvPr>
+          <p:cNvSpPr>
+            <a:spLocks noGrp="1"/>
+          </p:cNvSpPr>
+          <p:nvPr>
+            <p:ph type="title"/>
+          </p:nvPr>
+        </p:nvSpPr>
+        <p:spPr/>
+        <p:txBody>
+          <a:bodyPr/>
+          <a:lstStyle/>
+          <a:p>
+            <a:r>
+              <a:rPr lang="en-IN" dirty="0"/>
+              <a:t>Conclusion</a:t>
+            </a:r>
+          </a:p>
+        </p:txBody>
+      </p:sp>
+      <p:sp>
+        <p:nvSpPr>
+          <p:cNvPr id="3" name="Content Placeholder 2">
+            <a:extLst>
+              <a:ext uri="{FF2B5EF4-FFF2-40B4-BE49-F238E27FC236}">
+                <a16:creationId xmlns:a16="http://schemas.microsoft.com/office/drawing/2014/main" id="{6C77A535-5699-A311-9E9F-23425ECD3CEE}"/>
+              </a:ext>
+            </a:extLst>
+          </p:cNvPr>
+          <p:cNvSpPr>
+            <a:spLocks noGrp="1"/>
+          </p:cNvSpPr>
+          <p:nvPr>
+            <p:ph idx="1"/>
+          </p:nvPr>
+        </p:nvSpPr>
+        <p:spPr>
+          <a:xfrm>
+            <a:off x="515936" y="2219219"/>
+            <a:ext cx="10220559" cy="5280917"/>
+          </a:xfrm>
+        </p:spPr>
+        <p:txBody>
+          <a:bodyPr>
+            <a:normAutofit/>
+          </a:bodyPr>
+          <a:lstStyle/>
+          <a:p>
+            <a:pPr>
+              <a:buFont typeface="Wingdings" panose="05000000000000000000" pitchFamily="2" charset="2"/>
+              <a:buChar char="Ø"/>
+            </a:pPr>
+            <a:r>
+              <a:rPr lang="en-US" sz="1800" dirty="0"/>
+              <a:t>In conclusion, we have successfully demonstrated the process of building a Simple CRUD Web Application using Java Servlets and JSP. Throughout this presentation, we covered the key functionalities of the application, allowing users to register, log in, add, edit, and delete records in the database. CRUD operations (Create, Read, Update, Delete) are fundamental for managing data in a database, and our application effectively implements these operations.</a:t>
+            </a:r>
+          </a:p>
+          <a:p>
+            <a:pPr>
+              <a:buFont typeface="Wingdings" panose="05000000000000000000" pitchFamily="2" charset="2"/>
+              <a:buChar char="Ø"/>
+            </a:pPr>
+            <a:r>
+              <a:rPr lang="en-US" sz="1800" dirty="0"/>
+              <a:t>Java Servlets and JSP have proven to be a powerful combination for developing dynamic web applications. Servlets handle server-side requests and responses, while JSP enables us to generate dynamic HTML content. With the help of MySQL as the database management system and JDBC for database connectivity, we have seamlessly integrated the front-end and back-end components.</a:t>
+            </a:r>
+          </a:p>
+          <a:p>
+            <a:pPr>
+              <a:buFont typeface="Wingdings" panose="05000000000000000000" pitchFamily="2" charset="2"/>
+              <a:buChar char="Ø"/>
+            </a:pPr>
+            <a:r>
+              <a:rPr lang="en-US" sz="1800" dirty="0"/>
+              <a:t>By following this presentation, developers can gain a solid foundation for building more complex web applications and extend this basic structure to cater to specific project requirements. The ability to manage data effectively and provide a user-friendly interface is crucial for modern web applications, and Java Servlets and JSP offer a reliable solution for achieving these goals. Thank you for joining us on this journey to create a Simple CRUD Web Application using Java Servlets and JSP.</a:t>
+            </a:r>
+            <a:endParaRPr lang="en-IN" sz="1800" dirty="0"/>
+          </a:p>
+        </p:txBody>
+      </p:sp>
+    </p:spTree>
+    <p:extLst>
+      <p:ext uri="{BB962C8B-B14F-4D97-AF65-F5344CB8AC3E}">
+        <p14:creationId xmlns:p14="http://schemas.microsoft.com/office/powerpoint/2010/main" val="3520839168"/>
+      </p:ext>
+    </p:extLst>
+  </p:cSld>
+  <p:clrMapOvr>
+    <a:masterClrMapping/>
+  </p:clrMapOvr>
+  <mc:AlternateContent xmlns:mc="http://schemas.openxmlformats.org/markup-compatibility/2006">
+    <mc:Choice xmlns:p15="http://schemas.microsoft.com/office/powerpoint/2012/main" Requires="p15">
+      <p:transition xmlns:p14="http://schemas.microsoft.com/office/powerpoint/2010/main" spd="slow" p14:dur="1250">
+        <p15:prstTrans prst="peelOff"/>
+      </p:transition>
+    </mc:Choice>
+    <mc:Fallback>
       <p:transition spd="slow">
         <p:fade/>
       </p:transition>
@@ -15125,13 +19126,13 @@
   <p:clrMapOvr>
     <a:masterClrMapping/>
   </p:clrMapOvr>
-  <mc:AlternateContent xmlns:mc="http://schemas.openxmlformats.org/markup-compatibility/2006" xmlns:p15="http://schemas.microsoft.com/office/powerpoint/2012/main">
-    <mc:Choice Requires="p15">
+  <mc:AlternateContent xmlns:mc="http://schemas.openxmlformats.org/markup-compatibility/2006">
+    <mc:Choice xmlns:p15="http://schemas.microsoft.com/office/powerpoint/2012/main" Requires="p15">
       <p:transition xmlns:p14="http://schemas.microsoft.com/office/powerpoint/2010/main" spd="slow" p14:dur="1250">
         <p15:prstTrans prst="peelOff"/>
       </p:transition>
     </mc:Choice>
-    <mc:Fallback xmlns="">
+    <mc:Fallback>
       <p:transition spd="slow">
         <p:fade/>
       </p:transition>
@@ -15383,13 +19384,13 @@
   <p:clrMapOvr>
     <a:masterClrMapping/>
   </p:clrMapOvr>
-  <mc:AlternateContent xmlns:mc="http://schemas.openxmlformats.org/markup-compatibility/2006" xmlns:p15="http://schemas.microsoft.com/office/powerpoint/2012/main">
-    <mc:Choice Requires="p15">
+  <mc:AlternateContent xmlns:mc="http://schemas.openxmlformats.org/markup-compatibility/2006">
+    <mc:Choice xmlns:p15="http://schemas.microsoft.com/office/powerpoint/2012/main" Requires="p15">
       <p:transition xmlns:p14="http://schemas.microsoft.com/office/powerpoint/2010/main" spd="slow" p14:dur="1250">
         <p15:prstTrans prst="peelOff"/>
       </p:transition>
     </mc:Choice>
-    <mc:Fallback xmlns="">
+    <mc:Fallback>
       <p:transition spd="slow">
         <p:fade/>
       </p:transition>
@@ -15599,13 +19600,13 @@
   <p:clrMapOvr>
     <a:masterClrMapping/>
   </p:clrMapOvr>
-  <mc:AlternateContent xmlns:mc="http://schemas.openxmlformats.org/markup-compatibility/2006" xmlns:p15="http://schemas.microsoft.com/office/powerpoint/2012/main">
-    <mc:Choice Requires="p15">
+  <mc:AlternateContent xmlns:mc="http://schemas.openxmlformats.org/markup-compatibility/2006">
+    <mc:Choice xmlns:p15="http://schemas.microsoft.com/office/powerpoint/2012/main" Requires="p15">
       <p:transition xmlns:p14="http://schemas.microsoft.com/office/powerpoint/2010/main" spd="slow" p14:dur="1250">
         <p15:prstTrans prst="peelOff"/>
       </p:transition>
     </mc:Choice>
-    <mc:Fallback xmlns="">
+    <mc:Fallback>
       <p:transition spd="slow">
         <p:fade/>
       </p:transition>
@@ -15833,13 +19834,13 @@
   <p:clrMapOvr>
     <a:masterClrMapping/>
   </p:clrMapOvr>
-  <mc:AlternateContent xmlns:mc="http://schemas.openxmlformats.org/markup-compatibility/2006" xmlns:p15="http://schemas.microsoft.com/office/powerpoint/2012/main">
-    <mc:Choice Requires="p15">
+  <mc:AlternateContent xmlns:mc="http://schemas.openxmlformats.org/markup-compatibility/2006">
+    <mc:Choice xmlns:p15="http://schemas.microsoft.com/office/powerpoint/2012/main" Requires="p15">
       <p:transition xmlns:p14="http://schemas.microsoft.com/office/powerpoint/2010/main" spd="slow" p14:dur="1250">
         <p15:prstTrans prst="peelOff"/>
       </p:transition>
     </mc:Choice>
-    <mc:Fallback xmlns="">
+    <mc:Fallback>
       <p:transition spd="slow">
         <p:fade/>
       </p:transition>
@@ -16072,13 +20073,13 @@
   <p:clrMapOvr>
     <a:masterClrMapping/>
   </p:clrMapOvr>
-  <mc:AlternateContent xmlns:mc="http://schemas.openxmlformats.org/markup-compatibility/2006" xmlns:p15="http://schemas.microsoft.com/office/powerpoint/2012/main">
-    <mc:Choice Requires="p15">
+  <mc:AlternateContent xmlns:mc="http://schemas.openxmlformats.org/markup-compatibility/2006">
+    <mc:Choice xmlns:p15="http://schemas.microsoft.com/office/powerpoint/2012/main" Requires="p15">
       <p:transition xmlns:p14="http://schemas.microsoft.com/office/powerpoint/2010/main" spd="slow" p14:dur="1250">
         <p15:prstTrans prst="peelOff"/>
       </p:transition>
     </mc:Choice>
-    <mc:Fallback xmlns="">
+    <mc:Fallback>
       <p:transition spd="slow">
         <p:fade/>
       </p:transition>
@@ -16204,8 +20205,42 @@
             </a:pPr>
             <a:r>
               <a:rPr lang="da-DK" dirty="0"/>
-              <a:t>	1.registration.html </a:t>
-            </a:r>
+              <a:t>	1.</a:t>
+            </a:r>
+            <a:r>
+              <a:rPr lang="da-DK" b="1" dirty="0">
+                <a:solidFill>
+                  <a:srgbClr val="FFFF00"/>
+                </a:solidFill>
+                <a:effectLst>
+                  <a:outerShdw blurRad="38100" dist="38100" dir="2700000" algn="tl">
+                    <a:srgbClr val="000000">
+                      <a:alpha val="43137"/>
+                    </a:srgbClr>
+                  </a:outerShdw>
+                </a:effectLst>
+                <a:hlinkClick r:id="rId2" action="ppaction://hlinksldjump">
+                  <a:extLst>
+                    <a:ext uri="{A12FA001-AC4F-418D-AE19-62706E023703}">
+                      <ahyp:hlinkClr xmlns:ahyp="http://schemas.microsoft.com/office/drawing/2018/hyperlinkcolor" val="tx"/>
+                    </a:ext>
+                  </a:extLst>
+                </a:hlinkClick>
+              </a:rPr>
+              <a:t>registration.html </a:t>
+            </a:r>
+            <a:endParaRPr lang="da-DK" b="1" dirty="0">
+              <a:solidFill>
+                <a:srgbClr val="FFFF00"/>
+              </a:solidFill>
+              <a:effectLst>
+                <a:outerShdw blurRad="38100" dist="38100" dir="2700000" algn="tl">
+                  <a:srgbClr val="000000">
+                    <a:alpha val="43137"/>
+                  </a:srgbClr>
+                </a:outerShdw>
+              </a:effectLst>
+            </a:endParaRPr>
           </a:p>
           <a:p>
             <a:pPr marL="0" indent="0">
@@ -16228,8 +20263,42 @@
             </a:pPr>
             <a:r>
               <a:rPr lang="en-US" dirty="0"/>
-              <a:t>	2.registration.jsp </a:t>
-            </a:r>
+              <a:t>	2.</a:t>
+            </a:r>
+            <a:r>
+              <a:rPr lang="en-US" b="1" dirty="0">
+                <a:solidFill>
+                  <a:srgbClr val="FFFF00"/>
+                </a:solidFill>
+                <a:effectLst>
+                  <a:outerShdw blurRad="38100" dist="38100" dir="2700000" algn="tl">
+                    <a:srgbClr val="000000">
+                      <a:alpha val="43137"/>
+                    </a:srgbClr>
+                  </a:outerShdw>
+                </a:effectLst>
+                <a:hlinkClick r:id="rId3" action="ppaction://hlinksldjump">
+                  <a:extLst>
+                    <a:ext uri="{A12FA001-AC4F-418D-AE19-62706E023703}">
+                      <ahyp:hlinkClr xmlns:ahyp="http://schemas.microsoft.com/office/drawing/2018/hyperlinkcolor" val="tx"/>
+                    </a:ext>
+                  </a:extLst>
+                </a:hlinkClick>
+              </a:rPr>
+              <a:t>registration.jsp </a:t>
+            </a:r>
+            <a:endParaRPr lang="en-US" b="1" dirty="0">
+              <a:solidFill>
+                <a:srgbClr val="FFFF00"/>
+              </a:solidFill>
+              <a:effectLst>
+                <a:outerShdw blurRad="38100" dist="38100" dir="2700000" algn="tl">
+                  <a:srgbClr val="000000">
+                    <a:alpha val="43137"/>
+                  </a:srgbClr>
+                </a:outerShdw>
+              </a:effectLst>
+            </a:endParaRPr>
           </a:p>
           <a:p>
             <a:pPr marL="0" indent="0">
@@ -16309,11 +20378,85 @@
             </a:pPr>
             <a:r>
               <a:rPr lang="da-DK" dirty="0">
-                <a:hlinkClick r:id="rId2" action="ppaction://hlinksldjump"/>
+                <a:hlinkClick r:id="rId4" action="ppaction://hlinksldjump"/>
               </a:rPr>
               <a:t>Slide 18</a:t>
             </a:r>
             <a:endParaRPr lang="da-DK" dirty="0"/>
+          </a:p>
+        </p:txBody>
+      </p:sp>
+      <p:sp>
+        <p:nvSpPr>
+          <p:cNvPr id="7" name="TextBox 6">
+            <a:hlinkClick r:id="rId5" action="ppaction://hlinksldjump"/>
+            <a:extLst>
+              <a:ext uri="{FF2B5EF4-FFF2-40B4-BE49-F238E27FC236}">
+                <a16:creationId xmlns:a16="http://schemas.microsoft.com/office/drawing/2014/main" id="{87F65627-DC75-0D30-12DE-9C48B9E433D4}"/>
+              </a:ext>
+            </a:extLst>
+          </p:cNvPr>
+          <p:cNvSpPr txBox="1"/>
+          <p:nvPr/>
+        </p:nvSpPr>
+        <p:spPr>
+          <a:xfrm>
+            <a:off x="10808413" y="2255520"/>
+            <a:ext cx="1181529" cy="369332"/>
+          </a:xfrm>
+          <a:prstGeom prst="rect">
+            <a:avLst/>
+          </a:prstGeom>
+          <a:noFill/>
+        </p:spPr>
+        <p:txBody>
+          <a:bodyPr wrap="square" rtlCol="0">
+            <a:spAutoFit/>
+          </a:bodyPr>
+          <a:lstStyle/>
+          <a:p>
+            <a:r>
+              <a:rPr lang="en-IN" dirty="0"/>
+              <a:t>  CREATE </a:t>
+            </a:r>
+          </a:p>
+        </p:txBody>
+      </p:sp>
+      <p:sp>
+        <p:nvSpPr>
+          <p:cNvPr id="8" name="TextBox 7">
+            <a:extLst>
+              <a:ext uri="{FF2B5EF4-FFF2-40B4-BE49-F238E27FC236}">
+                <a16:creationId xmlns:a16="http://schemas.microsoft.com/office/drawing/2014/main" id="{E7BB3F72-87E0-8139-B090-1E40BC8AF3A9}"/>
+              </a:ext>
+            </a:extLst>
+          </p:cNvPr>
+          <p:cNvSpPr txBox="1"/>
+          <p:nvPr/>
+        </p:nvSpPr>
+        <p:spPr>
+          <a:xfrm>
+            <a:off x="11033760" y="2804160"/>
+            <a:ext cx="956182" cy="369332"/>
+          </a:xfrm>
+          <a:prstGeom prst="rect">
+            <a:avLst/>
+          </a:prstGeom>
+          <a:noFill/>
+        </p:spPr>
+        <p:txBody>
+          <a:bodyPr wrap="square" rtlCol="0">
+            <a:spAutoFit/>
+          </a:bodyPr>
+          <a:lstStyle/>
+          <a:p>
+            <a:r>
+              <a:rPr lang="en-IN" dirty="0">
+                <a:hlinkClick r:id="rId6" action="ppaction://hlinksldjump"/>
+              </a:rPr>
+              <a:t>INSERT</a:t>
+            </a:r>
+            <a:endParaRPr lang="en-IN" dirty="0"/>
           </a:p>
         </p:txBody>
       </p:sp>
@@ -16327,13 +20470,13 @@
   <p:clrMapOvr>
     <a:masterClrMapping/>
   </p:clrMapOvr>
-  <mc:AlternateContent xmlns:mc="http://schemas.openxmlformats.org/markup-compatibility/2006" xmlns:p15="http://schemas.microsoft.com/office/powerpoint/2012/main">
-    <mc:Choice Requires="p15">
+  <mc:AlternateContent xmlns:mc="http://schemas.openxmlformats.org/markup-compatibility/2006">
+    <mc:Choice xmlns:p15="http://schemas.microsoft.com/office/powerpoint/2012/main" Requires="p15">
       <p:transition xmlns:p14="http://schemas.microsoft.com/office/powerpoint/2010/main" spd="slow" p14:dur="1250">
         <p15:prstTrans prst="peelOff"/>
       </p:transition>
     </mc:Choice>
-    <mc:Fallback xmlns="">
+    <mc:Fallback>
       <p:transition spd="slow">
         <p:fade/>
       </p:transition>
